--- a/static/articles/0-0-what-why-how-why方法论.pptx
+++ b/static/articles/0-0-what-why-how-why方法论.pptx
@@ -5,14 +5,15 @@
     <p:sldMasterId id="2147483648" r:id="rId1"/>
   </p:sldMasterIdLst>
   <p:notesMasterIdLst>
-    <p:notesMasterId r:id="rId7"/>
+    <p:notesMasterId r:id="rId8"/>
   </p:notesMasterIdLst>
   <p:sldIdLst>
     <p:sldId id="279" r:id="rId2"/>
     <p:sldId id="283" r:id="rId3"/>
     <p:sldId id="281" r:id="rId4"/>
     <p:sldId id="282" r:id="rId5"/>
-    <p:sldId id="284" r:id="rId6"/>
+    <p:sldId id="285" r:id="rId6"/>
+    <p:sldId id="284" r:id="rId7"/>
   </p:sldIdLst>
   <p:sldSz cx="12192000" cy="6858000"/>
   <p:notesSz cx="6858000" cy="9144000"/>
@@ -201,7 +202,7 @@
           <a:p>
             <a:fld id="{A829BB37-1D09-48CE-BDD3-343EE4919C76}" type="datetimeFigureOut">
               <a:rPr lang="zh-CN" altLang="en-US" smtClean="0"/>
-              <a:t>2023/9/26</a:t>
+              <a:t>2024/12/29</a:t>
             </a:fld>
             <a:endParaRPr lang="zh-CN" altLang="en-US"/>
           </a:p>
@@ -265,38 +266,37 @@
           <a:p>
             <a:pPr lvl="0"/>
             <a:r>
-              <a:rPr lang="zh-CN" altLang="en-US" smtClean="0"/>
+              <a:rPr lang="zh-CN" altLang="en-US"/>
               <a:t>编辑母版文本样式</a:t>
             </a:r>
           </a:p>
           <a:p>
             <a:pPr lvl="1"/>
             <a:r>
-              <a:rPr lang="zh-CN" altLang="en-US" smtClean="0"/>
+              <a:rPr lang="zh-CN" altLang="en-US"/>
               <a:t>第二级</a:t>
             </a:r>
           </a:p>
           <a:p>
             <a:pPr lvl="2"/>
             <a:r>
-              <a:rPr lang="zh-CN" altLang="en-US" smtClean="0"/>
+              <a:rPr lang="zh-CN" altLang="en-US"/>
               <a:t>第三级</a:t>
             </a:r>
           </a:p>
           <a:p>
             <a:pPr lvl="3"/>
             <a:r>
-              <a:rPr lang="zh-CN" altLang="en-US" smtClean="0"/>
+              <a:rPr lang="zh-CN" altLang="en-US"/>
               <a:t>第四级</a:t>
             </a:r>
           </a:p>
           <a:p>
             <a:pPr lvl="4"/>
             <a:r>
-              <a:rPr lang="zh-CN" altLang="en-US" smtClean="0"/>
+              <a:rPr lang="zh-CN" altLang="en-US"/>
               <a:t>第五级</a:t>
             </a:r>
-            <a:endParaRPr lang="zh-CN" altLang="en-US"/>
           </a:p>
         </p:txBody>
       </p:sp>
@@ -511,10 +511,9 @@
           </a:lstStyle>
           <a:p>
             <a:r>
-              <a:rPr lang="zh-CN" altLang="en-US" smtClean="0"/>
+              <a:rPr lang="zh-CN" altLang="en-US"/>
               <a:t>单击此处编辑母版标题样式</a:t>
             </a:r>
-            <a:endParaRPr lang="zh-CN" altLang="en-US"/>
           </a:p>
         </p:txBody>
       </p:sp>
@@ -576,10 +575,9 @@
           </a:lstStyle>
           <a:p>
             <a:r>
-              <a:rPr lang="zh-CN" altLang="en-US" smtClean="0"/>
+              <a:rPr lang="zh-CN" altLang="en-US"/>
               <a:t>单击以编辑母版副标题样式</a:t>
             </a:r>
-            <a:endParaRPr lang="zh-CN" altLang="en-US"/>
           </a:p>
         </p:txBody>
       </p:sp>
@@ -600,7 +598,7 @@
           <a:p>
             <a:fld id="{C961BBE7-A22A-401B-8203-FA7E5F4F6C13}" type="datetimeFigureOut">
               <a:rPr lang="zh-CN" altLang="en-US" smtClean="0"/>
-              <a:t>2023/9/26</a:t>
+              <a:t>2024/12/29</a:t>
             </a:fld>
             <a:endParaRPr lang="zh-CN" altLang="en-US"/>
           </a:p>
@@ -694,10 +692,9 @@
           <a:lstStyle/>
           <a:p>
             <a:r>
-              <a:rPr lang="zh-CN" altLang="en-US" smtClean="0"/>
+              <a:rPr lang="zh-CN" altLang="en-US"/>
               <a:t>单击此处编辑母版标题样式</a:t>
             </a:r>
-            <a:endParaRPr lang="zh-CN" altLang="en-US"/>
           </a:p>
         </p:txBody>
       </p:sp>
@@ -718,38 +715,37 @@
           <a:p>
             <a:pPr lvl="0"/>
             <a:r>
-              <a:rPr lang="zh-CN" altLang="en-US" smtClean="0"/>
+              <a:rPr lang="zh-CN" altLang="en-US"/>
               <a:t>编辑母版文本样式</a:t>
             </a:r>
           </a:p>
           <a:p>
             <a:pPr lvl="1"/>
             <a:r>
-              <a:rPr lang="zh-CN" altLang="en-US" smtClean="0"/>
+              <a:rPr lang="zh-CN" altLang="en-US"/>
               <a:t>第二级</a:t>
             </a:r>
           </a:p>
           <a:p>
             <a:pPr lvl="2"/>
             <a:r>
-              <a:rPr lang="zh-CN" altLang="en-US" smtClean="0"/>
+              <a:rPr lang="zh-CN" altLang="en-US"/>
               <a:t>第三级</a:t>
             </a:r>
           </a:p>
           <a:p>
             <a:pPr lvl="3"/>
             <a:r>
-              <a:rPr lang="zh-CN" altLang="en-US" smtClean="0"/>
+              <a:rPr lang="zh-CN" altLang="en-US"/>
               <a:t>第四级</a:t>
             </a:r>
           </a:p>
           <a:p>
             <a:pPr lvl="4"/>
             <a:r>
-              <a:rPr lang="zh-CN" altLang="en-US" smtClean="0"/>
+              <a:rPr lang="zh-CN" altLang="en-US"/>
               <a:t>第五级</a:t>
             </a:r>
-            <a:endParaRPr lang="zh-CN" altLang="en-US"/>
           </a:p>
         </p:txBody>
       </p:sp>
@@ -770,7 +766,7 @@
           <a:p>
             <a:fld id="{C961BBE7-A22A-401B-8203-FA7E5F4F6C13}" type="datetimeFigureOut">
               <a:rPr lang="zh-CN" altLang="en-US" smtClean="0"/>
-              <a:t>2023/9/26</a:t>
+              <a:t>2024/12/29</a:t>
             </a:fld>
             <a:endParaRPr lang="zh-CN" altLang="en-US"/>
           </a:p>
@@ -869,10 +865,9 @@
           <a:lstStyle/>
           <a:p>
             <a:r>
-              <a:rPr lang="zh-CN" altLang="en-US" smtClean="0"/>
+              <a:rPr lang="zh-CN" altLang="en-US"/>
               <a:t>单击此处编辑母版标题样式</a:t>
             </a:r>
-            <a:endParaRPr lang="zh-CN" altLang="en-US"/>
           </a:p>
         </p:txBody>
       </p:sp>
@@ -898,38 +893,37 @@
           <a:p>
             <a:pPr lvl="0"/>
             <a:r>
-              <a:rPr lang="zh-CN" altLang="en-US" smtClean="0"/>
+              <a:rPr lang="zh-CN" altLang="en-US"/>
               <a:t>编辑母版文本样式</a:t>
             </a:r>
           </a:p>
           <a:p>
             <a:pPr lvl="1"/>
             <a:r>
-              <a:rPr lang="zh-CN" altLang="en-US" smtClean="0"/>
+              <a:rPr lang="zh-CN" altLang="en-US"/>
               <a:t>第二级</a:t>
             </a:r>
           </a:p>
           <a:p>
             <a:pPr lvl="2"/>
             <a:r>
-              <a:rPr lang="zh-CN" altLang="en-US" smtClean="0"/>
+              <a:rPr lang="zh-CN" altLang="en-US"/>
               <a:t>第三级</a:t>
             </a:r>
           </a:p>
           <a:p>
             <a:pPr lvl="3"/>
             <a:r>
-              <a:rPr lang="zh-CN" altLang="en-US" smtClean="0"/>
+              <a:rPr lang="zh-CN" altLang="en-US"/>
               <a:t>第四级</a:t>
             </a:r>
           </a:p>
           <a:p>
             <a:pPr lvl="4"/>
             <a:r>
-              <a:rPr lang="zh-CN" altLang="en-US" smtClean="0"/>
+              <a:rPr lang="zh-CN" altLang="en-US"/>
               <a:t>第五级</a:t>
             </a:r>
-            <a:endParaRPr lang="zh-CN" altLang="en-US"/>
           </a:p>
         </p:txBody>
       </p:sp>
@@ -950,7 +944,7 @@
           <a:p>
             <a:fld id="{C961BBE7-A22A-401B-8203-FA7E5F4F6C13}" type="datetimeFigureOut">
               <a:rPr lang="zh-CN" altLang="en-US" smtClean="0"/>
-              <a:t>2023/9/26</a:t>
+              <a:t>2024/12/29</a:t>
             </a:fld>
             <a:endParaRPr lang="zh-CN" altLang="en-US"/>
           </a:p>
@@ -1044,10 +1038,9 @@
           <a:lstStyle/>
           <a:p>
             <a:r>
-              <a:rPr lang="zh-CN" altLang="en-US" smtClean="0"/>
+              <a:rPr lang="zh-CN" altLang="en-US"/>
               <a:t>单击此处编辑母版标题样式</a:t>
             </a:r>
-            <a:endParaRPr lang="zh-CN" altLang="en-US"/>
           </a:p>
         </p:txBody>
       </p:sp>
@@ -1068,38 +1061,37 @@
           <a:p>
             <a:pPr lvl="0"/>
             <a:r>
-              <a:rPr lang="zh-CN" altLang="en-US" smtClean="0"/>
+              <a:rPr lang="zh-CN" altLang="en-US"/>
               <a:t>编辑母版文本样式</a:t>
             </a:r>
           </a:p>
           <a:p>
             <a:pPr lvl="1"/>
             <a:r>
-              <a:rPr lang="zh-CN" altLang="en-US" smtClean="0"/>
+              <a:rPr lang="zh-CN" altLang="en-US"/>
               <a:t>第二级</a:t>
             </a:r>
           </a:p>
           <a:p>
             <a:pPr lvl="2"/>
             <a:r>
-              <a:rPr lang="zh-CN" altLang="en-US" smtClean="0"/>
+              <a:rPr lang="zh-CN" altLang="en-US"/>
               <a:t>第三级</a:t>
             </a:r>
           </a:p>
           <a:p>
             <a:pPr lvl="3"/>
             <a:r>
-              <a:rPr lang="zh-CN" altLang="en-US" smtClean="0"/>
+              <a:rPr lang="zh-CN" altLang="en-US"/>
               <a:t>第四级</a:t>
             </a:r>
           </a:p>
           <a:p>
             <a:pPr lvl="4"/>
             <a:r>
-              <a:rPr lang="zh-CN" altLang="en-US" smtClean="0"/>
+              <a:rPr lang="zh-CN" altLang="en-US"/>
               <a:t>第五级</a:t>
             </a:r>
-            <a:endParaRPr lang="zh-CN" altLang="en-US"/>
           </a:p>
         </p:txBody>
       </p:sp>
@@ -1120,7 +1112,7 @@
           <a:p>
             <a:fld id="{C961BBE7-A22A-401B-8203-FA7E5F4F6C13}" type="datetimeFigureOut">
               <a:rPr lang="zh-CN" altLang="en-US" smtClean="0"/>
-              <a:t>2023/9/26</a:t>
+              <a:t>2024/12/29</a:t>
             </a:fld>
             <a:endParaRPr lang="zh-CN" altLang="en-US"/>
           </a:p>
@@ -1223,10 +1215,9 @@
           </a:lstStyle>
           <a:p>
             <a:r>
-              <a:rPr lang="zh-CN" altLang="en-US" smtClean="0"/>
+              <a:rPr lang="zh-CN" altLang="en-US"/>
               <a:t>单击此处编辑母版标题样式</a:t>
             </a:r>
-            <a:endParaRPr lang="zh-CN" altLang="en-US"/>
           </a:p>
         </p:txBody>
       </p:sp>
@@ -1343,7 +1334,7 @@
           <a:p>
             <a:pPr lvl="0"/>
             <a:r>
-              <a:rPr lang="zh-CN" altLang="en-US" smtClean="0"/>
+              <a:rPr lang="zh-CN" altLang="en-US"/>
               <a:t>编辑母版文本样式</a:t>
             </a:r>
           </a:p>
@@ -1366,7 +1357,7 @@
           <a:p>
             <a:fld id="{C961BBE7-A22A-401B-8203-FA7E5F4F6C13}" type="datetimeFigureOut">
               <a:rPr lang="zh-CN" altLang="en-US" smtClean="0"/>
-              <a:t>2023/9/26</a:t>
+              <a:t>2024/12/29</a:t>
             </a:fld>
             <a:endParaRPr lang="zh-CN" altLang="en-US"/>
           </a:p>
@@ -1460,10 +1451,9 @@
           <a:lstStyle/>
           <a:p>
             <a:r>
-              <a:rPr lang="zh-CN" altLang="en-US" smtClean="0"/>
+              <a:rPr lang="zh-CN" altLang="en-US"/>
               <a:t>单击此处编辑母版标题样式</a:t>
             </a:r>
-            <a:endParaRPr lang="zh-CN" altLang="en-US"/>
           </a:p>
         </p:txBody>
       </p:sp>
@@ -1489,38 +1479,37 @@
           <a:p>
             <a:pPr lvl="0"/>
             <a:r>
-              <a:rPr lang="zh-CN" altLang="en-US" smtClean="0"/>
+              <a:rPr lang="zh-CN" altLang="en-US"/>
               <a:t>编辑母版文本样式</a:t>
             </a:r>
           </a:p>
           <a:p>
             <a:pPr lvl="1"/>
             <a:r>
-              <a:rPr lang="zh-CN" altLang="en-US" smtClean="0"/>
+              <a:rPr lang="zh-CN" altLang="en-US"/>
               <a:t>第二级</a:t>
             </a:r>
           </a:p>
           <a:p>
             <a:pPr lvl="2"/>
             <a:r>
-              <a:rPr lang="zh-CN" altLang="en-US" smtClean="0"/>
+              <a:rPr lang="zh-CN" altLang="en-US"/>
               <a:t>第三级</a:t>
             </a:r>
           </a:p>
           <a:p>
             <a:pPr lvl="3"/>
             <a:r>
-              <a:rPr lang="zh-CN" altLang="en-US" smtClean="0"/>
+              <a:rPr lang="zh-CN" altLang="en-US"/>
               <a:t>第四级</a:t>
             </a:r>
           </a:p>
           <a:p>
             <a:pPr lvl="4"/>
             <a:r>
-              <a:rPr lang="zh-CN" altLang="en-US" smtClean="0"/>
+              <a:rPr lang="zh-CN" altLang="en-US"/>
               <a:t>第五级</a:t>
             </a:r>
-            <a:endParaRPr lang="zh-CN" altLang="en-US"/>
           </a:p>
         </p:txBody>
       </p:sp>
@@ -1546,38 +1535,37 @@
           <a:p>
             <a:pPr lvl="0"/>
             <a:r>
-              <a:rPr lang="zh-CN" altLang="en-US" smtClean="0"/>
+              <a:rPr lang="zh-CN" altLang="en-US"/>
               <a:t>编辑母版文本样式</a:t>
             </a:r>
           </a:p>
           <a:p>
             <a:pPr lvl="1"/>
             <a:r>
-              <a:rPr lang="zh-CN" altLang="en-US" smtClean="0"/>
+              <a:rPr lang="zh-CN" altLang="en-US"/>
               <a:t>第二级</a:t>
             </a:r>
           </a:p>
           <a:p>
             <a:pPr lvl="2"/>
             <a:r>
-              <a:rPr lang="zh-CN" altLang="en-US" smtClean="0"/>
+              <a:rPr lang="zh-CN" altLang="en-US"/>
               <a:t>第三级</a:t>
             </a:r>
           </a:p>
           <a:p>
             <a:pPr lvl="3"/>
             <a:r>
-              <a:rPr lang="zh-CN" altLang="en-US" smtClean="0"/>
+              <a:rPr lang="zh-CN" altLang="en-US"/>
               <a:t>第四级</a:t>
             </a:r>
           </a:p>
           <a:p>
             <a:pPr lvl="4"/>
             <a:r>
-              <a:rPr lang="zh-CN" altLang="en-US" smtClean="0"/>
+              <a:rPr lang="zh-CN" altLang="en-US"/>
               <a:t>第五级</a:t>
             </a:r>
-            <a:endParaRPr lang="zh-CN" altLang="en-US"/>
           </a:p>
         </p:txBody>
       </p:sp>
@@ -1598,7 +1586,7 @@
           <a:p>
             <a:fld id="{C961BBE7-A22A-401B-8203-FA7E5F4F6C13}" type="datetimeFigureOut">
               <a:rPr lang="zh-CN" altLang="en-US" smtClean="0"/>
-              <a:t>2023/9/26</a:t>
+              <a:t>2024/12/29</a:t>
             </a:fld>
             <a:endParaRPr lang="zh-CN" altLang="en-US"/>
           </a:p>
@@ -1697,10 +1685,9 @@
           <a:lstStyle/>
           <a:p>
             <a:r>
-              <a:rPr lang="zh-CN" altLang="en-US" smtClean="0"/>
+              <a:rPr lang="zh-CN" altLang="en-US"/>
               <a:t>单击此处编辑母版标题样式</a:t>
             </a:r>
-            <a:endParaRPr lang="zh-CN" altLang="en-US"/>
           </a:p>
         </p:txBody>
       </p:sp>
@@ -1763,7 +1750,7 @@
           <a:p>
             <a:pPr lvl="0"/>
             <a:r>
-              <a:rPr lang="zh-CN" altLang="en-US" smtClean="0"/>
+              <a:rPr lang="zh-CN" altLang="en-US"/>
               <a:t>编辑母版文本样式</a:t>
             </a:r>
           </a:p>
@@ -1791,38 +1778,37 @@
           <a:p>
             <a:pPr lvl="0"/>
             <a:r>
-              <a:rPr lang="zh-CN" altLang="en-US" smtClean="0"/>
+              <a:rPr lang="zh-CN" altLang="en-US"/>
               <a:t>编辑母版文本样式</a:t>
             </a:r>
           </a:p>
           <a:p>
             <a:pPr lvl="1"/>
             <a:r>
-              <a:rPr lang="zh-CN" altLang="en-US" smtClean="0"/>
+              <a:rPr lang="zh-CN" altLang="en-US"/>
               <a:t>第二级</a:t>
             </a:r>
           </a:p>
           <a:p>
             <a:pPr lvl="2"/>
             <a:r>
-              <a:rPr lang="zh-CN" altLang="en-US" smtClean="0"/>
+              <a:rPr lang="zh-CN" altLang="en-US"/>
               <a:t>第三级</a:t>
             </a:r>
           </a:p>
           <a:p>
             <a:pPr lvl="3"/>
             <a:r>
-              <a:rPr lang="zh-CN" altLang="en-US" smtClean="0"/>
+              <a:rPr lang="zh-CN" altLang="en-US"/>
               <a:t>第四级</a:t>
             </a:r>
           </a:p>
           <a:p>
             <a:pPr lvl="4"/>
             <a:r>
-              <a:rPr lang="zh-CN" altLang="en-US" smtClean="0"/>
+              <a:rPr lang="zh-CN" altLang="en-US"/>
               <a:t>第五级</a:t>
             </a:r>
-            <a:endParaRPr lang="zh-CN" altLang="en-US"/>
           </a:p>
         </p:txBody>
       </p:sp>
@@ -1885,7 +1871,7 @@
           <a:p>
             <a:pPr lvl="0"/>
             <a:r>
-              <a:rPr lang="zh-CN" altLang="en-US" smtClean="0"/>
+              <a:rPr lang="zh-CN" altLang="en-US"/>
               <a:t>编辑母版文本样式</a:t>
             </a:r>
           </a:p>
@@ -1913,38 +1899,37 @@
           <a:p>
             <a:pPr lvl="0"/>
             <a:r>
-              <a:rPr lang="zh-CN" altLang="en-US" smtClean="0"/>
+              <a:rPr lang="zh-CN" altLang="en-US"/>
               <a:t>编辑母版文本样式</a:t>
             </a:r>
           </a:p>
           <a:p>
             <a:pPr lvl="1"/>
             <a:r>
-              <a:rPr lang="zh-CN" altLang="en-US" smtClean="0"/>
+              <a:rPr lang="zh-CN" altLang="en-US"/>
               <a:t>第二级</a:t>
             </a:r>
           </a:p>
           <a:p>
             <a:pPr lvl="2"/>
             <a:r>
-              <a:rPr lang="zh-CN" altLang="en-US" smtClean="0"/>
+              <a:rPr lang="zh-CN" altLang="en-US"/>
               <a:t>第三级</a:t>
             </a:r>
           </a:p>
           <a:p>
             <a:pPr lvl="3"/>
             <a:r>
-              <a:rPr lang="zh-CN" altLang="en-US" smtClean="0"/>
+              <a:rPr lang="zh-CN" altLang="en-US"/>
               <a:t>第四级</a:t>
             </a:r>
           </a:p>
           <a:p>
             <a:pPr lvl="4"/>
             <a:r>
-              <a:rPr lang="zh-CN" altLang="en-US" smtClean="0"/>
+              <a:rPr lang="zh-CN" altLang="en-US"/>
               <a:t>第五级</a:t>
             </a:r>
-            <a:endParaRPr lang="zh-CN" altLang="en-US"/>
           </a:p>
         </p:txBody>
       </p:sp>
@@ -1965,7 +1950,7 @@
           <a:p>
             <a:fld id="{C961BBE7-A22A-401B-8203-FA7E5F4F6C13}" type="datetimeFigureOut">
               <a:rPr lang="zh-CN" altLang="en-US" smtClean="0"/>
-              <a:t>2023/9/26</a:t>
+              <a:t>2024/12/29</a:t>
             </a:fld>
             <a:endParaRPr lang="zh-CN" altLang="en-US"/>
           </a:p>
@@ -2059,10 +2044,9 @@
           <a:lstStyle/>
           <a:p>
             <a:r>
-              <a:rPr lang="zh-CN" altLang="en-US" smtClean="0"/>
+              <a:rPr lang="zh-CN" altLang="en-US"/>
               <a:t>单击此处编辑母版标题样式</a:t>
             </a:r>
-            <a:endParaRPr lang="zh-CN" altLang="en-US"/>
           </a:p>
         </p:txBody>
       </p:sp>
@@ -2083,7 +2067,7 @@
           <a:p>
             <a:fld id="{C961BBE7-A22A-401B-8203-FA7E5F4F6C13}" type="datetimeFigureOut">
               <a:rPr lang="zh-CN" altLang="en-US" smtClean="0"/>
-              <a:t>2023/9/26</a:t>
+              <a:t>2024/12/29</a:t>
             </a:fld>
             <a:endParaRPr lang="zh-CN" altLang="en-US"/>
           </a:p>
@@ -2178,7 +2162,7 @@
           <a:p>
             <a:fld id="{C961BBE7-A22A-401B-8203-FA7E5F4F6C13}" type="datetimeFigureOut">
               <a:rPr lang="zh-CN" altLang="en-US" smtClean="0"/>
-              <a:t>2023/9/26</a:t>
+              <a:t>2024/12/29</a:t>
             </a:fld>
             <a:endParaRPr lang="zh-CN" altLang="en-US"/>
           </a:p>
@@ -2281,10 +2265,9 @@
           </a:lstStyle>
           <a:p>
             <a:r>
-              <a:rPr lang="zh-CN" altLang="en-US" smtClean="0"/>
+              <a:rPr lang="zh-CN" altLang="en-US"/>
               <a:t>单击此处编辑母版标题样式</a:t>
             </a:r>
-            <a:endParaRPr lang="zh-CN" altLang="en-US"/>
           </a:p>
         </p:txBody>
       </p:sp>
@@ -2338,38 +2321,37 @@
           <a:p>
             <a:pPr lvl="0"/>
             <a:r>
-              <a:rPr lang="zh-CN" altLang="en-US" smtClean="0"/>
+              <a:rPr lang="zh-CN" altLang="en-US"/>
               <a:t>编辑母版文本样式</a:t>
             </a:r>
           </a:p>
           <a:p>
             <a:pPr lvl="1"/>
             <a:r>
-              <a:rPr lang="zh-CN" altLang="en-US" smtClean="0"/>
+              <a:rPr lang="zh-CN" altLang="en-US"/>
               <a:t>第二级</a:t>
             </a:r>
           </a:p>
           <a:p>
             <a:pPr lvl="2"/>
             <a:r>
-              <a:rPr lang="zh-CN" altLang="en-US" smtClean="0"/>
+              <a:rPr lang="zh-CN" altLang="en-US"/>
               <a:t>第三级</a:t>
             </a:r>
           </a:p>
           <a:p>
             <a:pPr lvl="3"/>
             <a:r>
-              <a:rPr lang="zh-CN" altLang="en-US" smtClean="0"/>
+              <a:rPr lang="zh-CN" altLang="en-US"/>
               <a:t>第四级</a:t>
             </a:r>
           </a:p>
           <a:p>
             <a:pPr lvl="4"/>
             <a:r>
-              <a:rPr lang="zh-CN" altLang="en-US" smtClean="0"/>
+              <a:rPr lang="zh-CN" altLang="en-US"/>
               <a:t>第五级</a:t>
             </a:r>
-            <a:endParaRPr lang="zh-CN" altLang="en-US"/>
           </a:p>
         </p:txBody>
       </p:sp>
@@ -2432,7 +2414,7 @@
           <a:p>
             <a:pPr lvl="0"/>
             <a:r>
-              <a:rPr lang="zh-CN" altLang="en-US" smtClean="0"/>
+              <a:rPr lang="zh-CN" altLang="en-US"/>
               <a:t>编辑母版文本样式</a:t>
             </a:r>
           </a:p>
@@ -2455,7 +2437,7 @@
           <a:p>
             <a:fld id="{C961BBE7-A22A-401B-8203-FA7E5F4F6C13}" type="datetimeFigureOut">
               <a:rPr lang="zh-CN" altLang="en-US" smtClean="0"/>
-              <a:t>2023/9/26</a:t>
+              <a:t>2024/12/29</a:t>
             </a:fld>
             <a:endParaRPr lang="zh-CN" altLang="en-US"/>
           </a:p>
@@ -2558,10 +2540,9 @@
           </a:lstStyle>
           <a:p>
             <a:r>
-              <a:rPr lang="zh-CN" altLang="en-US" smtClean="0"/>
+              <a:rPr lang="zh-CN" altLang="en-US"/>
               <a:t>单击此处编辑母版标题样式</a:t>
             </a:r>
-            <a:endParaRPr lang="zh-CN" altLang="en-US"/>
           </a:p>
         </p:txBody>
       </p:sp>
@@ -2685,7 +2666,7 @@
           <a:p>
             <a:pPr lvl="0"/>
             <a:r>
-              <a:rPr lang="zh-CN" altLang="en-US" smtClean="0"/>
+              <a:rPr lang="zh-CN" altLang="en-US"/>
               <a:t>编辑母版文本样式</a:t>
             </a:r>
           </a:p>
@@ -2708,7 +2689,7 @@
           <a:p>
             <a:fld id="{C961BBE7-A22A-401B-8203-FA7E5F4F6C13}" type="datetimeFigureOut">
               <a:rPr lang="zh-CN" altLang="en-US" smtClean="0"/>
-              <a:t>2023/9/26</a:t>
+              <a:t>2024/12/29</a:t>
             </a:fld>
             <a:endParaRPr lang="zh-CN" altLang="en-US"/>
           </a:p>
@@ -2817,10 +2798,9 @@
           <a:lstStyle/>
           <a:p>
             <a:r>
-              <a:rPr lang="zh-CN" altLang="en-US" smtClean="0"/>
+              <a:rPr lang="zh-CN" altLang="en-US"/>
               <a:t>单击此处编辑母版标题样式</a:t>
             </a:r>
-            <a:endParaRPr lang="zh-CN" altLang="en-US"/>
           </a:p>
         </p:txBody>
       </p:sp>
@@ -2851,38 +2831,37 @@
           <a:p>
             <a:pPr lvl="0"/>
             <a:r>
-              <a:rPr lang="zh-CN" altLang="en-US" smtClean="0"/>
+              <a:rPr lang="zh-CN" altLang="en-US"/>
               <a:t>编辑母版文本样式</a:t>
             </a:r>
           </a:p>
           <a:p>
             <a:pPr lvl="1"/>
             <a:r>
-              <a:rPr lang="zh-CN" altLang="en-US" smtClean="0"/>
+              <a:rPr lang="zh-CN" altLang="en-US"/>
               <a:t>第二级</a:t>
             </a:r>
           </a:p>
           <a:p>
             <a:pPr lvl="2"/>
             <a:r>
-              <a:rPr lang="zh-CN" altLang="en-US" smtClean="0"/>
+              <a:rPr lang="zh-CN" altLang="en-US"/>
               <a:t>第三级</a:t>
             </a:r>
           </a:p>
           <a:p>
             <a:pPr lvl="3"/>
             <a:r>
-              <a:rPr lang="zh-CN" altLang="en-US" smtClean="0"/>
+              <a:rPr lang="zh-CN" altLang="en-US"/>
               <a:t>第四级</a:t>
             </a:r>
           </a:p>
           <a:p>
             <a:pPr lvl="4"/>
             <a:r>
-              <a:rPr lang="zh-CN" altLang="en-US" smtClean="0"/>
+              <a:rPr lang="zh-CN" altLang="en-US"/>
               <a:t>第五级</a:t>
             </a:r>
-            <a:endParaRPr lang="zh-CN" altLang="en-US"/>
           </a:p>
         </p:txBody>
       </p:sp>
@@ -2921,7 +2900,7 @@
           <a:p>
             <a:fld id="{C961BBE7-A22A-401B-8203-FA7E5F4F6C13}" type="datetimeFigureOut">
               <a:rPr lang="zh-CN" altLang="en-US" smtClean="0"/>
-              <a:t>2023/9/26</a:t>
+              <a:t>2024/12/29</a:t>
             </a:fld>
             <a:endParaRPr lang="zh-CN" altLang="en-US"/>
           </a:p>
@@ -3344,14 +3323,24 @@
           <a:lstStyle/>
           <a:p>
             <a:r>
-              <a:rPr lang="en-US" altLang="zh-CN" sz="5400" dirty="0" smtClean="0"/>
-              <a:t>What-why-how-why</a:t>
-            </a:r>
-            <a:r>
-              <a:rPr lang="zh-CN" altLang="en-US" sz="5400" dirty="0" smtClean="0"/>
-              <a:t>方法复习</a:t>
-            </a:r>
-            <a:endParaRPr lang="en-US" altLang="zh-CN" sz="5400" dirty="0" smtClean="0"/>
+              <a:rPr lang="en-US" altLang="zh-CN" sz="5400" b="1" dirty="0"/>
+              <a:t>WWHW</a:t>
+            </a:r>
+            <a:r>
+              <a:rPr lang="zh-CN" altLang="en-US" sz="5400" b="1" dirty="0"/>
+              <a:t>分析方法</a:t>
+            </a:r>
+            <a:br>
+              <a:rPr lang="en-US" altLang="zh-CN" sz="5400" dirty="0"/>
+            </a:br>
+            <a:br>
+              <a:rPr lang="en-US" altLang="zh-CN" sz="5400" dirty="0"/>
+            </a:br>
+            <a:r>
+              <a:rPr lang="en-US" altLang="zh-CN" sz="4800" b="1" dirty="0"/>
+              <a:t>What-Why-How-Why</a:t>
+            </a:r>
+            <a:endParaRPr lang="en-US" altLang="zh-CN" sz="5400" b="1" dirty="0"/>
           </a:p>
         </p:txBody>
       </p:sp>
@@ -3371,11 +3360,11 @@
           <a:lstStyle/>
           <a:p>
             <a:r>
-              <a:rPr lang="zh-CN" altLang="en-US" dirty="0" smtClean="0"/>
+              <a:rPr lang="zh-CN" altLang="en-US" dirty="0"/>
               <a:t>（</a:t>
             </a:r>
             <a:r>
-              <a:rPr lang="en-US" altLang="zh-CN" dirty="0" smtClean="0"/>
+              <a:rPr lang="en-US" altLang="zh-CN" dirty="0"/>
               <a:t>5</a:t>
             </a:r>
             <a:r>
@@ -3399,13 +3388,6 @@
   <p:clrMapOvr>
     <a:masterClrMapping/>
   </p:clrMapOvr>
-  <p:timing>
-    <p:tnLst>
-      <p:par>
-        <p:cTn id="1" dur="indefinite" restart="never" nodeType="tmRoot"/>
-      </p:par>
-    </p:tnLst>
-  </p:timing>
 </p:sld>
 </file>
 
@@ -4421,13 +4403,6 @@
   <p:clrMapOvr>
     <a:masterClrMapping/>
   </p:clrMapOvr>
-  <p:timing>
-    <p:tnLst>
-      <p:par>
-        <p:cTn id="1" dur="indefinite" restart="never" nodeType="tmRoot"/>
-      </p:par>
-    </p:tnLst>
-  </p:timing>
 </p:sld>
 </file>
 
@@ -4501,7 +4476,7 @@
               <a:defRPr/>
             </a:pPr>
             <a:r>
-              <a:rPr kumimoji="0" lang="zh-CN" altLang="en-US" sz="1800" b="0" i="0" u="none" strike="noStrike" kern="1200" cap="none" spc="0" normalizeH="0" baseline="0" noProof="0" dirty="0" smtClean="0">
+              <a:rPr kumimoji="0" lang="zh-CN" altLang="en-US" sz="1800" b="0" i="0" u="none" strike="noStrike" kern="1200" cap="none" spc="0" normalizeH="0" baseline="0" noProof="0" dirty="0">
                 <a:ln>
                   <a:noFill/>
                 </a:ln>
@@ -4517,7 +4492,7 @@
               </a:rPr>
               <a:t>目标：</a:t>
             </a:r>
-            <a:endParaRPr kumimoji="0" lang="en-US" altLang="zh-CN" sz="1800" b="0" i="0" u="none" strike="noStrike" kern="1200" cap="none" spc="0" normalizeH="0" baseline="0" noProof="0" dirty="0" smtClean="0">
+            <a:endParaRPr kumimoji="0" lang="en-US" altLang="zh-CN" sz="1800" b="0" i="0" u="none" strike="noStrike" kern="1200" cap="none" spc="0" normalizeH="0" baseline="0" noProof="0" dirty="0">
               <a:ln>
                 <a:noFill/>
               </a:ln>
@@ -4551,7 +4526,7 @@
               <a:defRPr/>
             </a:pPr>
             <a:r>
-              <a:rPr kumimoji="0" lang="zh-CN" altLang="en-US" sz="1800" b="0" i="0" u="none" strike="noStrike" kern="1200" cap="none" spc="0" normalizeH="0" baseline="0" noProof="0" dirty="0" smtClean="0">
+              <a:rPr kumimoji="0" lang="zh-CN" altLang="en-US" sz="1800" b="0" i="0" u="none" strike="noStrike" kern="1200" cap="none" spc="0" normalizeH="0" baseline="0" noProof="0" dirty="0">
                 <a:ln>
                   <a:noFill/>
                 </a:ln>
@@ -4567,20 +4542,6 @@
               </a:rPr>
               <a:t>定位、理念</a:t>
             </a:r>
-            <a:endParaRPr kumimoji="0" lang="zh-CN" altLang="en-US" sz="1800" b="0" i="0" u="none" strike="noStrike" kern="1200" cap="none" spc="0" normalizeH="0" baseline="0" noProof="0" dirty="0">
-              <a:ln>
-                <a:noFill/>
-              </a:ln>
-              <a:solidFill>
-                <a:prstClr val="white"/>
-              </a:solidFill>
-              <a:effectLst/>
-              <a:uLnTx/>
-              <a:uFillTx/>
-              <a:latin typeface="京东朗正体 玲珑" panose="020F0502020204030204"/>
-              <a:ea typeface="京东朗正体 玲珑"/>
-              <a:cs typeface="+mn-cs"/>
-            </a:endParaRPr>
           </a:p>
         </p:txBody>
       </p:sp>
@@ -4637,7 +4598,7 @@
               <a:defRPr/>
             </a:pPr>
             <a:r>
-              <a:rPr kumimoji="0" lang="zh-CN" altLang="en-US" sz="1800" b="0" i="0" u="none" strike="noStrike" kern="1200" cap="none" spc="0" normalizeH="0" baseline="0" noProof="0" dirty="0" smtClean="0">
+              <a:rPr kumimoji="0" lang="zh-CN" altLang="en-US" sz="1800" b="0" i="0" u="none" strike="noStrike" kern="1200" cap="none" spc="0" normalizeH="0" baseline="0" noProof="0" dirty="0">
                 <a:ln>
                   <a:noFill/>
                 </a:ln>
@@ -4653,20 +4614,6 @@
               </a:rPr>
               <a:t>价值</a:t>
             </a:r>
-            <a:endParaRPr kumimoji="0" lang="zh-CN" altLang="en-US" sz="1800" b="0" i="0" u="none" strike="noStrike" kern="1200" cap="none" spc="0" normalizeH="0" baseline="0" noProof="0" dirty="0">
-              <a:ln>
-                <a:noFill/>
-              </a:ln>
-              <a:solidFill>
-                <a:prstClr val="white"/>
-              </a:solidFill>
-              <a:effectLst/>
-              <a:uLnTx/>
-              <a:uFillTx/>
-              <a:latin typeface="京东朗正体 玲珑" panose="020F0502020204030204"/>
-              <a:ea typeface="京东朗正体 玲珑"/>
-              <a:cs typeface="+mn-cs"/>
-            </a:endParaRPr>
           </a:p>
         </p:txBody>
       </p:sp>
@@ -4723,7 +4670,7 @@
               <a:defRPr/>
             </a:pPr>
             <a:r>
-              <a:rPr kumimoji="0" lang="en-US" altLang="zh-CN" sz="1800" b="0" i="0" u="none" strike="noStrike" kern="1200" cap="none" spc="0" normalizeH="0" baseline="0" noProof="0" dirty="0" smtClean="0">
+              <a:rPr kumimoji="0" lang="en-US" altLang="zh-CN" sz="1800" b="0" i="0" u="none" strike="noStrike" kern="1200" cap="none" spc="0" normalizeH="0" baseline="0" noProof="0" dirty="0">
                 <a:ln>
                   <a:noFill/>
                 </a:ln>
@@ -4759,7 +4706,7 @@
               <a:defRPr/>
             </a:pPr>
             <a:r>
-              <a:rPr kumimoji="0" lang="zh-CN" altLang="en-US" sz="1800" b="0" i="0" u="none" strike="noStrike" kern="1200" cap="none" spc="0" normalizeH="0" baseline="0" noProof="0" dirty="0" smtClean="0">
+              <a:rPr kumimoji="0" lang="zh-CN" altLang="en-US" sz="1800" b="0" i="0" u="none" strike="noStrike" kern="1200" cap="none" spc="0" normalizeH="0" baseline="0" noProof="0" dirty="0">
                 <a:ln>
                   <a:noFill/>
                 </a:ln>
@@ -4775,20 +4722,6 @@
               </a:rPr>
               <a:t>框架、模块、步骤</a:t>
             </a:r>
-            <a:endParaRPr kumimoji="0" lang="zh-CN" altLang="en-US" sz="1800" b="0" i="0" u="none" strike="noStrike" kern="1200" cap="none" spc="0" normalizeH="0" baseline="0" noProof="0" dirty="0">
-              <a:ln>
-                <a:noFill/>
-              </a:ln>
-              <a:solidFill>
-                <a:prstClr val="white"/>
-              </a:solidFill>
-              <a:effectLst/>
-              <a:uLnTx/>
-              <a:uFillTx/>
-              <a:latin typeface="京东朗正体 玲珑" panose="020F0502020204030204"/>
-              <a:ea typeface="京东朗正体 玲珑"/>
-              <a:cs typeface="+mn-cs"/>
-            </a:endParaRPr>
           </a:p>
         </p:txBody>
       </p:sp>
@@ -4845,7 +4778,7 @@
               <a:defRPr/>
             </a:pPr>
             <a:r>
-              <a:rPr kumimoji="0" lang="en-US" altLang="zh-CN" sz="1800" b="0" i="0" u="none" strike="noStrike" kern="1200" cap="none" spc="0" normalizeH="0" baseline="0" noProof="0" dirty="0" smtClean="0">
+              <a:rPr kumimoji="0" lang="en-US" altLang="zh-CN" sz="1800" b="0" i="0" u="none" strike="noStrike" kern="1200" cap="none" spc="0" normalizeH="0" baseline="0" noProof="0" dirty="0">
                 <a:ln>
                   <a:noFill/>
                 </a:ln>
@@ -4881,7 +4814,7 @@
               <a:defRPr/>
             </a:pPr>
             <a:r>
-              <a:rPr kumimoji="0" lang="zh-CN" altLang="en-US" sz="1800" b="0" i="0" u="none" strike="noStrike" kern="1200" cap="none" spc="0" normalizeH="0" baseline="0" noProof="0" dirty="0" smtClean="0">
+              <a:rPr kumimoji="0" lang="zh-CN" altLang="en-US" sz="1800" b="0" i="0" u="none" strike="noStrike" kern="1200" cap="none" spc="0" normalizeH="0" baseline="0" noProof="0" dirty="0">
                 <a:ln>
                   <a:noFill/>
                 </a:ln>
@@ -4898,7 +4831,7 @@
               <a:t>应对挑战的</a:t>
             </a:r>
             <a:r>
-              <a:rPr kumimoji="0" lang="en-US" altLang="zh-CN" sz="1800" b="0" i="0" u="none" strike="noStrike" kern="1200" cap="none" spc="0" normalizeH="0" baseline="0" noProof="0" dirty="0" smtClean="0">
+              <a:rPr kumimoji="0" lang="en-US" altLang="zh-CN" sz="1800" b="0" i="0" u="none" strike="noStrike" kern="1200" cap="none" spc="0" normalizeH="0" baseline="0" noProof="0" dirty="0">
                 <a:ln>
                   <a:noFill/>
                 </a:ln>
@@ -4915,7 +4848,7 @@
               <a:t>Insights</a:t>
             </a:r>
             <a:r>
-              <a:rPr kumimoji="0" lang="zh-CN" altLang="en-US" sz="1800" b="0" i="0" u="none" strike="noStrike" kern="1200" cap="none" spc="0" normalizeH="0" baseline="0" noProof="0" dirty="0" smtClean="0">
+              <a:rPr kumimoji="0" lang="zh-CN" altLang="en-US" sz="1800" b="0" i="0" u="none" strike="noStrike" kern="1200" cap="none" spc="0" normalizeH="0" baseline="0" noProof="0" dirty="0">
                 <a:ln>
                   <a:noFill/>
                 </a:ln>
@@ -4931,20 +4864,6 @@
               </a:rPr>
               <a:t>、对比优势</a:t>
             </a:r>
-            <a:endParaRPr kumimoji="0" lang="zh-CN" altLang="en-US" sz="1800" b="0" i="0" u="none" strike="noStrike" kern="1200" cap="none" spc="0" normalizeH="0" baseline="0" noProof="0" dirty="0">
-              <a:ln>
-                <a:noFill/>
-              </a:ln>
-              <a:solidFill>
-                <a:prstClr val="white"/>
-              </a:solidFill>
-              <a:effectLst/>
-              <a:uLnTx/>
-              <a:uFillTx/>
-              <a:latin typeface="京东朗正体 玲珑" panose="020F0502020204030204"/>
-              <a:ea typeface="京东朗正体 玲珑"/>
-              <a:cs typeface="+mn-cs"/>
-            </a:endParaRPr>
           </a:p>
         </p:txBody>
       </p:sp>
@@ -5064,7 +4983,7 @@
               <a:defRPr/>
             </a:pPr>
             <a:r>
-              <a:rPr kumimoji="0" lang="zh-CN" altLang="en-US" sz="2000" b="0" i="0" u="none" strike="noStrike" kern="1200" cap="none" spc="0" normalizeH="0" baseline="0" noProof="0" dirty="0" smtClean="0">
+              <a:rPr kumimoji="0" lang="zh-CN" altLang="en-US" sz="2000" b="0" i="0" u="none" strike="noStrike" kern="1200" cap="none" spc="0" normalizeH="0" baseline="0" noProof="0" dirty="0">
                 <a:ln>
                   <a:noFill/>
                 </a:ln>
@@ -5080,20 +4999,6 @@
               </a:rPr>
               <a:t>客户</a:t>
             </a:r>
-            <a:endParaRPr kumimoji="0" lang="zh-CN" altLang="en-US" sz="2000" b="0" i="0" u="none" strike="noStrike" kern="1200" cap="none" spc="0" normalizeH="0" baseline="0" noProof="0" dirty="0">
-              <a:ln>
-                <a:noFill/>
-              </a:ln>
-              <a:solidFill>
-                <a:prstClr val="black"/>
-              </a:solidFill>
-              <a:effectLst/>
-              <a:uLnTx/>
-              <a:uFillTx/>
-              <a:latin typeface="京东朗正体 玲珑" panose="020F0502020204030204"/>
-              <a:ea typeface="京东朗正体 玲珑"/>
-              <a:cs typeface="+mn-cs"/>
-            </a:endParaRPr>
           </a:p>
         </p:txBody>
       </p:sp>
@@ -5205,7 +5110,7 @@
               <a:defRPr/>
             </a:pPr>
             <a:r>
-              <a:rPr kumimoji="0" lang="zh-CN" altLang="en-US" sz="2000" b="0" i="0" u="none" strike="noStrike" kern="1200" cap="none" spc="0" normalizeH="0" baseline="0" noProof="0" dirty="0" smtClean="0">
+              <a:rPr kumimoji="0" lang="zh-CN" altLang="en-US" sz="2000" b="0" i="0" u="none" strike="noStrike" kern="1200" cap="none" spc="0" normalizeH="0" baseline="0" noProof="0" dirty="0">
                 <a:ln>
                   <a:noFill/>
                 </a:ln>
@@ -5221,20 +5126,6 @@
               </a:rPr>
               <a:t>团队</a:t>
             </a:r>
-            <a:endParaRPr kumimoji="0" lang="zh-CN" altLang="en-US" sz="2000" b="0" i="0" u="none" strike="noStrike" kern="1200" cap="none" spc="0" normalizeH="0" baseline="0" noProof="0" dirty="0">
-              <a:ln>
-                <a:noFill/>
-              </a:ln>
-              <a:solidFill>
-                <a:prstClr val="black"/>
-              </a:solidFill>
-              <a:effectLst/>
-              <a:uLnTx/>
-              <a:uFillTx/>
-              <a:latin typeface="京东朗正体 玲珑" panose="020F0502020204030204"/>
-              <a:ea typeface="京东朗正体 玲珑"/>
-              <a:cs typeface="+mn-cs"/>
-            </a:endParaRPr>
           </a:p>
         </p:txBody>
       </p:sp>
@@ -5439,7 +5330,7 @@
               <a:defRPr/>
             </a:pPr>
             <a:r>
-              <a:rPr kumimoji="0" lang="zh-CN" altLang="en-US" sz="2000" b="1" i="0" u="none" strike="noStrike" kern="1200" cap="none" spc="0" normalizeH="0" baseline="0" noProof="0" dirty="0" smtClean="0">
+              <a:rPr kumimoji="0" lang="zh-CN" altLang="en-US" sz="2000" b="1" i="0" u="none" strike="noStrike" kern="1200" cap="none" spc="0" normalizeH="0" baseline="0" noProof="0" dirty="0">
                 <a:ln>
                   <a:noFill/>
                 </a:ln>
@@ -5455,7 +5346,7 @@
               </a:rPr>
               <a:t>征服客户</a:t>
             </a:r>
-            <a:endParaRPr kumimoji="0" lang="en-US" altLang="zh-CN" sz="2000" b="1" i="0" u="none" strike="noStrike" kern="1200" cap="none" spc="0" normalizeH="0" baseline="0" noProof="0" dirty="0" smtClean="0">
+            <a:endParaRPr kumimoji="0" lang="en-US" altLang="zh-CN" sz="2000" b="1" i="0" u="none" strike="noStrike" kern="1200" cap="none" spc="0" normalizeH="0" baseline="0" noProof="0" dirty="0">
               <a:ln>
                 <a:noFill/>
               </a:ln>
@@ -5522,7 +5413,7 @@
               <a:defRPr/>
             </a:pPr>
             <a:r>
-              <a:rPr kumimoji="0" lang="zh-CN" altLang="en-US" sz="2000" b="1" i="0" u="none" strike="noStrike" kern="1200" cap="none" spc="0" normalizeH="0" baseline="0" noProof="0" dirty="0" smtClean="0">
+              <a:rPr kumimoji="0" lang="zh-CN" altLang="en-US" sz="2000" b="1" i="0" u="none" strike="noStrike" kern="1200" cap="none" spc="0" normalizeH="0" baseline="0" noProof="0" dirty="0">
                 <a:ln>
                   <a:noFill/>
                 </a:ln>
@@ -5538,20 +5429,6 @@
               </a:rPr>
               <a:t>赢得战机</a:t>
             </a:r>
-            <a:endParaRPr kumimoji="0" lang="zh-CN" altLang="en-US" sz="2000" b="1" i="0" u="none" strike="noStrike" kern="1200" cap="none" spc="0" normalizeH="0" baseline="0" noProof="0" dirty="0">
-              <a:ln>
-                <a:noFill/>
-              </a:ln>
-              <a:solidFill>
-                <a:srgbClr val="C00000"/>
-              </a:solidFill>
-              <a:effectLst/>
-              <a:uLnTx/>
-              <a:uFillTx/>
-              <a:latin typeface="京东朗正体 玲珑" panose="020F0502020204030204"/>
-              <a:ea typeface="京东朗正体 玲珑"/>
-              <a:cs typeface="+mn-cs"/>
-            </a:endParaRPr>
           </a:p>
         </p:txBody>
       </p:sp>
@@ -5594,7 +5471,7 @@
               <a:defRPr/>
             </a:pPr>
             <a:r>
-              <a:rPr kumimoji="0" lang="zh-CN" altLang="en-US" sz="2000" b="0" i="0" u="none" strike="noStrike" kern="1200" cap="none" spc="0" normalizeH="0" baseline="0" noProof="0" dirty="0" smtClean="0">
+              <a:rPr kumimoji="0" lang="zh-CN" altLang="en-US" sz="2000" b="0" i="0" u="none" strike="noStrike" kern="1200" cap="none" spc="0" normalizeH="0" baseline="0" noProof="0" dirty="0">
                 <a:ln>
                   <a:noFill/>
                 </a:ln>
@@ -5610,20 +5487,6 @@
               </a:rPr>
               <a:t>对齐方向</a:t>
             </a:r>
-            <a:endParaRPr kumimoji="0" lang="zh-CN" altLang="en-US" sz="2000" b="0" i="0" u="none" strike="noStrike" kern="1200" cap="none" spc="0" normalizeH="0" baseline="0" noProof="0" dirty="0">
-              <a:ln>
-                <a:noFill/>
-              </a:ln>
-              <a:solidFill>
-                <a:prstClr val="black"/>
-              </a:solidFill>
-              <a:effectLst/>
-              <a:uLnTx/>
-              <a:uFillTx/>
-              <a:latin typeface="京东朗正体 玲珑" panose="020F0502020204030204"/>
-              <a:ea typeface="京东朗正体 玲珑"/>
-              <a:cs typeface="+mn-cs"/>
-            </a:endParaRPr>
           </a:p>
         </p:txBody>
       </p:sp>
@@ -5666,7 +5529,7 @@
               <a:defRPr/>
             </a:pPr>
             <a:r>
-              <a:rPr kumimoji="0" lang="zh-CN" altLang="en-US" sz="2000" b="0" i="0" u="none" strike="noStrike" kern="1200" cap="none" spc="0" normalizeH="0" baseline="0" noProof="0" dirty="0" smtClean="0">
+              <a:rPr kumimoji="0" lang="zh-CN" altLang="en-US" sz="2000" b="0" i="0" u="none" strike="noStrike" kern="1200" cap="none" spc="0" normalizeH="0" baseline="0" noProof="0" dirty="0">
                 <a:ln>
                   <a:noFill/>
                 </a:ln>
@@ -5682,20 +5545,6 @@
               </a:rPr>
               <a:t>确认目的</a:t>
             </a:r>
-            <a:endParaRPr kumimoji="0" lang="zh-CN" altLang="en-US" sz="2000" b="0" i="0" u="none" strike="noStrike" kern="1200" cap="none" spc="0" normalizeH="0" baseline="0" noProof="0" dirty="0">
-              <a:ln>
-                <a:noFill/>
-              </a:ln>
-              <a:solidFill>
-                <a:prstClr val="black"/>
-              </a:solidFill>
-              <a:effectLst/>
-              <a:uLnTx/>
-              <a:uFillTx/>
-              <a:latin typeface="京东朗正体 玲珑" panose="020F0502020204030204"/>
-              <a:ea typeface="京东朗正体 玲珑"/>
-              <a:cs typeface="+mn-cs"/>
-            </a:endParaRPr>
           </a:p>
         </p:txBody>
       </p:sp>
@@ -5752,7 +5601,7 @@
               <a:defRPr/>
             </a:pPr>
             <a:r>
-              <a:rPr kumimoji="0" lang="zh-CN" altLang="en-US" sz="1800" b="0" i="0" u="none" strike="noStrike" kern="1200" cap="none" spc="0" normalizeH="0" baseline="0" noProof="0" dirty="0" smtClean="0">
+              <a:rPr kumimoji="0" lang="zh-CN" altLang="en-US" sz="1800" b="0" i="0" u="none" strike="noStrike" kern="1200" cap="none" spc="0" normalizeH="0" baseline="0" noProof="0" dirty="0">
                 <a:ln>
                   <a:noFill/>
                 </a:ln>
@@ -5768,20 +5617,6 @@
               </a:rPr>
               <a:t>结果</a:t>
             </a:r>
-            <a:endParaRPr kumimoji="0" lang="zh-CN" altLang="en-US" sz="1800" b="0" i="0" u="none" strike="noStrike" kern="1200" cap="none" spc="0" normalizeH="0" baseline="0" noProof="0" dirty="0">
-              <a:ln>
-                <a:noFill/>
-              </a:ln>
-              <a:solidFill>
-                <a:prstClr val="white"/>
-              </a:solidFill>
-              <a:effectLst/>
-              <a:uLnTx/>
-              <a:uFillTx/>
-              <a:latin typeface="京东朗正体 玲珑" panose="020F0502020204030204"/>
-              <a:ea typeface="京东朗正体 玲珑"/>
-              <a:cs typeface="+mn-cs"/>
-            </a:endParaRPr>
           </a:p>
         </p:txBody>
       </p:sp>
@@ -5838,7 +5673,7 @@
               <a:defRPr/>
             </a:pPr>
             <a:r>
-              <a:rPr kumimoji="0" lang="zh-CN" altLang="en-US" sz="1800" b="0" i="0" u="none" strike="noStrike" kern="1200" cap="none" spc="0" normalizeH="0" baseline="0" noProof="0" dirty="0" smtClean="0">
+              <a:rPr kumimoji="0" lang="zh-CN" altLang="en-US" sz="1800" b="0" i="0" u="none" strike="noStrike" kern="1200" cap="none" spc="0" normalizeH="0" baseline="0" noProof="0" dirty="0">
                 <a:ln>
                   <a:noFill/>
                 </a:ln>
@@ -5854,20 +5689,6 @@
               </a:rPr>
               <a:t>挑战</a:t>
             </a:r>
-            <a:endParaRPr kumimoji="0" lang="zh-CN" altLang="en-US" sz="1800" b="0" i="0" u="none" strike="noStrike" kern="1200" cap="none" spc="0" normalizeH="0" baseline="0" noProof="0" dirty="0">
-              <a:ln>
-                <a:noFill/>
-              </a:ln>
-              <a:solidFill>
-                <a:prstClr val="white"/>
-              </a:solidFill>
-              <a:effectLst/>
-              <a:uLnTx/>
-              <a:uFillTx/>
-              <a:latin typeface="京东朗正体 玲珑" panose="020F0502020204030204"/>
-              <a:ea typeface="京东朗正体 玲珑"/>
-              <a:cs typeface="+mn-cs"/>
-            </a:endParaRPr>
           </a:p>
         </p:txBody>
       </p:sp>
@@ -5952,7 +5773,7 @@
               <a:defRPr/>
             </a:pPr>
             <a:r>
-              <a:rPr kumimoji="0" lang="zh-CN" altLang="en-US" sz="2000" b="0" i="0" u="none" strike="noStrike" kern="1200" cap="none" spc="0" normalizeH="0" baseline="0" noProof="0" dirty="0" smtClean="0">
+              <a:rPr kumimoji="0" lang="zh-CN" altLang="en-US" sz="2000" b="0" i="0" u="none" strike="noStrike" kern="1200" cap="none" spc="0" normalizeH="0" baseline="0" noProof="0" dirty="0">
                 <a:ln>
                   <a:noFill/>
                 </a:ln>
@@ -5968,20 +5789,6 @@
               </a:rPr>
               <a:t>预知风险</a:t>
             </a:r>
-            <a:endParaRPr kumimoji="0" lang="zh-CN" altLang="en-US" sz="2000" b="0" i="0" u="none" strike="noStrike" kern="1200" cap="none" spc="0" normalizeH="0" baseline="0" noProof="0" dirty="0">
-              <a:ln>
-                <a:noFill/>
-              </a:ln>
-              <a:solidFill>
-                <a:prstClr val="black"/>
-              </a:solidFill>
-              <a:effectLst/>
-              <a:uLnTx/>
-              <a:uFillTx/>
-              <a:latin typeface="京东朗正体 玲珑" panose="020F0502020204030204"/>
-              <a:ea typeface="京东朗正体 玲珑"/>
-              <a:cs typeface="+mn-cs"/>
-            </a:endParaRPr>
           </a:p>
         </p:txBody>
       </p:sp>
@@ -6066,7 +5873,7 @@
               <a:defRPr/>
             </a:pPr>
             <a:r>
-              <a:rPr kumimoji="0" lang="zh-CN" altLang="en-US" sz="2000" b="0" i="0" u="none" strike="noStrike" kern="1200" cap="none" spc="0" normalizeH="0" baseline="0" noProof="0" dirty="0" smtClean="0">
+              <a:rPr kumimoji="0" lang="zh-CN" altLang="en-US" sz="2000" b="0" i="0" u="none" strike="noStrike" kern="1200" cap="none" spc="0" normalizeH="0" baseline="0" noProof="0" dirty="0">
                 <a:ln>
                   <a:noFill/>
                 </a:ln>
@@ -6082,20 +5889,6 @@
               </a:rPr>
               <a:t>设计原则</a:t>
             </a:r>
-            <a:endParaRPr kumimoji="0" lang="zh-CN" altLang="en-US" sz="2000" b="0" i="0" u="none" strike="noStrike" kern="1200" cap="none" spc="0" normalizeH="0" baseline="0" noProof="0" dirty="0">
-              <a:ln>
-                <a:noFill/>
-              </a:ln>
-              <a:solidFill>
-                <a:prstClr val="black"/>
-              </a:solidFill>
-              <a:effectLst/>
-              <a:uLnTx/>
-              <a:uFillTx/>
-              <a:latin typeface="京东朗正体 玲珑" panose="020F0502020204030204"/>
-              <a:ea typeface="京东朗正体 玲珑"/>
-              <a:cs typeface="+mn-cs"/>
-            </a:endParaRPr>
           </a:p>
         </p:txBody>
       </p:sp>
@@ -6180,7 +5973,7 @@
               <a:defRPr/>
             </a:pPr>
             <a:r>
-              <a:rPr kumimoji="0" lang="zh-CN" altLang="en-US" sz="2000" b="0" i="0" u="none" strike="noStrike" kern="1200" cap="none" spc="0" normalizeH="0" baseline="0" noProof="0" dirty="0" smtClean="0">
+              <a:rPr kumimoji="0" lang="zh-CN" altLang="en-US" sz="2000" b="0" i="0" u="none" strike="noStrike" kern="1200" cap="none" spc="0" normalizeH="0" baseline="0" noProof="0" dirty="0">
                 <a:ln>
                   <a:noFill/>
                 </a:ln>
@@ -6196,20 +5989,6 @@
               </a:rPr>
               <a:t>锚定终局</a:t>
             </a:r>
-            <a:endParaRPr kumimoji="0" lang="zh-CN" altLang="en-US" sz="2000" b="0" i="0" u="none" strike="noStrike" kern="1200" cap="none" spc="0" normalizeH="0" baseline="0" noProof="0" dirty="0">
-              <a:ln>
-                <a:noFill/>
-              </a:ln>
-              <a:solidFill>
-                <a:prstClr val="black"/>
-              </a:solidFill>
-              <a:effectLst/>
-              <a:uLnTx/>
-              <a:uFillTx/>
-              <a:latin typeface="京东朗正体 玲珑" panose="020F0502020204030204"/>
-              <a:ea typeface="京东朗正体 玲珑"/>
-              <a:cs typeface="+mn-cs"/>
-            </a:endParaRPr>
           </a:p>
         </p:txBody>
       </p:sp>
@@ -6294,7 +6073,7 @@
               <a:defRPr/>
             </a:pPr>
             <a:r>
-              <a:rPr kumimoji="0" lang="zh-CN" altLang="en-US" sz="2000" b="0" i="0" u="none" strike="noStrike" kern="1200" cap="none" spc="0" normalizeH="0" baseline="0" noProof="0" dirty="0" smtClean="0">
+              <a:rPr kumimoji="0" lang="zh-CN" altLang="en-US" sz="2000" b="0" i="0" u="none" strike="noStrike" kern="1200" cap="none" spc="0" normalizeH="0" baseline="0" noProof="0" dirty="0">
                 <a:ln>
                   <a:noFill/>
                 </a:ln>
@@ -6310,20 +6089,6 @@
               </a:rPr>
               <a:t>理解任务</a:t>
             </a:r>
-            <a:endParaRPr kumimoji="0" lang="zh-CN" altLang="en-US" sz="2000" b="0" i="0" u="none" strike="noStrike" kern="1200" cap="none" spc="0" normalizeH="0" baseline="0" noProof="0" dirty="0">
-              <a:ln>
-                <a:noFill/>
-              </a:ln>
-              <a:solidFill>
-                <a:prstClr val="black"/>
-              </a:solidFill>
-              <a:effectLst/>
-              <a:uLnTx/>
-              <a:uFillTx/>
-              <a:latin typeface="京东朗正体 玲珑" panose="020F0502020204030204"/>
-              <a:ea typeface="京东朗正体 玲珑"/>
-              <a:cs typeface="+mn-cs"/>
-            </a:endParaRPr>
           </a:p>
         </p:txBody>
       </p:sp>
@@ -6408,7 +6173,7 @@
               <a:defRPr/>
             </a:pPr>
             <a:r>
-              <a:rPr kumimoji="0" lang="zh-CN" altLang="en-US" sz="2000" b="0" i="0" u="none" strike="noStrike" kern="1200" cap="none" spc="0" normalizeH="0" baseline="0" noProof="0" dirty="0" smtClean="0">
+              <a:rPr kumimoji="0" lang="zh-CN" altLang="en-US" sz="2000" b="0" i="0" u="none" strike="noStrike" kern="1200" cap="none" spc="0" normalizeH="0" baseline="0" noProof="0" dirty="0">
                 <a:ln>
                   <a:noFill/>
                 </a:ln>
@@ -6424,20 +6189,6 @@
               </a:rPr>
               <a:t>技术选型</a:t>
             </a:r>
-            <a:endParaRPr kumimoji="0" lang="zh-CN" altLang="en-US" sz="2000" b="0" i="0" u="none" strike="noStrike" kern="1200" cap="none" spc="0" normalizeH="0" baseline="0" noProof="0" dirty="0">
-              <a:ln>
-                <a:noFill/>
-              </a:ln>
-              <a:solidFill>
-                <a:prstClr val="black"/>
-              </a:solidFill>
-              <a:effectLst/>
-              <a:uLnTx/>
-              <a:uFillTx/>
-              <a:latin typeface="京东朗正体 玲珑" panose="020F0502020204030204"/>
-              <a:ea typeface="京东朗正体 玲珑"/>
-              <a:cs typeface="+mn-cs"/>
-            </a:endParaRPr>
           </a:p>
         </p:txBody>
       </p:sp>
@@ -6480,7 +6231,7 @@
               <a:defRPr/>
             </a:pPr>
             <a:r>
-              <a:rPr kumimoji="0" lang="zh-CN" altLang="en-US" sz="2000" b="0" i="0" u="none" strike="noStrike" kern="1200" cap="none" spc="0" normalizeH="0" baseline="0" noProof="0" dirty="0" smtClean="0">
+              <a:rPr kumimoji="0" lang="zh-CN" altLang="en-US" sz="2000" b="0" i="0" u="none" strike="noStrike" kern="1200" cap="none" spc="0" normalizeH="0" baseline="0" noProof="0" dirty="0">
                 <a:ln>
                   <a:noFill/>
                 </a:ln>
@@ -6496,20 +6247,6 @@
               </a:rPr>
               <a:t>指引方向</a:t>
             </a:r>
-            <a:endParaRPr kumimoji="0" lang="zh-CN" altLang="en-US" sz="2000" b="0" i="0" u="none" strike="noStrike" kern="1200" cap="none" spc="0" normalizeH="0" baseline="0" noProof="0" dirty="0">
-              <a:ln>
-                <a:noFill/>
-              </a:ln>
-              <a:solidFill>
-                <a:prstClr val="black"/>
-              </a:solidFill>
-              <a:effectLst/>
-              <a:uLnTx/>
-              <a:uFillTx/>
-              <a:latin typeface="京东朗正体 玲珑" panose="020F0502020204030204"/>
-              <a:ea typeface="京东朗正体 玲珑"/>
-              <a:cs typeface="+mn-cs"/>
-            </a:endParaRPr>
           </a:p>
         </p:txBody>
       </p:sp>
@@ -6630,7 +6367,7 @@
               <a:defRPr/>
             </a:pPr>
             <a:r>
-              <a:rPr kumimoji="0" lang="zh-CN" altLang="en-US" sz="2000" b="0" i="0" u="none" strike="noStrike" kern="1200" cap="none" spc="0" normalizeH="0" baseline="0" noProof="0" dirty="0" smtClean="0">
+              <a:rPr kumimoji="0" lang="zh-CN" altLang="en-US" sz="2000" b="0" i="0" u="none" strike="noStrike" kern="1200" cap="none" spc="0" normalizeH="0" baseline="0" noProof="0" dirty="0">
                 <a:ln>
                   <a:noFill/>
                 </a:ln>
@@ -6646,20 +6383,6 @@
               </a:rPr>
               <a:t>设计细化</a:t>
             </a:r>
-            <a:endParaRPr kumimoji="0" lang="zh-CN" altLang="en-US" sz="2000" b="0" i="0" u="none" strike="noStrike" kern="1200" cap="none" spc="0" normalizeH="0" baseline="0" noProof="0" dirty="0">
-              <a:ln>
-                <a:noFill/>
-              </a:ln>
-              <a:solidFill>
-                <a:prstClr val="black"/>
-              </a:solidFill>
-              <a:effectLst/>
-              <a:uLnTx/>
-              <a:uFillTx/>
-              <a:latin typeface="京东朗正体 玲珑" panose="020F0502020204030204"/>
-              <a:ea typeface="京东朗正体 玲珑"/>
-              <a:cs typeface="+mn-cs"/>
-            </a:endParaRPr>
           </a:p>
         </p:txBody>
       </p:sp>
@@ -6702,7 +6425,7 @@
               <a:defRPr/>
             </a:pPr>
             <a:r>
-              <a:rPr kumimoji="0" lang="zh-CN" altLang="en-US" sz="2000" b="0" i="0" u="none" strike="noStrike" kern="1200" cap="none" spc="0" normalizeH="0" baseline="0" noProof="0" dirty="0" smtClean="0">
+              <a:rPr kumimoji="0" lang="zh-CN" altLang="en-US" sz="2000" b="0" i="0" u="none" strike="noStrike" kern="1200" cap="none" spc="0" normalizeH="0" baseline="0" noProof="0" dirty="0">
                 <a:ln>
                   <a:noFill/>
                 </a:ln>
@@ -6718,20 +6441,6 @@
               </a:rPr>
               <a:t>激发活力</a:t>
             </a:r>
-            <a:endParaRPr kumimoji="0" lang="zh-CN" altLang="en-US" sz="2000" b="0" i="0" u="none" strike="noStrike" kern="1200" cap="none" spc="0" normalizeH="0" baseline="0" noProof="0" dirty="0">
-              <a:ln>
-                <a:noFill/>
-              </a:ln>
-              <a:solidFill>
-                <a:prstClr val="black"/>
-              </a:solidFill>
-              <a:effectLst/>
-              <a:uLnTx/>
-              <a:uFillTx/>
-              <a:latin typeface="京东朗正体 玲珑" panose="020F0502020204030204"/>
-              <a:ea typeface="京东朗正体 玲珑"/>
-              <a:cs typeface="+mn-cs"/>
-            </a:endParaRPr>
           </a:p>
         </p:txBody>
       </p:sp>
@@ -6774,7 +6483,7 @@
               <a:defRPr/>
             </a:pPr>
             <a:r>
-              <a:rPr kumimoji="0" lang="zh-CN" altLang="en-US" sz="2000" b="0" i="0" u="none" strike="noStrike" kern="1200" cap="none" spc="0" normalizeH="0" baseline="0" noProof="0" dirty="0" smtClean="0">
+              <a:rPr kumimoji="0" lang="zh-CN" altLang="en-US" sz="2000" b="0" i="0" u="none" strike="noStrike" kern="1200" cap="none" spc="0" normalizeH="0" baseline="0" noProof="0" dirty="0">
                 <a:ln>
                   <a:noFill/>
                 </a:ln>
@@ -6790,20 +6499,6 @@
               </a:rPr>
               <a:t>消除分歧</a:t>
             </a:r>
-            <a:endParaRPr kumimoji="0" lang="zh-CN" altLang="en-US" sz="2000" b="0" i="0" u="none" strike="noStrike" kern="1200" cap="none" spc="0" normalizeH="0" baseline="0" noProof="0" dirty="0">
-              <a:ln>
-                <a:noFill/>
-              </a:ln>
-              <a:solidFill>
-                <a:prstClr val="black"/>
-              </a:solidFill>
-              <a:effectLst/>
-              <a:uLnTx/>
-              <a:uFillTx/>
-              <a:latin typeface="京东朗正体 玲珑" panose="020F0502020204030204"/>
-              <a:ea typeface="京东朗正体 玲珑"/>
-              <a:cs typeface="+mn-cs"/>
-            </a:endParaRPr>
           </a:p>
         </p:txBody>
       </p:sp>
@@ -6846,7 +6541,7 @@
               <a:defRPr/>
             </a:pPr>
             <a:r>
-              <a:rPr kumimoji="0" lang="zh-CN" altLang="en-US" sz="2000" b="0" i="0" u="none" strike="noStrike" kern="1200" cap="none" spc="0" normalizeH="0" baseline="0" noProof="0" dirty="0" smtClean="0">
+              <a:rPr kumimoji="0" lang="zh-CN" altLang="en-US" sz="2000" b="0" i="0" u="none" strike="noStrike" kern="1200" cap="none" spc="0" normalizeH="0" baseline="0" noProof="0" dirty="0">
                 <a:ln>
                   <a:noFill/>
                 </a:ln>
@@ -6862,20 +6557,6 @@
               </a:rPr>
               <a:t>挑战对手</a:t>
             </a:r>
-            <a:endParaRPr kumimoji="0" lang="zh-CN" altLang="en-US" sz="2000" b="0" i="0" u="none" strike="noStrike" kern="1200" cap="none" spc="0" normalizeH="0" baseline="0" noProof="0" dirty="0">
-              <a:ln>
-                <a:noFill/>
-              </a:ln>
-              <a:solidFill>
-                <a:prstClr val="black"/>
-              </a:solidFill>
-              <a:effectLst/>
-              <a:uLnTx/>
-              <a:uFillTx/>
-              <a:latin typeface="京东朗正体 玲珑" panose="020F0502020204030204"/>
-              <a:ea typeface="京东朗正体 玲珑"/>
-              <a:cs typeface="+mn-cs"/>
-            </a:endParaRPr>
           </a:p>
         </p:txBody>
       </p:sp>
@@ -6996,7 +6677,7 @@
               <a:defRPr/>
             </a:pPr>
             <a:r>
-              <a:rPr kumimoji="0" lang="zh-CN" altLang="en-US" sz="2000" b="0" i="0" u="none" strike="noStrike" kern="1200" cap="none" spc="0" normalizeH="0" baseline="0" noProof="0" dirty="0" smtClean="0">
+              <a:rPr kumimoji="0" lang="zh-CN" altLang="en-US" sz="2000" b="0" i="0" u="none" strike="noStrike" kern="1200" cap="none" spc="0" normalizeH="0" baseline="0" noProof="0" dirty="0">
                 <a:ln>
                   <a:noFill/>
                 </a:ln>
@@ -7012,20 +6693,6 @@
               </a:rPr>
               <a:t>工作部署</a:t>
             </a:r>
-            <a:endParaRPr kumimoji="0" lang="zh-CN" altLang="en-US" sz="2000" b="0" i="0" u="none" strike="noStrike" kern="1200" cap="none" spc="0" normalizeH="0" baseline="0" noProof="0" dirty="0">
-              <a:ln>
-                <a:noFill/>
-              </a:ln>
-              <a:solidFill>
-                <a:prstClr val="black"/>
-              </a:solidFill>
-              <a:effectLst/>
-              <a:uLnTx/>
-              <a:uFillTx/>
-              <a:latin typeface="京东朗正体 玲珑" panose="020F0502020204030204"/>
-              <a:ea typeface="京东朗正体 玲珑"/>
-              <a:cs typeface="+mn-cs"/>
-            </a:endParaRPr>
           </a:p>
         </p:txBody>
       </p:sp>
@@ -7068,7 +6735,7 @@
               <a:defRPr/>
             </a:pPr>
             <a:r>
-              <a:rPr kumimoji="0" lang="zh-CN" altLang="en-US" sz="2000" b="0" i="0" u="none" strike="noStrike" kern="1200" cap="none" spc="0" normalizeH="0" baseline="0" noProof="0" dirty="0" smtClean="0">
+              <a:rPr kumimoji="0" lang="zh-CN" altLang="en-US" sz="2000" b="0" i="0" u="none" strike="noStrike" kern="1200" cap="none" spc="0" normalizeH="0" baseline="0" noProof="0" dirty="0">
                 <a:ln>
                   <a:noFill/>
                 </a:ln>
@@ -7084,20 +6751,6 @@
               </a:rPr>
               <a:t>处置争端</a:t>
             </a:r>
-            <a:endParaRPr kumimoji="0" lang="zh-CN" altLang="en-US" sz="2000" b="0" i="0" u="none" strike="noStrike" kern="1200" cap="none" spc="0" normalizeH="0" baseline="0" noProof="0" dirty="0">
-              <a:ln>
-                <a:noFill/>
-              </a:ln>
-              <a:solidFill>
-                <a:prstClr val="black"/>
-              </a:solidFill>
-              <a:effectLst/>
-              <a:uLnTx/>
-              <a:uFillTx/>
-              <a:latin typeface="京东朗正体 玲珑" panose="020F0502020204030204"/>
-              <a:ea typeface="京东朗正体 玲珑"/>
-              <a:cs typeface="+mn-cs"/>
-            </a:endParaRPr>
           </a:p>
         </p:txBody>
       </p:sp>
@@ -7182,7 +6835,7 @@
               <a:defRPr/>
             </a:pPr>
             <a:r>
-              <a:rPr kumimoji="0" lang="zh-CN" altLang="en-US" sz="2000" b="0" i="0" u="none" strike="noStrike" kern="1200" cap="none" spc="0" normalizeH="0" baseline="0" noProof="0" dirty="0" smtClean="0">
+              <a:rPr kumimoji="0" lang="zh-CN" altLang="en-US" sz="2000" b="0" i="0" u="none" strike="noStrike" kern="1200" cap="none" spc="0" normalizeH="0" baseline="0" noProof="0" dirty="0">
                 <a:ln>
                   <a:noFill/>
                 </a:ln>
@@ -7198,20 +6851,6 @@
               </a:rPr>
               <a:t>勾勒愿景</a:t>
             </a:r>
-            <a:endParaRPr kumimoji="0" lang="zh-CN" altLang="en-US" sz="2000" b="0" i="0" u="none" strike="noStrike" kern="1200" cap="none" spc="0" normalizeH="0" baseline="0" noProof="0" dirty="0">
-              <a:ln>
-                <a:noFill/>
-              </a:ln>
-              <a:solidFill>
-                <a:prstClr val="black"/>
-              </a:solidFill>
-              <a:effectLst/>
-              <a:uLnTx/>
-              <a:uFillTx/>
-              <a:latin typeface="京东朗正体 玲珑" panose="020F0502020204030204"/>
-              <a:ea typeface="京东朗正体 玲珑"/>
-              <a:cs typeface="+mn-cs"/>
-            </a:endParaRPr>
           </a:p>
         </p:txBody>
       </p:sp>
@@ -7254,7 +6893,7 @@
               <a:defRPr/>
             </a:pPr>
             <a:r>
-              <a:rPr kumimoji="0" lang="zh-CN" altLang="en-US" sz="2000" b="0" i="0" u="none" strike="noStrike" kern="1200" cap="none" spc="0" normalizeH="0" baseline="0" noProof="0" dirty="0" smtClean="0">
+              <a:rPr kumimoji="0" lang="zh-CN" altLang="en-US" sz="2000" b="0" i="0" u="none" strike="noStrike" kern="1200" cap="none" spc="0" normalizeH="0" baseline="0" noProof="0" dirty="0">
                 <a:ln>
                   <a:noFill/>
                 </a:ln>
@@ -7270,20 +6909,6 @@
               </a:rPr>
               <a:t>资源调配</a:t>
             </a:r>
-            <a:endParaRPr kumimoji="0" lang="zh-CN" altLang="en-US" sz="2000" b="0" i="0" u="none" strike="noStrike" kern="1200" cap="none" spc="0" normalizeH="0" baseline="0" noProof="0" dirty="0">
-              <a:ln>
-                <a:noFill/>
-              </a:ln>
-              <a:solidFill>
-                <a:prstClr val="black"/>
-              </a:solidFill>
-              <a:effectLst/>
-              <a:uLnTx/>
-              <a:uFillTx/>
-              <a:latin typeface="京东朗正体 玲珑" panose="020F0502020204030204"/>
-              <a:ea typeface="京东朗正体 玲珑"/>
-              <a:cs typeface="+mn-cs"/>
-            </a:endParaRPr>
           </a:p>
         </p:txBody>
       </p:sp>
@@ -7326,7 +6951,7 @@
               <a:defRPr/>
             </a:pPr>
             <a:r>
-              <a:rPr kumimoji="0" lang="zh-CN" altLang="en-US" sz="2000" b="0" i="0" u="none" strike="noStrike" kern="1200" cap="none" spc="0" normalizeH="0" baseline="0" noProof="0" dirty="0" smtClean="0">
+              <a:rPr kumimoji="0" lang="zh-CN" altLang="en-US" sz="2000" b="0" i="0" u="none" strike="noStrike" kern="1200" cap="none" spc="0" normalizeH="0" baseline="0" noProof="0" dirty="0">
                 <a:ln>
                   <a:noFill/>
                 </a:ln>
@@ -7342,20 +6967,6 @@
               </a:rPr>
               <a:t>分工排期</a:t>
             </a:r>
-            <a:endParaRPr kumimoji="0" lang="zh-CN" altLang="en-US" sz="2000" b="0" i="0" u="none" strike="noStrike" kern="1200" cap="none" spc="0" normalizeH="0" baseline="0" noProof="0" dirty="0">
-              <a:ln>
-                <a:noFill/>
-              </a:ln>
-              <a:solidFill>
-                <a:prstClr val="black"/>
-              </a:solidFill>
-              <a:effectLst/>
-              <a:uLnTx/>
-              <a:uFillTx/>
-              <a:latin typeface="京东朗正体 玲珑" panose="020F0502020204030204"/>
-              <a:ea typeface="京东朗正体 玲珑"/>
-              <a:cs typeface="+mn-cs"/>
-            </a:endParaRPr>
           </a:p>
         </p:txBody>
       </p:sp>
@@ -7398,7 +7009,7 @@
               <a:defRPr/>
             </a:pPr>
             <a:r>
-              <a:rPr kumimoji="0" lang="zh-CN" altLang="en-US" sz="2000" b="0" i="0" u="none" strike="noStrike" kern="1200" cap="none" spc="0" normalizeH="0" baseline="0" noProof="0" dirty="0" smtClean="0">
+              <a:rPr kumimoji="0" lang="zh-CN" altLang="en-US" sz="2000" b="0" i="0" u="none" strike="noStrike" kern="1200" cap="none" spc="0" normalizeH="0" baseline="0" noProof="0" dirty="0">
                 <a:ln>
                   <a:noFill/>
                 </a:ln>
@@ -7414,20 +7025,6 @@
               </a:rPr>
               <a:t>避免踩坑</a:t>
             </a:r>
-            <a:endParaRPr kumimoji="0" lang="zh-CN" altLang="en-US" sz="2000" b="0" i="0" u="none" strike="noStrike" kern="1200" cap="none" spc="0" normalizeH="0" baseline="0" noProof="0" dirty="0">
-              <a:ln>
-                <a:noFill/>
-              </a:ln>
-              <a:solidFill>
-                <a:prstClr val="black"/>
-              </a:solidFill>
-              <a:effectLst/>
-              <a:uLnTx/>
-              <a:uFillTx/>
-              <a:latin typeface="京东朗正体 玲珑" panose="020F0502020204030204"/>
-              <a:ea typeface="京东朗正体 玲珑"/>
-              <a:cs typeface="+mn-cs"/>
-            </a:endParaRPr>
           </a:p>
         </p:txBody>
       </p:sp>
@@ -7441,13 +7038,6 @@
   <p:clrMapOvr>
     <a:masterClrMapping/>
   </p:clrMapOvr>
-  <p:timing>
-    <p:tnLst>
-      <p:par>
-        <p:cTn id="1" dur="indefinite" restart="never" nodeType="tmRoot"/>
-      </p:par>
-    </p:tnLst>
-  </p:timing>
 </p:sld>
 </file>
 
@@ -7551,7 +7141,7 @@
                 <a:defRPr/>
               </a:pPr>
               <a:r>
-                <a:rPr kumimoji="0" lang="zh-CN" altLang="en-US" sz="2000" b="0" i="0" u="none" strike="noStrike" kern="1200" cap="none" spc="0" normalizeH="0" baseline="0" noProof="0" dirty="0" smtClean="0">
+                <a:rPr kumimoji="0" lang="zh-CN" altLang="en-US" sz="2000" b="0" i="0" u="none" strike="noStrike" kern="1200" cap="none" spc="0" normalizeH="0" baseline="0" noProof="0" dirty="0">
                   <a:ln>
                     <a:noFill/>
                   </a:ln>
@@ -7567,20 +7157,6 @@
                 </a:rPr>
                 <a:t>理念</a:t>
               </a:r>
-              <a:endParaRPr kumimoji="0" lang="zh-CN" altLang="en-US" sz="2000" b="0" i="0" u="none" strike="noStrike" kern="1200" cap="none" spc="0" normalizeH="0" baseline="0" noProof="0" dirty="0">
-                <a:ln>
-                  <a:noFill/>
-                </a:ln>
-                <a:solidFill>
-                  <a:srgbClr val="0070C0"/>
-                </a:solidFill>
-                <a:effectLst/>
-                <a:uLnTx/>
-                <a:uFillTx/>
-                <a:latin typeface="京东朗正体 玲珑" panose="020F0502020204030204"/>
-                <a:ea typeface="京东朗正体 玲珑"/>
-                <a:cs typeface="+mn-cs"/>
-              </a:endParaRPr>
             </a:p>
           </p:txBody>
         </p:sp>
@@ -7616,20 +7192,10 @@
                     </a:schemeClr>
                   </a:solidFill>
                 </a:rPr>
-                <a:t>目标</a:t>
+                <a:t>目标的特色和</a:t>
               </a:r>
               <a:r>
-                <a:rPr lang="zh-CN" altLang="en-US" sz="1600" dirty="0" smtClean="0">
-                  <a:solidFill>
-                    <a:schemeClr val="bg1">
-                      <a:lumMod val="50000"/>
-                    </a:schemeClr>
-                  </a:solidFill>
-                </a:rPr>
-                <a:t>的特色和</a:t>
-              </a:r>
-              <a:r>
-                <a:rPr lang="zh-CN" altLang="en-US" sz="1600" dirty="0" smtClean="0">
+                <a:rPr lang="zh-CN" altLang="en-US" sz="1600" dirty="0">
                   <a:solidFill>
                     <a:schemeClr val="bg1">
                       <a:lumMod val="50000"/>
@@ -7640,7 +7206,7 @@
                 </a:rPr>
                 <a:t>建设的原则；</a:t>
               </a:r>
-              <a:endParaRPr lang="en-US" altLang="zh-CN" sz="1600" dirty="0" smtClean="0">
+              <a:endParaRPr lang="en-US" altLang="zh-CN" sz="1600" dirty="0">
                 <a:solidFill>
                   <a:schemeClr val="bg1">
                     <a:lumMod val="50000"/>
@@ -7669,7 +7235,7 @@
                 <a:defRPr/>
               </a:pPr>
               <a:r>
-                <a:rPr lang="zh-CN" altLang="en-US" sz="1200" dirty="0" smtClean="0">
+                <a:rPr lang="zh-CN" altLang="en-US" sz="1200" dirty="0">
                   <a:solidFill>
                     <a:schemeClr val="bg1">
                       <a:lumMod val="50000"/>
@@ -7920,7 +7486,7 @@
                 <a:defRPr/>
               </a:pPr>
               <a:r>
-                <a:rPr kumimoji="0" lang="zh-CN" altLang="en-US" sz="2000" b="0" i="0" u="none" strike="noStrike" kern="1200" cap="none" spc="0" normalizeH="0" baseline="0" noProof="0" dirty="0" smtClean="0">
+                <a:rPr kumimoji="0" lang="zh-CN" altLang="en-US" sz="2000" b="0" i="0" u="none" strike="noStrike" kern="1200" cap="none" spc="0" normalizeH="0" baseline="0" noProof="0" dirty="0">
                   <a:ln>
                     <a:noFill/>
                   </a:ln>
@@ -7970,7 +7536,7 @@
                 <a:defRPr/>
               </a:pPr>
               <a:r>
-                <a:rPr lang="zh-CN" altLang="en-US" sz="1600" dirty="0" smtClean="0">
+                <a:rPr lang="zh-CN" altLang="en-US" sz="1600" dirty="0">
                   <a:solidFill>
                     <a:schemeClr val="bg1">
                       <a:lumMod val="50000"/>
@@ -7979,7 +7545,7 @@
                 </a:rPr>
                 <a:t>建设完成的最终形态：量化指标、影像等</a:t>
               </a:r>
-              <a:endParaRPr lang="en-US" altLang="zh-CN" sz="1600" dirty="0" smtClean="0">
+              <a:endParaRPr lang="en-US" altLang="zh-CN" sz="1600" dirty="0">
                 <a:solidFill>
                   <a:schemeClr val="bg1">
                     <a:lumMod val="50000"/>
@@ -7992,7 +7558,7 @@
                 <a:defRPr/>
               </a:pPr>
               <a:r>
-                <a:rPr lang="zh-CN" altLang="en-US" sz="1200" dirty="0" smtClean="0">
+                <a:rPr lang="zh-CN" altLang="en-US" sz="1200" dirty="0">
                   <a:solidFill>
                     <a:schemeClr val="bg1">
                       <a:lumMod val="50000"/>
@@ -8002,7 +7568,7 @@
                 <a:t>如：</a:t>
               </a:r>
               <a:r>
-                <a:rPr lang="en-US" altLang="zh-CN" sz="1200" dirty="0" smtClean="0">
+                <a:rPr lang="en-US" altLang="zh-CN" sz="1200" dirty="0">
                   <a:solidFill>
                     <a:schemeClr val="bg1">
                       <a:lumMod val="50000"/>
@@ -8039,20 +7605,10 @@
                     </a:schemeClr>
                   </a:solidFill>
                 </a:rPr>
-                <a:t>平方米，三层楼</a:t>
+                <a:t>平方米，三层楼，</a:t>
               </a:r>
               <a:r>
-                <a:rPr lang="zh-CN" altLang="en-US" sz="1200" dirty="0" smtClean="0">
-                  <a:solidFill>
-                    <a:schemeClr val="bg1">
-                      <a:lumMod val="50000"/>
-                    </a:schemeClr>
-                  </a:solidFill>
-                </a:rPr>
-                <a:t>，</a:t>
-              </a:r>
-              <a:r>
-                <a:rPr lang="en-US" altLang="zh-CN" sz="1200" dirty="0" smtClean="0">
+                <a:rPr lang="en-US" altLang="zh-CN" sz="1200" dirty="0">
                   <a:solidFill>
                     <a:schemeClr val="bg1">
                       <a:lumMod val="50000"/>
@@ -8062,7 +7618,7 @@
                 <a:t>15</a:t>
               </a:r>
               <a:r>
-                <a:rPr lang="zh-CN" altLang="en-US" sz="1200" dirty="0" smtClean="0">
+                <a:rPr lang="zh-CN" altLang="en-US" sz="1200" dirty="0">
                   <a:solidFill>
                     <a:schemeClr val="bg1">
                       <a:lumMod val="50000"/>
@@ -8071,13 +7627,6 @@
                 </a:rPr>
                 <a:t>个房间，新中式风格，效果图</a:t>
               </a:r>
-              <a:endParaRPr lang="zh-CN" altLang="en-US" sz="1200" dirty="0">
-                <a:solidFill>
-                  <a:schemeClr val="bg1">
-                    <a:lumMod val="50000"/>
-                  </a:schemeClr>
-                </a:solidFill>
-              </a:endParaRPr>
             </a:p>
           </p:txBody>
         </p:sp>
@@ -8135,7 +7684,7 @@
                 <a:defRPr/>
               </a:pPr>
               <a:r>
-                <a:rPr kumimoji="0" lang="zh-CN" altLang="en-US" sz="2400" b="1" i="0" u="none" strike="noStrike" kern="1200" cap="none" spc="0" normalizeH="0" baseline="0" noProof="0" dirty="0" smtClean="0">
+                <a:rPr kumimoji="0" lang="zh-CN" altLang="en-US" sz="2400" b="1" i="0" u="none" strike="noStrike" kern="1200" cap="none" spc="0" normalizeH="0" baseline="0" noProof="0" dirty="0">
                   <a:ln>
                     <a:noFill/>
                   </a:ln>
@@ -8151,20 +7700,6 @@
                 </a:rPr>
                 <a:t>价值</a:t>
               </a:r>
-              <a:endParaRPr kumimoji="0" lang="zh-CN" altLang="en-US" sz="2400" b="1" i="0" u="none" strike="noStrike" kern="1200" cap="none" spc="0" normalizeH="0" baseline="0" noProof="0" dirty="0">
-                <a:ln>
-                  <a:noFill/>
-                </a:ln>
-                <a:solidFill>
-                  <a:srgbClr val="FFC000"/>
-                </a:solidFill>
-                <a:effectLst/>
-                <a:uLnTx/>
-                <a:uFillTx/>
-                <a:latin typeface="京东朗正体 玲珑" panose="020F0502020204030204"/>
-                <a:ea typeface="京东朗正体 玲珑"/>
-                <a:cs typeface="+mn-cs"/>
-              </a:endParaRPr>
             </a:p>
           </p:txBody>
         </p:sp>
@@ -8242,7 +7777,7 @@
                 <a:t>达成</a:t>
               </a:r>
               <a:r>
-                <a:rPr lang="zh-CN" altLang="en-US" sz="1600" dirty="0" smtClean="0">
+                <a:rPr lang="zh-CN" altLang="en-US" sz="1600" dirty="0">
                   <a:solidFill>
                     <a:schemeClr val="bg1">
                       <a:lumMod val="50000"/>
@@ -8253,7 +7788,7 @@
                 </a:rPr>
                 <a:t>目标后给客户创造的具体价值：</a:t>
               </a:r>
-              <a:endParaRPr lang="en-US" altLang="zh-CN" sz="1600" dirty="0" smtClean="0">
+              <a:endParaRPr lang="en-US" altLang="zh-CN" sz="1600" dirty="0">
                 <a:solidFill>
                   <a:schemeClr val="bg1">
                     <a:lumMod val="50000"/>
@@ -8268,7 +7803,7 @@
                 <a:defRPr/>
               </a:pPr>
               <a:r>
-                <a:rPr lang="zh-CN" altLang="en-US" sz="1400" dirty="0" smtClean="0">
+                <a:rPr lang="zh-CN" altLang="en-US" sz="1400" dirty="0">
                   <a:solidFill>
                     <a:schemeClr val="bg1">
                       <a:lumMod val="50000"/>
@@ -8454,7 +7989,7 @@
                   <a:defRPr/>
                 </a:pPr>
                 <a:r>
-                  <a:rPr kumimoji="0" lang="zh-CN" altLang="en-US" sz="2000" b="0" i="0" u="none" strike="noStrike" kern="1200" cap="none" spc="0" normalizeH="0" baseline="0" noProof="0" dirty="0" smtClean="0">
+                  <a:rPr kumimoji="0" lang="zh-CN" altLang="en-US" sz="2000" b="0" i="0" u="none" strike="noStrike" kern="1200" cap="none" spc="0" normalizeH="0" baseline="0" noProof="0" dirty="0">
                     <a:ln>
                       <a:noFill/>
                     </a:ln>
@@ -8470,20 +8005,6 @@
                   </a:rPr>
                   <a:t>定位</a:t>
                 </a:r>
-                <a:endParaRPr kumimoji="0" lang="zh-CN" altLang="en-US" sz="2000" b="0" i="0" u="none" strike="noStrike" kern="1200" cap="none" spc="0" normalizeH="0" baseline="0" noProof="0" dirty="0">
-                  <a:ln>
-                    <a:noFill/>
-                  </a:ln>
-                  <a:solidFill>
-                    <a:srgbClr val="0070C0"/>
-                  </a:solidFill>
-                  <a:effectLst/>
-                  <a:uLnTx/>
-                  <a:uFillTx/>
-                  <a:latin typeface="京东朗正体 玲珑" panose="020F0502020204030204"/>
-                  <a:ea typeface="京东朗正体 玲珑"/>
-                  <a:cs typeface="+mn-cs"/>
-                </a:endParaRPr>
               </a:p>
             </p:txBody>
           </p:sp>
@@ -8567,7 +8088,7 @@
                 <a:defRPr/>
               </a:pPr>
               <a:r>
-                <a:rPr kumimoji="0" lang="zh-CN" altLang="en-US" sz="1200" b="0" i="0" u="none" strike="noStrike" kern="1200" cap="none" spc="0" normalizeH="0" baseline="0" noProof="0" dirty="0" smtClean="0">
+                <a:rPr kumimoji="0" lang="zh-CN" altLang="en-US" sz="1200" b="0" i="0" u="none" strike="noStrike" kern="1200" cap="none" spc="0" normalizeH="0" baseline="0" noProof="0" dirty="0">
                   <a:ln>
                     <a:noFill/>
                   </a:ln>
@@ -8655,7 +8176,7 @@
                 <a:defRPr/>
               </a:pPr>
               <a:r>
-                <a:rPr kumimoji="0" lang="zh-CN" altLang="en-US" sz="1400" b="0" i="0" u="none" strike="noStrike" kern="1200" cap="none" spc="0" normalizeH="0" baseline="0" noProof="0" dirty="0" smtClean="0">
+                <a:rPr kumimoji="0" lang="zh-CN" altLang="en-US" sz="1400" b="0" i="0" u="none" strike="noStrike" kern="1200" cap="none" spc="0" normalizeH="0" baseline="0" noProof="0" dirty="0">
                   <a:ln>
                     <a:noFill/>
                   </a:ln>
@@ -8673,22 +8194,6 @@
                 </a:rPr>
                 <a:t>在行业（场景）中的位置</a:t>
               </a:r>
-              <a:endParaRPr kumimoji="0" lang="zh-CN" altLang="en-US" sz="1400" b="0" i="0" u="none" strike="noStrike" kern="1200" cap="none" spc="0" normalizeH="0" baseline="0" noProof="0" dirty="0">
-                <a:ln>
-                  <a:noFill/>
-                </a:ln>
-                <a:solidFill>
-                  <a:schemeClr val="bg1">
-                    <a:lumMod val="50000"/>
-                  </a:schemeClr>
-                </a:solidFill>
-                <a:effectLst/>
-                <a:uLnTx/>
-                <a:uFillTx/>
-                <a:latin typeface="京东朗正体 玲珑" panose="020F0502020204030204"/>
-                <a:ea typeface="京东朗正体 玲珑"/>
-                <a:cs typeface="+mn-cs"/>
-              </a:endParaRPr>
             </a:p>
           </p:txBody>
         </p:sp>
@@ -8797,7 +8302,7 @@
                 <a:defRPr/>
               </a:pPr>
               <a:r>
-                <a:rPr kumimoji="0" lang="zh-CN" altLang="en-US" sz="2400" b="1" i="0" u="none" strike="noStrike" kern="1200" cap="none" spc="0" normalizeH="0" baseline="0" noProof="0" dirty="0" smtClean="0">
+                <a:rPr kumimoji="0" lang="zh-CN" altLang="en-US" sz="2400" b="1" i="0" u="none" strike="noStrike" kern="1200" cap="none" spc="0" normalizeH="0" baseline="0" noProof="0" dirty="0">
                   <a:ln>
                     <a:noFill/>
                   </a:ln>
@@ -8814,7 +8319,7 @@
                 <a:t>实现路径（</a:t>
               </a:r>
               <a:r>
-                <a:rPr kumimoji="0" lang="en-US" altLang="zh-CN" sz="2400" b="1" i="0" u="none" strike="noStrike" kern="1200" cap="none" spc="0" normalizeH="0" baseline="0" noProof="0" dirty="0" smtClean="0">
+                <a:rPr kumimoji="0" lang="en-US" altLang="zh-CN" sz="2400" b="1" i="0" u="none" strike="noStrike" kern="1200" cap="none" spc="0" normalizeH="0" baseline="0" noProof="0" dirty="0">
                   <a:ln>
                     <a:noFill/>
                   </a:ln>
@@ -8831,7 +8336,7 @@
                 <a:t>HOW</a:t>
               </a:r>
               <a:r>
-                <a:rPr kumimoji="0" lang="zh-CN" altLang="en-US" sz="2400" b="1" i="0" u="none" strike="noStrike" kern="1200" cap="none" spc="0" normalizeH="0" baseline="0" noProof="0" dirty="0" smtClean="0">
+                <a:rPr kumimoji="0" lang="zh-CN" altLang="en-US" sz="2400" b="1" i="0" u="none" strike="noStrike" kern="1200" cap="none" spc="0" normalizeH="0" baseline="0" noProof="0" dirty="0">
                   <a:ln>
                     <a:noFill/>
                   </a:ln>
@@ -8847,20 +8352,6 @@
                 </a:rPr>
                 <a:t>）</a:t>
               </a:r>
-              <a:endParaRPr kumimoji="0" lang="zh-CN" altLang="en-US" sz="2400" b="1" i="0" u="none" strike="noStrike" kern="1200" cap="none" spc="0" normalizeH="0" baseline="0" noProof="0" dirty="0">
-                <a:ln>
-                  <a:noFill/>
-                </a:ln>
-                <a:solidFill>
-                  <a:srgbClr val="7030A0"/>
-                </a:solidFill>
-                <a:effectLst/>
-                <a:uLnTx/>
-                <a:uFillTx/>
-                <a:latin typeface="京东朗正体 玲珑" panose="020F0502020204030204"/>
-                <a:ea typeface="京东朗正体 玲珑"/>
-                <a:cs typeface="+mn-cs"/>
-              </a:endParaRPr>
             </a:p>
           </p:txBody>
         </p:sp>
@@ -8889,7 +8380,7 @@
                 <a:defRPr/>
               </a:pPr>
               <a:r>
-                <a:rPr lang="zh-CN" altLang="en-US" sz="1600" dirty="0" smtClean="0">
+                <a:rPr lang="zh-CN" altLang="en-US" sz="1600" dirty="0">
                   <a:solidFill>
                     <a:schemeClr val="bg1">
                       <a:lumMod val="50000"/>
@@ -8898,7 +8389,7 @@
                 </a:rPr>
                 <a:t>解决问题的方法：框架、模块、步骤</a:t>
               </a:r>
-              <a:endParaRPr lang="en-US" altLang="zh-CN" sz="1600" dirty="0" smtClean="0">
+              <a:endParaRPr lang="en-US" altLang="zh-CN" sz="1600" dirty="0">
                 <a:solidFill>
                   <a:schemeClr val="bg1">
                     <a:lumMod val="50000"/>
@@ -8911,7 +8402,7 @@
                 <a:defRPr/>
               </a:pPr>
               <a:r>
-                <a:rPr lang="zh-CN" altLang="en-US" sz="1200" dirty="0" smtClean="0">
+                <a:rPr lang="zh-CN" altLang="en-US" sz="1200" dirty="0">
                   <a:solidFill>
                     <a:schemeClr val="bg1">
                       <a:lumMod val="50000"/>
@@ -8920,7 +8411,7 @@
                 </a:rPr>
                 <a:t>如：三部曲：推平山头、加固地基、修建滑轨；</a:t>
               </a:r>
-              <a:endParaRPr lang="en-US" altLang="zh-CN" sz="1200" dirty="0" smtClean="0">
+              <a:endParaRPr lang="en-US" altLang="zh-CN" sz="1200" dirty="0">
                 <a:solidFill>
                   <a:schemeClr val="bg1">
                     <a:lumMod val="50000"/>
@@ -8933,7 +8424,7 @@
                 <a:defRPr/>
               </a:pPr>
               <a:r>
-                <a:rPr lang="zh-CN" altLang="en-US" sz="1200" dirty="0" smtClean="0">
+                <a:rPr lang="zh-CN" altLang="en-US" sz="1200" dirty="0">
                   <a:solidFill>
                     <a:schemeClr val="bg1">
                       <a:lumMod val="50000"/>
@@ -8942,13 +8433,6 @@
                 </a:rPr>
                 <a:t>推山头：第一步装炸药、去除土层、清理垃圾等</a:t>
               </a:r>
-              <a:endParaRPr lang="zh-CN" altLang="en-US" sz="1200" dirty="0">
-                <a:solidFill>
-                  <a:schemeClr val="bg1">
-                    <a:lumMod val="50000"/>
-                  </a:schemeClr>
-                </a:solidFill>
-              </a:endParaRPr>
             </a:p>
           </p:txBody>
         </p:sp>
@@ -9096,7 +8580,7 @@
                 <a:defRPr/>
               </a:pPr>
               <a:r>
-                <a:rPr kumimoji="0" lang="zh-CN" altLang="en-US" sz="2400" b="1" i="0" u="none" strike="noStrike" kern="1200" cap="none" spc="0" normalizeH="0" baseline="0" noProof="0" dirty="0" smtClean="0">
+                <a:rPr kumimoji="0" lang="zh-CN" altLang="en-US" sz="2400" b="1" i="0" u="none" strike="noStrike" kern="1200" cap="none" spc="0" normalizeH="0" baseline="0" noProof="0" dirty="0">
                   <a:ln>
                     <a:noFill/>
                   </a:ln>
@@ -9113,7 +8597,7 @@
                 <a:t>为什么要这样作（</a:t>
               </a:r>
               <a:r>
-                <a:rPr kumimoji="0" lang="en-US" altLang="zh-CN" sz="2400" b="1" i="0" u="none" strike="noStrike" kern="1200" cap="none" spc="0" normalizeH="0" baseline="0" noProof="0" dirty="0" smtClean="0">
+                <a:rPr kumimoji="0" lang="en-US" altLang="zh-CN" sz="2400" b="1" i="0" u="none" strike="noStrike" kern="1200" cap="none" spc="0" normalizeH="0" baseline="0" noProof="0" dirty="0">
                   <a:ln>
                     <a:noFill/>
                   </a:ln>
@@ -9130,7 +8614,7 @@
                 <a:t>Why-how</a:t>
               </a:r>
               <a:r>
-                <a:rPr kumimoji="0" lang="zh-CN" altLang="en-US" sz="2400" b="1" i="0" u="none" strike="noStrike" kern="1200" cap="none" spc="0" normalizeH="0" baseline="0" noProof="0" dirty="0" smtClean="0">
+                <a:rPr kumimoji="0" lang="zh-CN" altLang="en-US" sz="2400" b="1" i="0" u="none" strike="noStrike" kern="1200" cap="none" spc="0" normalizeH="0" baseline="0" noProof="0" dirty="0">
                   <a:ln>
                     <a:noFill/>
                   </a:ln>
@@ -9146,20 +8630,6 @@
                 </a:rPr>
                 <a:t>）</a:t>
               </a:r>
-              <a:endParaRPr kumimoji="0" lang="zh-CN" altLang="en-US" sz="2400" b="1" i="0" u="none" strike="noStrike" kern="1200" cap="none" spc="0" normalizeH="0" baseline="0" noProof="0" dirty="0">
-                <a:ln>
-                  <a:noFill/>
-                </a:ln>
-                <a:solidFill>
-                  <a:srgbClr val="7030A0"/>
-                </a:solidFill>
-                <a:effectLst/>
-                <a:uLnTx/>
-                <a:uFillTx/>
-                <a:latin typeface="京东朗正体 玲珑" panose="020F0502020204030204"/>
-                <a:ea typeface="京东朗正体 玲珑"/>
-                <a:cs typeface="+mn-cs"/>
-              </a:endParaRPr>
             </a:p>
           </p:txBody>
         </p:sp>
@@ -9188,7 +8658,7 @@
                 <a:defRPr/>
               </a:pPr>
               <a:r>
-                <a:rPr lang="zh-CN" altLang="en-US" sz="1600" dirty="0" smtClean="0">
+                <a:rPr lang="zh-CN" altLang="en-US" sz="1600" dirty="0">
                   <a:solidFill>
                     <a:schemeClr val="bg1">
                       <a:lumMod val="50000"/>
@@ -9197,7 +8667,7 @@
                 </a:rPr>
                 <a:t>能克服挑战的深层次原因和跟其它方法比较的优势；</a:t>
               </a:r>
-              <a:endParaRPr lang="en-US" altLang="zh-CN" sz="1600" dirty="0" smtClean="0">
+              <a:endParaRPr lang="en-US" altLang="zh-CN" sz="1600" dirty="0">
                 <a:solidFill>
                   <a:schemeClr val="bg1">
                     <a:lumMod val="50000"/>
@@ -9210,7 +8680,7 @@
                 <a:defRPr/>
               </a:pPr>
               <a:r>
-                <a:rPr lang="zh-CN" altLang="en-US" sz="1200" dirty="0" smtClean="0">
+                <a:rPr lang="zh-CN" altLang="en-US" sz="1200" dirty="0">
                   <a:solidFill>
                     <a:schemeClr val="bg1">
                       <a:lumMod val="50000"/>
@@ -9219,7 +8689,7 @@
                 </a:rPr>
                 <a:t>如用炸药可以很快去掉土质疏松的山头，既能拓宽平地面积，也能清楚疏松土质，且较使用推土机等重型工程机械而言运输成本低。</a:t>
               </a:r>
-              <a:endParaRPr lang="en-US" altLang="zh-CN" sz="1200" dirty="0" smtClean="0">
+              <a:endParaRPr lang="en-US" altLang="zh-CN" sz="1200" dirty="0">
                 <a:solidFill>
                   <a:schemeClr val="bg1">
                     <a:lumMod val="50000"/>
@@ -9339,7 +8809,7 @@
                   <a:defRPr/>
                 </a:pPr>
                 <a:r>
-                  <a:rPr kumimoji="0" lang="zh-CN" altLang="en-US" sz="2400" b="1" i="0" u="none" strike="noStrike" kern="1200" cap="none" spc="0" normalizeH="0" baseline="0" noProof="0" dirty="0" smtClean="0">
+                  <a:rPr kumimoji="0" lang="zh-CN" altLang="en-US" sz="2400" b="1" i="0" u="none" strike="noStrike" kern="1200" cap="none" spc="0" normalizeH="0" baseline="0" noProof="0" dirty="0">
                     <a:ln>
                       <a:noFill/>
                     </a:ln>
@@ -9355,20 +8825,6 @@
                   </a:rPr>
                   <a:t>挑战</a:t>
                 </a:r>
-                <a:endParaRPr kumimoji="0" lang="zh-CN" altLang="en-US" sz="2400" b="1" i="0" u="none" strike="noStrike" kern="1200" cap="none" spc="0" normalizeH="0" baseline="0" noProof="0" dirty="0">
-                  <a:ln>
-                    <a:noFill/>
-                  </a:ln>
-                  <a:solidFill>
-                    <a:srgbClr val="C00000"/>
-                  </a:solidFill>
-                  <a:effectLst/>
-                  <a:uLnTx/>
-                  <a:uFillTx/>
-                  <a:latin typeface="京东朗正体 玲珑" panose="020F0502020204030204"/>
-                  <a:ea typeface="京东朗正体 玲珑"/>
-                  <a:cs typeface="+mn-cs"/>
-                </a:endParaRPr>
               </a:p>
             </p:txBody>
           </p:sp>
@@ -9411,7 +8867,7 @@
                   <a:defRPr/>
                 </a:pPr>
                 <a:r>
-                  <a:rPr kumimoji="0" lang="zh-CN" altLang="en-US" sz="1600" b="0" i="0" u="none" strike="noStrike" kern="1200" cap="none" spc="0" normalizeH="0" baseline="0" noProof="0" dirty="0" smtClean="0">
+                  <a:rPr kumimoji="0" lang="zh-CN" altLang="en-US" sz="1600" b="0" i="0" u="none" strike="noStrike" kern="1200" cap="none" spc="0" normalizeH="0" baseline="0" noProof="0" dirty="0">
                     <a:ln>
                       <a:noFill/>
                     </a:ln>
@@ -9429,22 +8885,6 @@
                   </a:rPr>
                   <a:t>去往目标的道路上遇到的困难</a:t>
                 </a:r>
-                <a:endParaRPr kumimoji="0" lang="zh-CN" altLang="en-US" sz="1600" b="0" i="0" u="none" strike="noStrike" kern="1200" cap="none" spc="0" normalizeH="0" baseline="0" noProof="0" dirty="0">
-                  <a:ln>
-                    <a:noFill/>
-                  </a:ln>
-                  <a:solidFill>
-                    <a:schemeClr val="bg1">
-                      <a:lumMod val="50000"/>
-                    </a:schemeClr>
-                  </a:solidFill>
-                  <a:effectLst/>
-                  <a:uLnTx/>
-                  <a:uFillTx/>
-                  <a:latin typeface="京东朗正体 玲珑" panose="020F0502020204030204"/>
-                  <a:ea typeface="京东朗正体 玲珑"/>
-                  <a:cs typeface="+mn-cs"/>
-                </a:endParaRPr>
               </a:p>
             </p:txBody>
           </p:sp>
@@ -9625,7 +9065,7 @@
                   <a:defRPr/>
                 </a:pPr>
                 <a:r>
-                  <a:rPr kumimoji="0" lang="zh-CN" altLang="en-US" sz="1200" b="0" i="0" u="none" strike="noStrike" kern="1200" cap="none" spc="0" normalizeH="0" baseline="0" noProof="0" dirty="0" smtClean="0">
+                  <a:rPr kumimoji="0" lang="zh-CN" altLang="en-US" sz="1200" b="0" i="0" u="none" strike="noStrike" kern="1200" cap="none" spc="0" normalizeH="0" baseline="0" noProof="0" dirty="0">
                     <a:ln>
                       <a:noFill/>
                     </a:ln>
@@ -9643,22 +9083,6 @@
                   </a:rPr>
                   <a:t>材料运输困难</a:t>
                 </a:r>
-                <a:endParaRPr kumimoji="0" lang="zh-CN" altLang="en-US" sz="1200" b="0" i="0" u="none" strike="noStrike" kern="1200" cap="none" spc="0" normalizeH="0" baseline="0" noProof="0" dirty="0">
-                  <a:ln>
-                    <a:noFill/>
-                  </a:ln>
-                  <a:solidFill>
-                    <a:schemeClr val="bg1">
-                      <a:lumMod val="50000"/>
-                    </a:schemeClr>
-                  </a:solidFill>
-                  <a:effectLst/>
-                  <a:uLnTx/>
-                  <a:uFillTx/>
-                  <a:latin typeface="京东朗正体 玲珑" panose="020F0502020204030204"/>
-                  <a:ea typeface="京东朗正体 玲珑"/>
-                  <a:cs typeface="+mn-cs"/>
-                </a:endParaRPr>
               </a:p>
             </p:txBody>
           </p:sp>
@@ -9701,7 +9125,7 @@
                   <a:defRPr/>
                 </a:pPr>
                 <a:r>
-                  <a:rPr kumimoji="0" lang="zh-CN" altLang="en-US" sz="1200" b="0" i="0" u="none" strike="noStrike" kern="1200" cap="none" spc="0" normalizeH="0" baseline="0" noProof="0" dirty="0" smtClean="0">
+                  <a:rPr kumimoji="0" lang="zh-CN" altLang="en-US" sz="1200" b="0" i="0" u="none" strike="noStrike" kern="1200" cap="none" spc="0" normalizeH="0" baseline="0" noProof="0" dirty="0">
                     <a:ln>
                       <a:noFill/>
                     </a:ln>
@@ -9719,22 +9143,6 @@
                   </a:rPr>
                   <a:t>地基松散</a:t>
                 </a:r>
-                <a:endParaRPr kumimoji="0" lang="zh-CN" altLang="en-US" sz="1200" b="0" i="0" u="none" strike="noStrike" kern="1200" cap="none" spc="0" normalizeH="0" baseline="0" noProof="0" dirty="0">
-                  <a:ln>
-                    <a:noFill/>
-                  </a:ln>
-                  <a:solidFill>
-                    <a:schemeClr val="bg1">
-                      <a:lumMod val="50000"/>
-                    </a:schemeClr>
-                  </a:solidFill>
-                  <a:effectLst/>
-                  <a:uLnTx/>
-                  <a:uFillTx/>
-                  <a:latin typeface="京东朗正体 玲珑" panose="020F0502020204030204"/>
-                  <a:ea typeface="京东朗正体 玲珑"/>
-                  <a:cs typeface="+mn-cs"/>
-                </a:endParaRPr>
               </a:p>
             </p:txBody>
           </p:sp>
@@ -9777,7 +9185,7 @@
                   <a:defRPr/>
                 </a:pPr>
                 <a:r>
-                  <a:rPr kumimoji="0" lang="zh-CN" altLang="en-US" sz="1200" b="0" i="0" u="none" strike="noStrike" kern="1200" cap="none" spc="0" normalizeH="0" baseline="0" noProof="0" dirty="0" smtClean="0">
+                  <a:rPr kumimoji="0" lang="zh-CN" altLang="en-US" sz="1200" b="0" i="0" u="none" strike="noStrike" kern="1200" cap="none" spc="0" normalizeH="0" baseline="0" noProof="0" dirty="0">
                     <a:ln>
                       <a:noFill/>
                     </a:ln>
@@ -9795,22 +9203,6 @@
                   </a:rPr>
                   <a:t>平地面积小</a:t>
                 </a:r>
-                <a:endParaRPr kumimoji="0" lang="zh-CN" altLang="en-US" sz="1200" b="0" i="0" u="none" strike="noStrike" kern="1200" cap="none" spc="0" normalizeH="0" baseline="0" noProof="0" dirty="0">
-                  <a:ln>
-                    <a:noFill/>
-                  </a:ln>
-                  <a:solidFill>
-                    <a:schemeClr val="bg1">
-                      <a:lumMod val="50000"/>
-                    </a:schemeClr>
-                  </a:solidFill>
-                  <a:effectLst/>
-                  <a:uLnTx/>
-                  <a:uFillTx/>
-                  <a:latin typeface="京东朗正体 玲珑" panose="020F0502020204030204"/>
-                  <a:ea typeface="京东朗正体 玲珑"/>
-                  <a:cs typeface="+mn-cs"/>
-                </a:endParaRPr>
               </a:p>
             </p:txBody>
           </p:sp>
@@ -10343,6 +9735,271 @@
       </p:grpSpPr>
       <p:sp>
         <p:nvSpPr>
+          <p:cNvPr id="2" name="标题 1">
+            <a:extLst>
+              <a:ext uri="{FF2B5EF4-FFF2-40B4-BE49-F238E27FC236}">
+                <a16:creationId xmlns:a16="http://schemas.microsoft.com/office/drawing/2014/main" id="{DB414D13-6A43-51DC-466A-468F936F5A63}"/>
+              </a:ext>
+            </a:extLst>
+          </p:cNvPr>
+          <p:cNvSpPr>
+            <a:spLocks noGrp="1"/>
+          </p:cNvSpPr>
+          <p:nvPr>
+            <p:ph type="title"/>
+          </p:nvPr>
+        </p:nvSpPr>
+        <p:spPr/>
+        <p:txBody>
+          <a:bodyPr/>
+          <a:lstStyle/>
+          <a:p>
+            <a:r>
+              <a:rPr lang="zh-CN" altLang="en-US" dirty="0"/>
+              <a:t>跟开题报告的对应关系</a:t>
+            </a:r>
+          </a:p>
+        </p:txBody>
+      </p:sp>
+      <p:sp>
+        <p:nvSpPr>
+          <p:cNvPr id="3" name="内容占位符 2">
+            <a:extLst>
+              <a:ext uri="{FF2B5EF4-FFF2-40B4-BE49-F238E27FC236}">
+                <a16:creationId xmlns:a16="http://schemas.microsoft.com/office/drawing/2014/main" id="{B680E1AD-CE7D-2D19-AFEB-21D9DF1C07B3}"/>
+              </a:ext>
+            </a:extLst>
+          </p:cNvPr>
+          <p:cNvSpPr>
+            <a:spLocks noGrp="1"/>
+          </p:cNvSpPr>
+          <p:nvPr>
+            <p:ph idx="1"/>
+          </p:nvPr>
+        </p:nvSpPr>
+        <p:spPr/>
+        <p:txBody>
+          <a:bodyPr/>
+          <a:lstStyle/>
+          <a:p>
+            <a:r>
+              <a:rPr lang="en-US" altLang="zh-CN" dirty="0"/>
+              <a:t>What </a:t>
+            </a:r>
+            <a:r>
+              <a:rPr lang="en-US" altLang="zh-CN" dirty="0">
+                <a:sym typeface="Wingdings" panose="05000000000000000000" pitchFamily="2" charset="2"/>
+              </a:rPr>
+              <a:t> </a:t>
+            </a:r>
+            <a:r>
+              <a:rPr lang="zh-CN" altLang="en-US" dirty="0">
+                <a:sym typeface="Wingdings" panose="05000000000000000000" pitchFamily="2" charset="2"/>
+              </a:rPr>
+              <a:t>研究目标</a:t>
+            </a:r>
+            <a:endParaRPr lang="en-US" altLang="zh-CN" dirty="0">
+              <a:sym typeface="Wingdings" panose="05000000000000000000" pitchFamily="2" charset="2"/>
+            </a:endParaRPr>
+          </a:p>
+          <a:p>
+            <a:r>
+              <a:rPr lang="en-US" altLang="zh-CN" dirty="0"/>
+              <a:t>Why- values</a:t>
+            </a:r>
+            <a:r>
+              <a:rPr lang="zh-CN" altLang="en-US" dirty="0"/>
+              <a:t> </a:t>
+            </a:r>
+            <a:r>
+              <a:rPr lang="en-US" altLang="zh-CN" dirty="0">
+                <a:sym typeface="Wingdings" panose="05000000000000000000" pitchFamily="2" charset="2"/>
+              </a:rPr>
+              <a:t> </a:t>
+            </a:r>
+            <a:r>
+              <a:rPr lang="zh-CN" altLang="en-US" dirty="0">
+                <a:sym typeface="Wingdings" panose="05000000000000000000" pitchFamily="2" charset="2"/>
+              </a:rPr>
+              <a:t>研究意义</a:t>
+            </a:r>
+            <a:endParaRPr lang="en-US" altLang="zh-CN" dirty="0">
+              <a:sym typeface="Wingdings" panose="05000000000000000000" pitchFamily="2" charset="2"/>
+            </a:endParaRPr>
+          </a:p>
+          <a:p>
+            <a:r>
+              <a:rPr lang="en-US" altLang="zh-CN" dirty="0">
+                <a:sym typeface="Wingdings" panose="05000000000000000000" pitchFamily="2" charset="2"/>
+              </a:rPr>
+              <a:t>Why- challenges  </a:t>
+            </a:r>
+            <a:r>
+              <a:rPr lang="zh-CN" altLang="en-US" dirty="0">
+                <a:sym typeface="Wingdings" panose="05000000000000000000" pitchFamily="2" charset="2"/>
+              </a:rPr>
+              <a:t>研究的必要性</a:t>
+            </a:r>
+            <a:endParaRPr lang="en-US" altLang="zh-CN" dirty="0">
+              <a:sym typeface="Wingdings" panose="05000000000000000000" pitchFamily="2" charset="2"/>
+            </a:endParaRPr>
+          </a:p>
+          <a:p>
+            <a:r>
+              <a:rPr lang="en-US" altLang="zh-CN" dirty="0"/>
+              <a:t>How </a:t>
+            </a:r>
+            <a:r>
+              <a:rPr lang="zh-CN" altLang="en-US" dirty="0"/>
+              <a:t>中的模块</a:t>
+            </a:r>
+            <a:r>
+              <a:rPr lang="en-US" altLang="zh-CN" dirty="0">
+                <a:sym typeface="Wingdings" panose="05000000000000000000" pitchFamily="2" charset="2"/>
+              </a:rPr>
+              <a:t> </a:t>
+            </a:r>
+            <a:r>
+              <a:rPr lang="zh-CN" altLang="en-US" dirty="0">
+                <a:sym typeface="Wingdings" panose="05000000000000000000" pitchFamily="2" charset="2"/>
+              </a:rPr>
+              <a:t>研究内容</a:t>
+            </a:r>
+            <a:endParaRPr lang="en-US" altLang="zh-CN" dirty="0">
+              <a:sym typeface="Wingdings" panose="05000000000000000000" pitchFamily="2" charset="2"/>
+            </a:endParaRPr>
+          </a:p>
+          <a:p>
+            <a:r>
+              <a:rPr lang="en-US" altLang="zh-CN" dirty="0">
+                <a:sym typeface="Wingdings" panose="05000000000000000000" pitchFamily="2" charset="2"/>
+              </a:rPr>
+              <a:t>How</a:t>
+            </a:r>
+            <a:r>
+              <a:rPr lang="zh-CN" altLang="en-US" dirty="0">
+                <a:sym typeface="Wingdings" panose="05000000000000000000" pitchFamily="2" charset="2"/>
+              </a:rPr>
+              <a:t>中的关键步骤</a:t>
+            </a:r>
+            <a:r>
+              <a:rPr lang="en-US" altLang="zh-CN" dirty="0">
+                <a:sym typeface="Wingdings" panose="05000000000000000000" pitchFamily="2" charset="2"/>
+              </a:rPr>
+              <a:t> </a:t>
+            </a:r>
+            <a:r>
+              <a:rPr lang="zh-CN" altLang="en-US" dirty="0">
+                <a:sym typeface="Wingdings" panose="05000000000000000000" pitchFamily="2" charset="2"/>
+              </a:rPr>
+              <a:t>关键技术或重要创新点</a:t>
+            </a:r>
+            <a:endParaRPr lang="en-US" altLang="zh-CN" dirty="0">
+              <a:sym typeface="Wingdings" panose="05000000000000000000" pitchFamily="2" charset="2"/>
+            </a:endParaRPr>
+          </a:p>
+          <a:p>
+            <a:r>
+              <a:rPr lang="en-US" altLang="zh-CN" dirty="0">
+                <a:sym typeface="Wingdings" panose="05000000000000000000" pitchFamily="2" charset="2"/>
+              </a:rPr>
+              <a:t>Why-How</a:t>
+            </a:r>
+            <a:r>
+              <a:rPr lang="zh-CN" altLang="en-US" dirty="0">
+                <a:sym typeface="Wingdings" panose="05000000000000000000" pitchFamily="2" charset="2"/>
+              </a:rPr>
+              <a:t>（第二点：较相关工作的优势）</a:t>
+            </a:r>
+            <a:r>
+              <a:rPr lang="en-US" altLang="zh-CN" dirty="0">
+                <a:sym typeface="Wingdings" panose="05000000000000000000" pitchFamily="2" charset="2"/>
+              </a:rPr>
+              <a:t> </a:t>
+            </a:r>
+            <a:r>
+              <a:rPr lang="zh-CN" altLang="en-US" dirty="0">
+                <a:sym typeface="Wingdings" panose="05000000000000000000" pitchFamily="2" charset="2"/>
+              </a:rPr>
+              <a:t>研究现状</a:t>
+            </a:r>
+            <a:endParaRPr lang="en-US" altLang="zh-CN" dirty="0">
+              <a:sym typeface="Wingdings" panose="05000000000000000000" pitchFamily="2" charset="2"/>
+            </a:endParaRPr>
+          </a:p>
+          <a:p>
+            <a:r>
+              <a:rPr lang="en-US" altLang="zh-CN" dirty="0">
+                <a:sym typeface="Wingdings" panose="05000000000000000000" pitchFamily="2" charset="2"/>
+              </a:rPr>
+              <a:t>Why-How</a:t>
+            </a:r>
+            <a:r>
+              <a:rPr lang="zh-CN" altLang="en-US" dirty="0">
+                <a:sym typeface="Wingdings" panose="05000000000000000000" pitchFamily="2" charset="2"/>
+              </a:rPr>
+              <a:t>（第一点：</a:t>
+            </a:r>
+            <a:r>
+              <a:rPr lang="en-US" altLang="zh-CN" dirty="0">
+                <a:sym typeface="Wingdings" panose="05000000000000000000" pitchFamily="2" charset="2"/>
+              </a:rPr>
+              <a:t>insights</a:t>
+            </a:r>
+            <a:r>
+              <a:rPr lang="zh-CN" altLang="en-US" dirty="0">
+                <a:sym typeface="Wingdings" panose="05000000000000000000" pitchFamily="2" charset="2"/>
+              </a:rPr>
+              <a:t>）</a:t>
+            </a:r>
+            <a:r>
+              <a:rPr lang="en-US" altLang="zh-CN" dirty="0">
+                <a:sym typeface="Wingdings" panose="05000000000000000000" pitchFamily="2" charset="2"/>
+              </a:rPr>
+              <a:t> </a:t>
+            </a:r>
+            <a:r>
+              <a:rPr lang="zh-CN" altLang="en-US" dirty="0">
+                <a:sym typeface="Wingdings" panose="05000000000000000000" pitchFamily="2" charset="2"/>
+              </a:rPr>
+              <a:t>可行性分析</a:t>
+            </a:r>
+            <a:endParaRPr lang="zh-CN" altLang="en-US" dirty="0"/>
+          </a:p>
+        </p:txBody>
+      </p:sp>
+    </p:spTree>
+    <p:extLst>
+      <p:ext uri="{BB962C8B-B14F-4D97-AF65-F5344CB8AC3E}">
+        <p14:creationId xmlns:p14="http://schemas.microsoft.com/office/powerpoint/2010/main" val="1967400877"/>
+      </p:ext>
+    </p:extLst>
+  </p:cSld>
+  <p:clrMapOvr>
+    <a:masterClrMapping/>
+  </p:clrMapOvr>
+</p:sld>
+</file>
+
+<file path=ppt/slides/slide6.xml><?xml version="1.0" encoding="utf-8"?>
+<p:sld xmlns:a="http://schemas.openxmlformats.org/drawingml/2006/main" xmlns:r="http://schemas.openxmlformats.org/officeDocument/2006/relationships" xmlns:p="http://schemas.openxmlformats.org/presentationml/2006/main">
+  <p:cSld>
+    <p:spTree>
+      <p:nvGrpSpPr>
+        <p:cNvPr id="1" name=""/>
+        <p:cNvGrpSpPr/>
+        <p:nvPr/>
+      </p:nvGrpSpPr>
+      <p:grpSpPr>
+        <a:xfrm>
+          <a:off x="0" y="0"/>
+          <a:ext cx="0" cy="0"/>
+          <a:chOff x="0" y="0"/>
+          <a:chExt cx="0" cy="0"/>
+        </a:xfrm>
+      </p:grpSpPr>
+      <p:sp>
+        <p:nvSpPr>
           <p:cNvPr id="2" name="标题 1"/>
           <p:cNvSpPr>
             <a:spLocks noGrp="1"/>
@@ -10357,10 +10014,9 @@
           <a:lstStyle/>
           <a:p>
             <a:r>
-              <a:rPr lang="zh-CN" altLang="en-US" smtClean="0"/>
+              <a:rPr lang="zh-CN" altLang="en-US"/>
               <a:t>跟标书的对应关系</a:t>
             </a:r>
-            <a:endParaRPr lang="zh-CN" altLang="en-US"/>
           </a:p>
         </p:txBody>
       </p:sp>
@@ -10376,197 +10032,164 @@
         </p:nvSpPr>
         <p:spPr/>
         <p:txBody>
-          <a:bodyPr/>
+          <a:bodyPr>
+            <a:normAutofit/>
+          </a:bodyPr>
           <a:lstStyle/>
           <a:p>
             <a:r>
-              <a:rPr lang="zh-CN" altLang="en-US" dirty="0"/>
+              <a:rPr lang="zh-CN" altLang="en-US" sz="2400" dirty="0"/>
               <a:t>定位</a:t>
             </a:r>
             <a:r>
-              <a:rPr lang="en-US" altLang="zh-CN" dirty="0"/>
+              <a:rPr lang="en-US" altLang="zh-CN" sz="2400" dirty="0"/>
               <a:t>+</a:t>
             </a:r>
             <a:r>
-              <a:rPr lang="zh-CN" altLang="en-US" dirty="0" smtClean="0"/>
+              <a:rPr lang="zh-CN" altLang="en-US" sz="2400" dirty="0"/>
               <a:t>理念 </a:t>
             </a:r>
             <a:r>
-              <a:rPr lang="en-US" altLang="zh-CN" dirty="0" smtClean="0">
+              <a:rPr lang="en-US" altLang="zh-CN" sz="2400" dirty="0">
                 <a:sym typeface="Wingdings" panose="05000000000000000000" pitchFamily="2" charset="2"/>
               </a:rPr>
               <a:t></a:t>
             </a:r>
             <a:r>
-              <a:rPr lang="en-US" altLang="zh-CN" dirty="0" smtClean="0"/>
+              <a:rPr lang="en-US" altLang="zh-CN" sz="2400" dirty="0"/>
               <a:t> </a:t>
             </a:r>
             <a:r>
-              <a:rPr lang="zh-CN" altLang="en-US" dirty="0"/>
-              <a:t>业务</a:t>
-            </a:r>
-            <a:r>
-              <a:rPr lang="zh-CN" altLang="en-US" dirty="0" smtClean="0"/>
-              <a:t>目标</a:t>
-            </a:r>
-            <a:endParaRPr lang="en-US" altLang="zh-CN" dirty="0" smtClean="0"/>
-          </a:p>
-          <a:p>
-            <a:r>
-              <a:rPr lang="zh-CN" altLang="en-US" dirty="0" smtClean="0"/>
+              <a:rPr lang="zh-CN" altLang="en-US" sz="2400" dirty="0"/>
+              <a:t>业务目标</a:t>
+            </a:r>
+            <a:endParaRPr lang="en-US" altLang="zh-CN" sz="2400" dirty="0"/>
+          </a:p>
+          <a:p>
+            <a:r>
+              <a:rPr lang="zh-CN" altLang="en-US" sz="2400" dirty="0"/>
               <a:t>结果</a:t>
             </a:r>
             <a:r>
-              <a:rPr lang="en-US" altLang="zh-CN" dirty="0" smtClean="0"/>
+              <a:rPr lang="en-US" altLang="zh-CN" sz="2400" dirty="0"/>
               <a:t>+ how </a:t>
             </a:r>
             <a:r>
-              <a:rPr lang="zh-CN" altLang="en-US" dirty="0"/>
-              <a:t>（</a:t>
-            </a:r>
-            <a:r>
-              <a:rPr lang="zh-CN" altLang="en-US" dirty="0" smtClean="0"/>
-              <a:t>框架、模块）</a:t>
-            </a:r>
-            <a:r>
-              <a:rPr lang="en-US" altLang="zh-CN" dirty="0" smtClean="0">
+              <a:rPr lang="zh-CN" altLang="en-US" sz="2400" dirty="0"/>
+              <a:t>（框架、模块）</a:t>
+            </a:r>
+            <a:r>
+              <a:rPr lang="en-US" altLang="zh-CN" sz="2400" dirty="0">
                 <a:sym typeface="Wingdings" panose="05000000000000000000" pitchFamily="2" charset="2"/>
               </a:rPr>
+              <a:t> </a:t>
+            </a:r>
+            <a:r>
+              <a:rPr lang="en-US" altLang="zh-CN" sz="2400" dirty="0"/>
               <a:t> </a:t>
             </a:r>
             <a:r>
-              <a:rPr lang="en-US" altLang="zh-CN" dirty="0">
+              <a:rPr lang="zh-CN" altLang="en-US" sz="2400" dirty="0"/>
+              <a:t>技术目标</a:t>
+            </a:r>
+            <a:endParaRPr lang="en-US" altLang="zh-CN" sz="2400" dirty="0"/>
+          </a:p>
+          <a:p>
+            <a:r>
+              <a:rPr lang="zh-CN" altLang="en-US" sz="2400" dirty="0"/>
+              <a:t>挑战 </a:t>
+            </a:r>
+            <a:r>
+              <a:rPr lang="en-US" altLang="zh-CN" sz="2400" dirty="0">
                 <a:sym typeface="Wingdings" panose="05000000000000000000" pitchFamily="2" charset="2"/>
               </a:rPr>
               <a:t></a:t>
             </a:r>
             <a:r>
-              <a:rPr lang="en-US" altLang="zh-CN" dirty="0" smtClean="0"/>
-              <a:t> </a:t>
-            </a:r>
-            <a:r>
-              <a:rPr lang="zh-CN" altLang="en-US" dirty="0"/>
-              <a:t>技术</a:t>
-            </a:r>
-            <a:r>
-              <a:rPr lang="zh-CN" altLang="en-US" dirty="0" smtClean="0"/>
-              <a:t>目标</a:t>
-            </a:r>
-            <a:endParaRPr lang="en-US" altLang="zh-CN" dirty="0" smtClean="0"/>
-          </a:p>
-          <a:p>
-            <a:r>
-              <a:rPr lang="zh-CN" altLang="en-US" dirty="0" smtClean="0"/>
-              <a:t>挑战 </a:t>
-            </a:r>
-            <a:r>
-              <a:rPr lang="en-US" altLang="zh-CN" dirty="0">
+              <a:rPr lang="zh-CN" altLang="en-US" sz="2400" dirty="0"/>
+              <a:t>必要性；挑战要跟业务和技术目标呼应，是产生</a:t>
+            </a:r>
+            <a:r>
+              <a:rPr lang="en-US" altLang="zh-CN" sz="2400" dirty="0"/>
+              <a:t>HOW</a:t>
+            </a:r>
+            <a:r>
+              <a:rPr lang="zh-CN" altLang="en-US" sz="2400" dirty="0"/>
+              <a:t>的原因；</a:t>
+            </a:r>
+            <a:endParaRPr lang="en-US" altLang="zh-CN" sz="2400" dirty="0"/>
+          </a:p>
+          <a:p>
+            <a:r>
+              <a:rPr lang="zh-CN" altLang="en-US" sz="2400" dirty="0"/>
+              <a:t>价值 </a:t>
+            </a:r>
+            <a:r>
+              <a:rPr lang="en-US" altLang="zh-CN" sz="2400" dirty="0">
                 <a:sym typeface="Wingdings" panose="05000000000000000000" pitchFamily="2" charset="2"/>
               </a:rPr>
               <a:t></a:t>
             </a:r>
             <a:r>
-              <a:rPr lang="zh-CN" altLang="en-US" dirty="0" smtClean="0"/>
-              <a:t>必要性</a:t>
-            </a:r>
-            <a:r>
-              <a:rPr lang="zh-CN" altLang="en-US" dirty="0"/>
-              <a:t>；挑战要跟业务和技术目标呼应，是产生</a:t>
-            </a:r>
-            <a:r>
-              <a:rPr lang="en-US" altLang="zh-CN" dirty="0"/>
-              <a:t>HOW</a:t>
-            </a:r>
-            <a:r>
-              <a:rPr lang="zh-CN" altLang="en-US" dirty="0"/>
-              <a:t>的原因</a:t>
-            </a:r>
-            <a:r>
-              <a:rPr lang="zh-CN" altLang="en-US" dirty="0" smtClean="0"/>
-              <a:t>；</a:t>
-            </a:r>
-            <a:endParaRPr lang="en-US" altLang="zh-CN" dirty="0" smtClean="0"/>
-          </a:p>
-          <a:p>
-            <a:r>
-              <a:rPr lang="zh-CN" altLang="en-US" dirty="0" smtClean="0"/>
-              <a:t>价值 </a:t>
-            </a:r>
-            <a:r>
-              <a:rPr lang="en-US" altLang="zh-CN" dirty="0">
+              <a:rPr lang="en-US" altLang="zh-CN" sz="2400" dirty="0"/>
+              <a:t> </a:t>
+            </a:r>
+            <a:r>
+              <a:rPr lang="zh-CN" altLang="en-US" sz="2400" dirty="0"/>
+              <a:t>效益</a:t>
+            </a:r>
+            <a:endParaRPr lang="en-US" altLang="zh-CN" sz="2400" dirty="0"/>
+          </a:p>
+          <a:p>
+            <a:r>
+              <a:rPr lang="zh-CN" altLang="en-US" sz="2400" dirty="0"/>
+              <a:t>总体架构 </a:t>
+            </a:r>
+            <a:r>
+              <a:rPr lang="en-US" altLang="zh-CN" sz="2400" dirty="0">
                 <a:sym typeface="Wingdings" panose="05000000000000000000" pitchFamily="2" charset="2"/>
               </a:rPr>
               <a:t></a:t>
             </a:r>
             <a:r>
-              <a:rPr lang="en-US" altLang="zh-CN" dirty="0" smtClean="0"/>
-              <a:t> </a:t>
-            </a:r>
-            <a:r>
-              <a:rPr lang="zh-CN" altLang="en-US" dirty="0" smtClean="0"/>
-              <a:t>效益</a:t>
-            </a:r>
-            <a:endParaRPr lang="en-US" altLang="zh-CN" dirty="0" smtClean="0"/>
-          </a:p>
-          <a:p>
+              <a:rPr lang="en-US" altLang="zh-CN" sz="2400" dirty="0"/>
+              <a:t> how</a:t>
+            </a:r>
+            <a:r>
+              <a:rPr lang="zh-CN" altLang="en-US" sz="2400" dirty="0"/>
+              <a:t>（框架图）</a:t>
+            </a:r>
+            <a:endParaRPr lang="en-US" altLang="zh-CN" sz="2400" dirty="0"/>
+          </a:p>
+          <a:p>
+            <a:r>
+              <a:rPr lang="zh-CN" altLang="en-US" sz="2400" dirty="0"/>
+              <a:t>五级目录结构：</a:t>
+            </a:r>
+            <a:endParaRPr lang="en-US" altLang="zh-CN" sz="2400" dirty="0"/>
+          </a:p>
+          <a:p>
+            <a:pPr lvl="1"/>
             <a:r>
               <a:rPr lang="zh-CN" altLang="en-US" dirty="0"/>
-              <a:t>总体</a:t>
-            </a:r>
-            <a:r>
-              <a:rPr lang="zh-CN" altLang="en-US" dirty="0" smtClean="0"/>
-              <a:t>架构 </a:t>
-            </a:r>
-            <a:r>
-              <a:rPr lang="en-US" altLang="zh-CN" dirty="0">
-                <a:sym typeface="Wingdings" panose="05000000000000000000" pitchFamily="2" charset="2"/>
-              </a:rPr>
-              <a:t></a:t>
+              <a:t>基于总体架构图（</a:t>
             </a:r>
             <a:r>
               <a:rPr lang="en-US" altLang="zh-CN" dirty="0"/>
-              <a:t> </a:t>
-            </a:r>
-            <a:r>
-              <a:rPr lang="en-US" altLang="zh-CN" dirty="0" smtClean="0"/>
               <a:t>how</a:t>
             </a:r>
             <a:r>
-              <a:rPr lang="zh-CN" altLang="en-US" dirty="0" smtClean="0"/>
-              <a:t>（框架图）</a:t>
-            </a:r>
-            <a:endParaRPr lang="en-US" altLang="zh-CN" dirty="0" smtClean="0"/>
-          </a:p>
-          <a:p>
-            <a:r>
-              <a:rPr lang="zh-CN" altLang="en-US" dirty="0" smtClean="0"/>
-              <a:t>五级目录结构：</a:t>
-            </a:r>
-            <a:endParaRPr lang="en-US" altLang="zh-CN" dirty="0" smtClean="0"/>
+              <a:rPr lang="zh-CN" altLang="en-US" dirty="0"/>
+              <a:t>）</a:t>
+            </a:r>
+            <a:endParaRPr lang="en-US" altLang="zh-CN" dirty="0"/>
           </a:p>
           <a:p>
             <a:pPr lvl="1"/>
             <a:r>
-              <a:rPr lang="zh-CN" altLang="en-US" dirty="0" smtClean="0"/>
-              <a:t>基于总体架构图（</a:t>
-            </a:r>
-            <a:r>
-              <a:rPr lang="en-US" altLang="zh-CN" dirty="0" smtClean="0"/>
-              <a:t>how</a:t>
-            </a:r>
-            <a:r>
-              <a:rPr lang="zh-CN" altLang="en-US" dirty="0" smtClean="0"/>
-              <a:t>）</a:t>
-            </a:r>
-            <a:endParaRPr lang="en-US" altLang="zh-CN" dirty="0" smtClean="0"/>
-          </a:p>
-          <a:p>
-            <a:pPr lvl="1"/>
-            <a:r>
-              <a:rPr lang="zh-CN" altLang="en-US" dirty="0" smtClean="0"/>
+              <a:rPr lang="zh-CN" altLang="en-US" dirty="0"/>
               <a:t>板块或平台、产品、模块、功能点、主要操作</a:t>
             </a:r>
-            <a:endParaRPr lang="zh-CN" altLang="en-US" dirty="0"/>
           </a:p>
         </p:txBody>
       </p:sp>

--- a/static/articles/0-0-what-why-how-why方法论.pptx
+++ b/static/articles/0-0-what-why-how-why方法论.pptx
@@ -202,7 +202,7 @@
           <a:p>
             <a:fld id="{A829BB37-1D09-48CE-BDD3-343EE4919C76}" type="datetimeFigureOut">
               <a:rPr lang="zh-CN" altLang="en-US" smtClean="0"/>
-              <a:t>2024/12/29</a:t>
+              <a:t>2025/3/8</a:t>
             </a:fld>
             <a:endParaRPr lang="zh-CN" altLang="en-US"/>
           </a:p>
@@ -598,7 +598,7 @@
           <a:p>
             <a:fld id="{C961BBE7-A22A-401B-8203-FA7E5F4F6C13}" type="datetimeFigureOut">
               <a:rPr lang="zh-CN" altLang="en-US" smtClean="0"/>
-              <a:t>2024/12/29</a:t>
+              <a:t>2025/3/8</a:t>
             </a:fld>
             <a:endParaRPr lang="zh-CN" altLang="en-US"/>
           </a:p>
@@ -766,7 +766,7 @@
           <a:p>
             <a:fld id="{C961BBE7-A22A-401B-8203-FA7E5F4F6C13}" type="datetimeFigureOut">
               <a:rPr lang="zh-CN" altLang="en-US" smtClean="0"/>
-              <a:t>2024/12/29</a:t>
+              <a:t>2025/3/8</a:t>
             </a:fld>
             <a:endParaRPr lang="zh-CN" altLang="en-US"/>
           </a:p>
@@ -944,7 +944,7 @@
           <a:p>
             <a:fld id="{C961BBE7-A22A-401B-8203-FA7E5F4F6C13}" type="datetimeFigureOut">
               <a:rPr lang="zh-CN" altLang="en-US" smtClean="0"/>
-              <a:t>2024/12/29</a:t>
+              <a:t>2025/3/8</a:t>
             </a:fld>
             <a:endParaRPr lang="zh-CN" altLang="en-US"/>
           </a:p>
@@ -1112,7 +1112,7 @@
           <a:p>
             <a:fld id="{C961BBE7-A22A-401B-8203-FA7E5F4F6C13}" type="datetimeFigureOut">
               <a:rPr lang="zh-CN" altLang="en-US" smtClean="0"/>
-              <a:t>2024/12/29</a:t>
+              <a:t>2025/3/8</a:t>
             </a:fld>
             <a:endParaRPr lang="zh-CN" altLang="en-US"/>
           </a:p>
@@ -1357,7 +1357,7 @@
           <a:p>
             <a:fld id="{C961BBE7-A22A-401B-8203-FA7E5F4F6C13}" type="datetimeFigureOut">
               <a:rPr lang="zh-CN" altLang="en-US" smtClean="0"/>
-              <a:t>2024/12/29</a:t>
+              <a:t>2025/3/8</a:t>
             </a:fld>
             <a:endParaRPr lang="zh-CN" altLang="en-US"/>
           </a:p>
@@ -1586,7 +1586,7 @@
           <a:p>
             <a:fld id="{C961BBE7-A22A-401B-8203-FA7E5F4F6C13}" type="datetimeFigureOut">
               <a:rPr lang="zh-CN" altLang="en-US" smtClean="0"/>
-              <a:t>2024/12/29</a:t>
+              <a:t>2025/3/8</a:t>
             </a:fld>
             <a:endParaRPr lang="zh-CN" altLang="en-US"/>
           </a:p>
@@ -1950,7 +1950,7 @@
           <a:p>
             <a:fld id="{C961BBE7-A22A-401B-8203-FA7E5F4F6C13}" type="datetimeFigureOut">
               <a:rPr lang="zh-CN" altLang="en-US" smtClean="0"/>
-              <a:t>2024/12/29</a:t>
+              <a:t>2025/3/8</a:t>
             </a:fld>
             <a:endParaRPr lang="zh-CN" altLang="en-US"/>
           </a:p>
@@ -2067,7 +2067,7 @@
           <a:p>
             <a:fld id="{C961BBE7-A22A-401B-8203-FA7E5F4F6C13}" type="datetimeFigureOut">
               <a:rPr lang="zh-CN" altLang="en-US" smtClean="0"/>
-              <a:t>2024/12/29</a:t>
+              <a:t>2025/3/8</a:t>
             </a:fld>
             <a:endParaRPr lang="zh-CN" altLang="en-US"/>
           </a:p>
@@ -2162,7 +2162,7 @@
           <a:p>
             <a:fld id="{C961BBE7-A22A-401B-8203-FA7E5F4F6C13}" type="datetimeFigureOut">
               <a:rPr lang="zh-CN" altLang="en-US" smtClean="0"/>
-              <a:t>2024/12/29</a:t>
+              <a:t>2025/3/8</a:t>
             </a:fld>
             <a:endParaRPr lang="zh-CN" altLang="en-US"/>
           </a:p>
@@ -2437,7 +2437,7 @@
           <a:p>
             <a:fld id="{C961BBE7-A22A-401B-8203-FA7E5F4F6C13}" type="datetimeFigureOut">
               <a:rPr lang="zh-CN" altLang="en-US" smtClean="0"/>
-              <a:t>2024/12/29</a:t>
+              <a:t>2025/3/8</a:t>
             </a:fld>
             <a:endParaRPr lang="zh-CN" altLang="en-US"/>
           </a:p>
@@ -2689,7 +2689,7 @@
           <a:p>
             <a:fld id="{C961BBE7-A22A-401B-8203-FA7E5F4F6C13}" type="datetimeFigureOut">
               <a:rPr lang="zh-CN" altLang="en-US" smtClean="0"/>
-              <a:t>2024/12/29</a:t>
+              <a:t>2025/3/8</a:t>
             </a:fld>
             <a:endParaRPr lang="zh-CN" altLang="en-US"/>
           </a:p>
@@ -2900,7 +2900,7 @@
           <a:p>
             <a:fld id="{C961BBE7-A22A-401B-8203-FA7E5F4F6C13}" type="datetimeFigureOut">
               <a:rPr lang="zh-CN" altLang="en-US" smtClean="0"/>
-              <a:t>2024/12/29</a:t>
+              <a:t>2025/3/8</a:t>
             </a:fld>
             <a:endParaRPr lang="zh-CN" altLang="en-US"/>
           </a:p>
@@ -3324,7 +3324,7 @@
           <a:p>
             <a:r>
               <a:rPr lang="en-US" altLang="zh-CN" sz="5400" b="1" dirty="0"/>
-              <a:t>WWHW</a:t>
+              <a:t>BWWHW</a:t>
             </a:r>
             <a:r>
               <a:rPr lang="zh-CN" altLang="en-US" sz="5400" b="1" dirty="0"/>
@@ -3338,7 +3338,7 @@
             </a:br>
             <a:r>
               <a:rPr lang="en-US" altLang="zh-CN" sz="4800" b="1" dirty="0"/>
-              <a:t>What-Why-How-Why</a:t>
+              <a:t>Background-What-Why-How-Why</a:t>
             </a:r>
             <a:endParaRPr lang="en-US" altLang="zh-CN" sz="5400" b="1" dirty="0"/>
           </a:p>
@@ -3419,7 +3419,7 @@
         <p:spPr bwMode="auto">
           <a:xfrm>
             <a:off x="220648" y="101877"/>
-            <a:ext cx="10806547" cy="6553328"/>
+            <a:ext cx="10731604" cy="6553328"/>
           </a:xfrm>
           <a:prstGeom prst="rect">
             <a:avLst/>
@@ -3613,6 +3613,22 @@
                 <a:ea typeface="京东朗正体 玲珑" panose="02000400000000000000" pitchFamily="2" charset="-122"/>
                 <a:cs typeface="Times New Roman" panose="02020603050405020304" pitchFamily="18" charset="0"/>
               </a:rPr>
+              <a:t>Background</a:t>
+            </a:r>
+            <a:r>
+              <a:rPr lang="zh-CN" altLang="en-US" sz="2000" b="1" dirty="0">
+                <a:latin typeface="京东朗正体 玲珑" panose="02000400000000000000" pitchFamily="2" charset="-122"/>
+                <a:ea typeface="京东朗正体 玲珑" panose="02000400000000000000" pitchFamily="2" charset="-122"/>
+                <a:cs typeface="Times New Roman" panose="02020603050405020304" pitchFamily="18" charset="0"/>
+              </a:rPr>
+              <a:t>、</a:t>
+            </a:r>
+            <a:r>
+              <a:rPr lang="en-US" altLang="zh-CN" sz="2000" b="1" dirty="0">
+                <a:latin typeface="京东朗正体 玲珑" panose="02000400000000000000" pitchFamily="2" charset="-122"/>
+                <a:ea typeface="京东朗正体 玲珑" panose="02000400000000000000" pitchFamily="2" charset="-122"/>
+                <a:cs typeface="Times New Roman" panose="02020603050405020304" pitchFamily="18" charset="0"/>
+              </a:rPr>
               <a:t>What</a:t>
             </a:r>
             <a:r>
@@ -3702,6 +3718,90 @@
                 <a:ea typeface="京东朗正体 玲珑" panose="02000400000000000000" pitchFamily="2" charset="-122"/>
                 <a:cs typeface="Times New Roman" panose="02020603050405020304" pitchFamily="18" charset="0"/>
               </a:rPr>
+              <a:t>Background</a:t>
+            </a:r>
+            <a:r>
+              <a:rPr lang="zh-CN" altLang="en-US" sz="2000" b="1" dirty="0">
+                <a:latin typeface="京东朗正体 玲珑" panose="02000400000000000000" pitchFamily="2" charset="-122"/>
+                <a:ea typeface="京东朗正体 玲珑" panose="02000400000000000000" pitchFamily="2" charset="-122"/>
+                <a:cs typeface="Times New Roman" panose="02020603050405020304" pitchFamily="18" charset="0"/>
+              </a:rPr>
+              <a:t>：</a:t>
+            </a:r>
+            <a:r>
+              <a:rPr lang="zh-CN" altLang="en-US" sz="2000" dirty="0">
+                <a:latin typeface="京东朗正体 玲珑" panose="02000400000000000000" pitchFamily="2" charset="-122"/>
+                <a:ea typeface="京东朗正体 玲珑" panose="02000400000000000000" pitchFamily="2" charset="-122"/>
+                <a:cs typeface="Times New Roman" panose="02020603050405020304" pitchFamily="18" charset="0"/>
+              </a:rPr>
+              <a:t>为什么会有这个问题存在，包括场景描述</a:t>
+            </a:r>
+            <a:r>
+              <a:rPr lang="en-US" altLang="zh-CN" sz="2000" dirty="0">
+                <a:latin typeface="京东朗正体 玲珑" panose="02000400000000000000" pitchFamily="2" charset="-122"/>
+                <a:ea typeface="京东朗正体 玲珑" panose="02000400000000000000" pitchFamily="2" charset="-122"/>
+                <a:cs typeface="Times New Roman" panose="02020603050405020304" pitchFamily="18" charset="0"/>
+              </a:rPr>
+              <a:t>+</a:t>
+            </a:r>
+            <a:r>
+              <a:rPr lang="zh-CN" altLang="en-US" sz="2000" dirty="0">
+                <a:latin typeface="京东朗正体 玲珑" panose="02000400000000000000" pitchFamily="2" charset="-122"/>
+                <a:ea typeface="京东朗正体 玲珑" panose="02000400000000000000" pitchFamily="2" charset="-122"/>
+                <a:cs typeface="Times New Roman" panose="02020603050405020304" pitchFamily="18" charset="0"/>
+              </a:rPr>
+              <a:t>面临瓶颈</a:t>
+            </a:r>
+            <a:r>
+              <a:rPr lang="en-US" altLang="zh-CN" sz="2000" dirty="0">
+                <a:latin typeface="京东朗正体 玲珑" panose="02000400000000000000" pitchFamily="2" charset="-122"/>
+                <a:ea typeface="京东朗正体 玲珑" panose="02000400000000000000" pitchFamily="2" charset="-122"/>
+                <a:cs typeface="Times New Roman" panose="02020603050405020304" pitchFamily="18" charset="0"/>
+              </a:rPr>
+              <a:t>+</a:t>
+            </a:r>
+            <a:r>
+              <a:rPr lang="zh-CN" altLang="en-US" sz="2000" dirty="0">
+                <a:latin typeface="京东朗正体 玲珑" panose="02000400000000000000" pitchFamily="2" charset="-122"/>
+                <a:ea typeface="京东朗正体 玲珑" panose="02000400000000000000" pitchFamily="2" charset="-122"/>
+                <a:cs typeface="Times New Roman" panose="02020603050405020304" pitchFamily="18" charset="0"/>
+              </a:rPr>
+              <a:t>发展现状；</a:t>
+            </a:r>
+            <a:endParaRPr lang="en-US" altLang="zh-CN" sz="2000" dirty="0">
+              <a:latin typeface="京东朗正体 玲珑" panose="02000400000000000000" pitchFamily="2" charset="-122"/>
+              <a:ea typeface="京东朗正体 玲珑" panose="02000400000000000000" pitchFamily="2" charset="-122"/>
+              <a:cs typeface="Times New Roman" panose="02020603050405020304" pitchFamily="18" charset="0"/>
+            </a:endParaRPr>
+          </a:p>
+          <a:p>
+            <a:pPr marL="285744" indent="-285744" defTabSz="914377">
+              <a:spcAft>
+                <a:spcPts val="600"/>
+              </a:spcAft>
+              <a:buFont typeface="Arial" panose="020B0604020202020204" pitchFamily="34" charset="0"/>
+              <a:buChar char="•"/>
+            </a:pPr>
+            <a:endParaRPr lang="en-US" altLang="zh-CN" sz="1050" dirty="0">
+              <a:latin typeface="京东朗正体 玲珑" panose="02000400000000000000" pitchFamily="2" charset="-122"/>
+              <a:ea typeface="京东朗正体 玲珑" panose="02000400000000000000" pitchFamily="2" charset="-122"/>
+              <a:cs typeface="Times New Roman" panose="02020603050405020304" pitchFamily="18" charset="0"/>
+            </a:endParaRPr>
+          </a:p>
+          <a:p>
+            <a:pPr marL="285744" indent="-285744" defTabSz="914377">
+              <a:spcAft>
+                <a:spcPts val="600"/>
+              </a:spcAft>
+              <a:buFont typeface="Arial" panose="020B0604020202020204" pitchFamily="34" charset="0"/>
+              <a:buChar char="•"/>
+            </a:pPr>
+            <a:r>
+              <a:rPr lang="en-US" altLang="zh-CN" sz="2000" b="1" dirty="0">
+                <a:latin typeface="京东朗正体 玲珑" panose="02000400000000000000" pitchFamily="2" charset="-122"/>
+                <a:ea typeface="京东朗正体 玲珑" panose="02000400000000000000" pitchFamily="2" charset="-122"/>
+                <a:cs typeface="Times New Roman" panose="02020603050405020304" pitchFamily="18" charset="0"/>
+              </a:rPr>
               <a:t>What</a:t>
             </a:r>
             <a:r>
@@ -3815,7 +3915,7 @@
                 <a:spcPts val="600"/>
               </a:spcAft>
             </a:pPr>
-            <a:endParaRPr lang="zh-CN" altLang="en-US" sz="1200" dirty="0">
+            <a:endParaRPr lang="zh-CN" altLang="en-US" sz="1050" dirty="0">
               <a:latin typeface="京东朗正体 玲珑" panose="02000400000000000000" pitchFamily="2" charset="-122"/>
               <a:ea typeface="京东朗正体 玲珑" panose="02000400000000000000" pitchFamily="2" charset="-122"/>
             </a:endParaRPr>
@@ -3949,7 +4049,7 @@
               <a:buFont typeface="Arial" panose="020B0604020202020204" pitchFamily="34" charset="0"/>
               <a:buChar char="•"/>
             </a:pPr>
-            <a:endParaRPr lang="zh-CN" altLang="en-US" sz="2000" dirty="0">
+            <a:endParaRPr lang="zh-CN" altLang="en-US" sz="1050" dirty="0">
               <a:latin typeface="京东朗正体 玲珑" panose="02000400000000000000" pitchFamily="2" charset="-122"/>
               <a:ea typeface="京东朗正体 玲珑" panose="02000400000000000000" pitchFamily="2" charset="-122"/>
               <a:cs typeface="Times New Roman" panose="02020603050405020304" pitchFamily="18" charset="0"/>
@@ -4054,7 +4154,7 @@
               <a:buFont typeface="Arial" panose="020B0604020202020204" pitchFamily="34" charset="0"/>
               <a:buChar char="•"/>
             </a:pPr>
-            <a:endParaRPr lang="zh-CN" altLang="en-US" sz="2000" dirty="0">
+            <a:endParaRPr lang="zh-CN" altLang="en-US" sz="900" dirty="0">
               <a:latin typeface="京东朗正体 玲珑" panose="02000400000000000000" pitchFamily="2" charset="-122"/>
               <a:ea typeface="京东朗正体 玲珑" panose="02000400000000000000" pitchFamily="2" charset="-122"/>
               <a:cs typeface="Times New Roman" panose="02020603050405020304" pitchFamily="18" charset="0"/>
@@ -4169,21 +4269,29 @@
         <p:nvCxnSpPr>
           <p:cNvPr id="3" name="肘形连接符 2"/>
           <p:cNvCxnSpPr>
-            <a:endCxn id="2" idx="3"/>
+            <a:cxnSpLocks/>
+            <a:stCxn id="10" idx="2"/>
+            <a:endCxn id="8" idx="2"/>
           </p:cNvCxnSpPr>
           <p:nvPr/>
         </p:nvCxnSpPr>
         <p:spPr>
-          <a:xfrm flipV="1">
-            <a:off x="8113222" y="3378541"/>
-            <a:ext cx="2913973" cy="2639874"/>
+          <a:xfrm rot="10800000" flipH="1">
+            <a:off x="400875" y="3701070"/>
+            <a:ext cx="105880" cy="2351463"/>
           </a:xfrm>
           <a:prstGeom prst="bentConnector3">
             <a:avLst>
-              <a:gd name="adj1" fmla="val 107845"/>
+              <a:gd name="adj1" fmla="val -215905"/>
             </a:avLst>
           </a:prstGeom>
           <a:ln>
+            <a:solidFill>
+              <a:schemeClr val="tx1">
+                <a:lumMod val="50000"/>
+                <a:lumOff val="50000"/>
+              </a:schemeClr>
+            </a:solidFill>
             <a:tailEnd type="triangle"/>
           </a:ln>
         </p:spPr>
@@ -4393,6 +4501,257 @@
           </a:p>
         </p:txBody>
       </p:sp>
+      <p:sp>
+        <p:nvSpPr>
+          <p:cNvPr id="8" name="椭圆 7">
+            <a:extLst>
+              <a:ext uri="{FF2B5EF4-FFF2-40B4-BE49-F238E27FC236}">
+                <a16:creationId xmlns:a16="http://schemas.microsoft.com/office/drawing/2014/main" id="{79B2FA86-30A4-D342-591A-A5CA354C16D3}"/>
+              </a:ext>
+            </a:extLst>
+          </p:cNvPr>
+          <p:cNvSpPr/>
+          <p:nvPr/>
+        </p:nvSpPr>
+        <p:spPr>
+          <a:xfrm>
+            <a:off x="506755" y="3448205"/>
+            <a:ext cx="1832977" cy="505727"/>
+          </a:xfrm>
+          <a:prstGeom prst="ellipse">
+            <a:avLst/>
+          </a:prstGeom>
+          <a:noFill/>
+          <a:ln>
+            <a:noFill/>
+          </a:ln>
+        </p:spPr>
+        <p:style>
+          <a:lnRef idx="2">
+            <a:schemeClr val="accent1">
+              <a:shade val="15000"/>
+            </a:schemeClr>
+          </a:lnRef>
+          <a:fillRef idx="1">
+            <a:schemeClr val="accent1"/>
+          </a:fillRef>
+          <a:effectRef idx="0">
+            <a:schemeClr val="accent1"/>
+          </a:effectRef>
+          <a:fontRef idx="minor">
+            <a:schemeClr val="lt1"/>
+          </a:fontRef>
+        </p:style>
+        <p:txBody>
+          <a:bodyPr rtlCol="0" anchor="ctr"/>
+          <a:lstStyle/>
+          <a:p>
+            <a:pPr algn="ctr"/>
+            <a:endParaRPr lang="zh-CN" altLang="en-US"/>
+          </a:p>
+        </p:txBody>
+      </p:sp>
+      <p:sp>
+        <p:nvSpPr>
+          <p:cNvPr id="10" name="椭圆 9">
+            <a:extLst>
+              <a:ext uri="{FF2B5EF4-FFF2-40B4-BE49-F238E27FC236}">
+                <a16:creationId xmlns:a16="http://schemas.microsoft.com/office/drawing/2014/main" id="{519F73A6-A4F9-3862-8DC3-91B86E8BFFD9}"/>
+              </a:ext>
+            </a:extLst>
+          </p:cNvPr>
+          <p:cNvSpPr/>
+          <p:nvPr/>
+        </p:nvSpPr>
+        <p:spPr>
+          <a:xfrm>
+            <a:off x="400875" y="5799668"/>
+            <a:ext cx="1430867" cy="505728"/>
+          </a:xfrm>
+          <a:prstGeom prst="ellipse">
+            <a:avLst/>
+          </a:prstGeom>
+          <a:noFill/>
+          <a:ln>
+            <a:noFill/>
+          </a:ln>
+        </p:spPr>
+        <p:style>
+          <a:lnRef idx="2">
+            <a:schemeClr val="accent1">
+              <a:shade val="15000"/>
+            </a:schemeClr>
+          </a:lnRef>
+          <a:fillRef idx="1">
+            <a:schemeClr val="accent1"/>
+          </a:fillRef>
+          <a:effectRef idx="0">
+            <a:schemeClr val="accent1"/>
+          </a:effectRef>
+          <a:fontRef idx="minor">
+            <a:schemeClr val="lt1"/>
+          </a:fontRef>
+        </p:style>
+        <p:txBody>
+          <a:bodyPr rtlCol="0" anchor="ctr"/>
+          <a:lstStyle/>
+          <a:p>
+            <a:pPr algn="ctr"/>
+            <a:endParaRPr lang="zh-CN" altLang="en-US"/>
+          </a:p>
+        </p:txBody>
+      </p:sp>
+      <p:sp>
+        <p:nvSpPr>
+          <p:cNvPr id="39" name="椭圆 38">
+            <a:extLst>
+              <a:ext uri="{FF2B5EF4-FFF2-40B4-BE49-F238E27FC236}">
+                <a16:creationId xmlns:a16="http://schemas.microsoft.com/office/drawing/2014/main" id="{7D6ABA5A-86CC-0EDD-ABAB-AF725F25EF96}"/>
+              </a:ext>
+            </a:extLst>
+          </p:cNvPr>
+          <p:cNvSpPr/>
+          <p:nvPr/>
+        </p:nvSpPr>
+        <p:spPr>
+          <a:xfrm>
+            <a:off x="7538120" y="4578929"/>
+            <a:ext cx="335435" cy="293972"/>
+          </a:xfrm>
+          <a:prstGeom prst="ellipse">
+            <a:avLst/>
+          </a:prstGeom>
+          <a:noFill/>
+          <a:ln>
+            <a:noFill/>
+          </a:ln>
+        </p:spPr>
+        <p:style>
+          <a:lnRef idx="2">
+            <a:schemeClr val="accent1">
+              <a:shade val="15000"/>
+            </a:schemeClr>
+          </a:lnRef>
+          <a:fillRef idx="1">
+            <a:schemeClr val="accent1"/>
+          </a:fillRef>
+          <a:effectRef idx="0">
+            <a:schemeClr val="accent1"/>
+          </a:effectRef>
+          <a:fontRef idx="minor">
+            <a:schemeClr val="lt1"/>
+          </a:fontRef>
+        </p:style>
+        <p:txBody>
+          <a:bodyPr rtlCol="0" anchor="ctr"/>
+          <a:lstStyle/>
+          <a:p>
+            <a:pPr algn="ctr"/>
+            <a:endParaRPr lang="zh-CN" altLang="en-US"/>
+          </a:p>
+        </p:txBody>
+      </p:sp>
+      <p:cxnSp>
+        <p:nvCxnSpPr>
+          <p:cNvPr id="40" name="肘形连接符 2">
+            <a:extLst>
+              <a:ext uri="{FF2B5EF4-FFF2-40B4-BE49-F238E27FC236}">
+                <a16:creationId xmlns:a16="http://schemas.microsoft.com/office/drawing/2014/main" id="{CD3DFDFF-E0D3-BDC4-D476-FE9622FDF89A}"/>
+              </a:ext>
+            </a:extLst>
+          </p:cNvPr>
+          <p:cNvCxnSpPr>
+            <a:cxnSpLocks/>
+            <a:stCxn id="47" idx="6"/>
+            <a:endCxn id="39" idx="6"/>
+          </p:cNvCxnSpPr>
+          <p:nvPr/>
+        </p:nvCxnSpPr>
+        <p:spPr>
+          <a:xfrm>
+            <a:off x="6125464" y="3701068"/>
+            <a:ext cx="1748091" cy="1024847"/>
+          </a:xfrm>
+          <a:prstGeom prst="bentConnector3">
+            <a:avLst>
+              <a:gd name="adj1" fmla="val 217694"/>
+            </a:avLst>
+          </a:prstGeom>
+          <a:ln>
+            <a:solidFill>
+              <a:schemeClr val="tx1">
+                <a:lumMod val="50000"/>
+                <a:lumOff val="50000"/>
+              </a:schemeClr>
+            </a:solidFill>
+            <a:tailEnd type="triangle"/>
+          </a:ln>
+        </p:spPr>
+        <p:style>
+          <a:lnRef idx="1">
+            <a:schemeClr val="accent1"/>
+          </a:lnRef>
+          <a:fillRef idx="0">
+            <a:schemeClr val="accent1"/>
+          </a:fillRef>
+          <a:effectRef idx="0">
+            <a:schemeClr val="accent1"/>
+          </a:effectRef>
+          <a:fontRef idx="minor">
+            <a:schemeClr val="tx1"/>
+          </a:fontRef>
+        </p:style>
+      </p:cxnSp>
+      <p:sp>
+        <p:nvSpPr>
+          <p:cNvPr id="47" name="椭圆 46">
+            <a:extLst>
+              <a:ext uri="{FF2B5EF4-FFF2-40B4-BE49-F238E27FC236}">
+                <a16:creationId xmlns:a16="http://schemas.microsoft.com/office/drawing/2014/main" id="{465E0388-AB9C-FAA8-A862-11FDEE760A7A}"/>
+              </a:ext>
+            </a:extLst>
+          </p:cNvPr>
+          <p:cNvSpPr/>
+          <p:nvPr/>
+        </p:nvSpPr>
+        <p:spPr>
+          <a:xfrm>
+            <a:off x="5615326" y="3555549"/>
+            <a:ext cx="510138" cy="291038"/>
+          </a:xfrm>
+          <a:prstGeom prst="ellipse">
+            <a:avLst/>
+          </a:prstGeom>
+          <a:noFill/>
+          <a:ln>
+            <a:noFill/>
+          </a:ln>
+        </p:spPr>
+        <p:style>
+          <a:lnRef idx="2">
+            <a:schemeClr val="accent1">
+              <a:shade val="15000"/>
+            </a:schemeClr>
+          </a:lnRef>
+          <a:fillRef idx="1">
+            <a:schemeClr val="accent1"/>
+          </a:fillRef>
+          <a:effectRef idx="0">
+            <a:schemeClr val="accent1"/>
+          </a:effectRef>
+          <a:fontRef idx="minor">
+            <a:schemeClr val="lt1"/>
+          </a:fontRef>
+        </p:style>
+        <p:txBody>
+          <a:bodyPr rtlCol="0" anchor="ctr"/>
+          <a:lstStyle/>
+          <a:p>
+            <a:pPr algn="ctr"/>
+            <a:endParaRPr lang="zh-CN" altLang="en-US"/>
+          </a:p>
+        </p:txBody>
+      </p:sp>
     </p:spTree>
     <p:extLst>
       <p:ext uri="{BB962C8B-B14F-4D97-AF65-F5344CB8AC3E}">
@@ -4425,457 +4784,13 @@
       </p:grpSpPr>
       <p:sp>
         <p:nvSpPr>
-          <p:cNvPr id="4" name="圆角矩形 3"/>
-          <p:cNvSpPr/>
-          <p:nvPr/>
-        </p:nvSpPr>
-        <p:spPr>
-          <a:xfrm>
-            <a:off x="5467929" y="752765"/>
-            <a:ext cx="1571500" cy="611578"/>
-          </a:xfrm>
-          <a:prstGeom prst="roundRect">
-            <a:avLst/>
-          </a:prstGeom>
-        </p:spPr>
-        <p:style>
-          <a:lnRef idx="2">
-            <a:schemeClr val="accent1">
-              <a:shade val="50000"/>
-            </a:schemeClr>
-          </a:lnRef>
-          <a:fillRef idx="1">
-            <a:schemeClr val="accent1"/>
-          </a:fillRef>
-          <a:effectRef idx="0">
-            <a:schemeClr val="accent1"/>
-          </a:effectRef>
-          <a:fontRef idx="minor">
-            <a:schemeClr val="lt1"/>
-          </a:fontRef>
-        </p:style>
-        <p:txBody>
-          <a:bodyPr rtlCol="0" anchor="ctr"/>
-          <a:lstStyle/>
-          <a:p>
-            <a:pPr marL="0" marR="0" lvl="0" indent="0" algn="ctr" defTabSz="914400" rtl="0" eaLnBrk="1" fontAlgn="auto" latinLnBrk="0" hangingPunct="1">
-              <a:lnSpc>
-                <a:spcPct val="100000"/>
-              </a:lnSpc>
-              <a:spcBef>
-                <a:spcPts val="0"/>
-              </a:spcBef>
-              <a:spcAft>
-                <a:spcPts val="0"/>
-              </a:spcAft>
-              <a:buClrTx/>
-              <a:buSzTx/>
-              <a:buFontTx/>
-              <a:buNone/>
-              <a:tabLst/>
-              <a:defRPr/>
-            </a:pPr>
-            <a:r>
-              <a:rPr kumimoji="0" lang="zh-CN" altLang="en-US" sz="1800" b="0" i="0" u="none" strike="noStrike" kern="1200" cap="none" spc="0" normalizeH="0" baseline="0" noProof="0" dirty="0">
-                <a:ln>
-                  <a:noFill/>
-                </a:ln>
-                <a:solidFill>
-                  <a:prstClr val="white"/>
-                </a:solidFill>
-                <a:effectLst/>
-                <a:uLnTx/>
-                <a:uFillTx/>
-                <a:latin typeface="京东朗正体 玲珑" panose="020F0502020204030204"/>
-                <a:ea typeface="京东朗正体 玲珑"/>
-                <a:cs typeface="+mn-cs"/>
-              </a:rPr>
-              <a:t>目标：</a:t>
-            </a:r>
-            <a:endParaRPr kumimoji="0" lang="en-US" altLang="zh-CN" sz="1800" b="0" i="0" u="none" strike="noStrike" kern="1200" cap="none" spc="0" normalizeH="0" baseline="0" noProof="0" dirty="0">
-              <a:ln>
-                <a:noFill/>
-              </a:ln>
-              <a:solidFill>
-                <a:prstClr val="white"/>
-              </a:solidFill>
-              <a:effectLst/>
-              <a:uLnTx/>
-              <a:uFillTx/>
-              <a:latin typeface="京东朗正体 玲珑" panose="020F0502020204030204"/>
-              <a:ea typeface="京东朗正体 玲珑"/>
-              <a:cs typeface="+mn-cs"/>
-            </a:endParaRPr>
-          </a:p>
-          <a:p>
-            <a:pPr marL="0" marR="0" lvl="0" indent="0" algn="ctr" defTabSz="914400" rtl="0" eaLnBrk="1" fontAlgn="auto" latinLnBrk="0" hangingPunct="1">
-              <a:lnSpc>
-                <a:spcPct val="100000"/>
-              </a:lnSpc>
-              <a:spcBef>
-                <a:spcPts val="0"/>
-              </a:spcBef>
-              <a:spcAft>
-                <a:spcPts val="0"/>
-              </a:spcAft>
-              <a:buClrTx/>
-              <a:buSzTx/>
-              <a:buFontTx/>
-              <a:buNone/>
-              <a:tabLst/>
-              <a:defRPr/>
-            </a:pPr>
-            <a:r>
-              <a:rPr kumimoji="0" lang="zh-CN" altLang="en-US" sz="1800" b="0" i="0" u="none" strike="noStrike" kern="1200" cap="none" spc="0" normalizeH="0" baseline="0" noProof="0" dirty="0">
-                <a:ln>
-                  <a:noFill/>
-                </a:ln>
-                <a:solidFill>
-                  <a:prstClr val="white"/>
-                </a:solidFill>
-                <a:effectLst/>
-                <a:uLnTx/>
-                <a:uFillTx/>
-                <a:latin typeface="京东朗正体 玲珑" panose="020F0502020204030204"/>
-                <a:ea typeface="京东朗正体 玲珑"/>
-                <a:cs typeface="+mn-cs"/>
-              </a:rPr>
-              <a:t>定位、理念</a:t>
-            </a:r>
-          </a:p>
-        </p:txBody>
-      </p:sp>
-      <p:sp>
-        <p:nvSpPr>
-          <p:cNvPr id="5" name="圆角矩形 4"/>
-          <p:cNvSpPr/>
-          <p:nvPr/>
-        </p:nvSpPr>
-        <p:spPr>
-          <a:xfrm>
-            <a:off x="5468260" y="2098962"/>
-            <a:ext cx="1567542" cy="408377"/>
-          </a:xfrm>
-          <a:prstGeom prst="roundRect">
-            <a:avLst/>
-          </a:prstGeom>
-        </p:spPr>
-        <p:style>
-          <a:lnRef idx="2">
-            <a:schemeClr val="accent1">
-              <a:shade val="50000"/>
-            </a:schemeClr>
-          </a:lnRef>
-          <a:fillRef idx="1">
-            <a:schemeClr val="accent1"/>
-          </a:fillRef>
-          <a:effectRef idx="0">
-            <a:schemeClr val="accent1"/>
-          </a:effectRef>
-          <a:fontRef idx="minor">
-            <a:schemeClr val="lt1"/>
-          </a:fontRef>
-        </p:style>
-        <p:txBody>
-          <a:bodyPr rtlCol="0" anchor="ctr"/>
-          <a:lstStyle/>
-          <a:p>
-            <a:pPr marL="0" marR="0" lvl="0" indent="0" algn="ctr" defTabSz="914400" rtl="0" eaLnBrk="1" fontAlgn="auto" latinLnBrk="0" hangingPunct="1">
-              <a:lnSpc>
-                <a:spcPct val="100000"/>
-              </a:lnSpc>
-              <a:spcBef>
-                <a:spcPts val="0"/>
-              </a:spcBef>
-              <a:spcAft>
-                <a:spcPts val="0"/>
-              </a:spcAft>
-              <a:buClrTx/>
-              <a:buSzTx/>
-              <a:buFontTx/>
-              <a:buNone/>
-              <a:tabLst/>
-              <a:defRPr/>
-            </a:pPr>
-            <a:r>
-              <a:rPr kumimoji="0" lang="zh-CN" altLang="en-US" sz="1800" b="0" i="0" u="none" strike="noStrike" kern="1200" cap="none" spc="0" normalizeH="0" baseline="0" noProof="0" dirty="0">
-                <a:ln>
-                  <a:noFill/>
-                </a:ln>
-                <a:solidFill>
-                  <a:prstClr val="white"/>
-                </a:solidFill>
-                <a:effectLst/>
-                <a:uLnTx/>
-                <a:uFillTx/>
-                <a:latin typeface="京东朗正体 玲珑" panose="020F0502020204030204"/>
-                <a:ea typeface="京东朗正体 玲珑"/>
-                <a:cs typeface="+mn-cs"/>
-              </a:rPr>
-              <a:t>价值</a:t>
-            </a:r>
-          </a:p>
-        </p:txBody>
-      </p:sp>
-      <p:sp>
-        <p:nvSpPr>
-          <p:cNvPr id="6" name="圆角矩形 5"/>
-          <p:cNvSpPr/>
-          <p:nvPr/>
-        </p:nvSpPr>
-        <p:spPr>
-          <a:xfrm>
-            <a:off x="5456713" y="3438898"/>
-            <a:ext cx="1542801" cy="784760"/>
-          </a:xfrm>
-          <a:prstGeom prst="roundRect">
-            <a:avLst/>
-          </a:prstGeom>
-        </p:spPr>
-        <p:style>
-          <a:lnRef idx="2">
-            <a:schemeClr val="accent1">
-              <a:shade val="50000"/>
-            </a:schemeClr>
-          </a:lnRef>
-          <a:fillRef idx="1">
-            <a:schemeClr val="accent1"/>
-          </a:fillRef>
-          <a:effectRef idx="0">
-            <a:schemeClr val="accent1"/>
-          </a:effectRef>
-          <a:fontRef idx="minor">
-            <a:schemeClr val="lt1"/>
-          </a:fontRef>
-        </p:style>
-        <p:txBody>
-          <a:bodyPr rtlCol="0" anchor="ctr"/>
-          <a:lstStyle/>
-          <a:p>
-            <a:pPr marL="0" marR="0" lvl="0" indent="0" algn="ctr" defTabSz="914400" rtl="0" eaLnBrk="1" fontAlgn="auto" latinLnBrk="0" hangingPunct="1">
-              <a:lnSpc>
-                <a:spcPct val="100000"/>
-              </a:lnSpc>
-              <a:spcBef>
-                <a:spcPts val="0"/>
-              </a:spcBef>
-              <a:spcAft>
-                <a:spcPts val="0"/>
-              </a:spcAft>
-              <a:buClrTx/>
-              <a:buSzTx/>
-              <a:buFontTx/>
-              <a:buNone/>
-              <a:tabLst/>
-              <a:defRPr/>
-            </a:pPr>
-            <a:r>
-              <a:rPr kumimoji="0" lang="en-US" altLang="zh-CN" sz="1800" b="0" i="0" u="none" strike="noStrike" kern="1200" cap="none" spc="0" normalizeH="0" baseline="0" noProof="0" dirty="0">
-                <a:ln>
-                  <a:noFill/>
-                </a:ln>
-                <a:solidFill>
-                  <a:prstClr val="white"/>
-                </a:solidFill>
-                <a:effectLst/>
-                <a:uLnTx/>
-                <a:uFillTx/>
-                <a:latin typeface="京东朗正体 玲珑" panose="020F0502020204030204"/>
-                <a:ea typeface="京东朗正体 玲珑"/>
-                <a:cs typeface="+mn-cs"/>
-              </a:rPr>
-              <a:t>How</a:t>
-            </a:r>
-          </a:p>
-          <a:p>
-            <a:pPr marL="0" marR="0" lvl="0" indent="0" algn="ctr" defTabSz="914400" rtl="0" eaLnBrk="1" fontAlgn="auto" latinLnBrk="0" hangingPunct="1">
-              <a:lnSpc>
-                <a:spcPct val="100000"/>
-              </a:lnSpc>
-              <a:spcBef>
-                <a:spcPts val="0"/>
-              </a:spcBef>
-              <a:spcAft>
-                <a:spcPts val="0"/>
-              </a:spcAft>
-              <a:buClrTx/>
-              <a:buSzTx/>
-              <a:buFontTx/>
-              <a:buNone/>
-              <a:tabLst/>
-              <a:defRPr/>
-            </a:pPr>
-            <a:r>
-              <a:rPr kumimoji="0" lang="zh-CN" altLang="en-US" sz="1800" b="0" i="0" u="none" strike="noStrike" kern="1200" cap="none" spc="0" normalizeH="0" baseline="0" noProof="0" dirty="0">
-                <a:ln>
-                  <a:noFill/>
-                </a:ln>
-                <a:solidFill>
-                  <a:prstClr val="white"/>
-                </a:solidFill>
-                <a:effectLst/>
-                <a:uLnTx/>
-                <a:uFillTx/>
-                <a:latin typeface="京东朗正体 玲珑" panose="020F0502020204030204"/>
-                <a:ea typeface="京东朗正体 玲珑"/>
-                <a:cs typeface="+mn-cs"/>
-              </a:rPr>
-              <a:t>框架、模块、步骤</a:t>
-            </a:r>
-          </a:p>
-        </p:txBody>
-      </p:sp>
-      <p:sp>
-        <p:nvSpPr>
-          <p:cNvPr id="7" name="圆角矩形 6"/>
-          <p:cNvSpPr/>
-          <p:nvPr/>
-        </p:nvSpPr>
-        <p:spPr>
-          <a:xfrm>
-            <a:off x="5466610" y="4506687"/>
-            <a:ext cx="1619992" cy="1172688"/>
-          </a:xfrm>
-          <a:prstGeom prst="roundRect">
-            <a:avLst/>
-          </a:prstGeom>
-        </p:spPr>
-        <p:style>
-          <a:lnRef idx="2">
-            <a:schemeClr val="accent1">
-              <a:shade val="50000"/>
-            </a:schemeClr>
-          </a:lnRef>
-          <a:fillRef idx="1">
-            <a:schemeClr val="accent1"/>
-          </a:fillRef>
-          <a:effectRef idx="0">
-            <a:schemeClr val="accent1"/>
-          </a:effectRef>
-          <a:fontRef idx="minor">
-            <a:schemeClr val="lt1"/>
-          </a:fontRef>
-        </p:style>
-        <p:txBody>
-          <a:bodyPr rtlCol="0" anchor="ctr"/>
-          <a:lstStyle/>
-          <a:p>
-            <a:pPr marL="0" marR="0" lvl="0" indent="0" algn="ctr" defTabSz="914400" rtl="0" eaLnBrk="1" fontAlgn="auto" latinLnBrk="0" hangingPunct="1">
-              <a:lnSpc>
-                <a:spcPct val="100000"/>
-              </a:lnSpc>
-              <a:spcBef>
-                <a:spcPts val="0"/>
-              </a:spcBef>
-              <a:spcAft>
-                <a:spcPts val="0"/>
-              </a:spcAft>
-              <a:buClrTx/>
-              <a:buSzTx/>
-              <a:buFontTx/>
-              <a:buNone/>
-              <a:tabLst/>
-              <a:defRPr/>
-            </a:pPr>
-            <a:r>
-              <a:rPr kumimoji="0" lang="en-US" altLang="zh-CN" sz="1800" b="0" i="0" u="none" strike="noStrike" kern="1200" cap="none" spc="0" normalizeH="0" baseline="0" noProof="0" dirty="0">
-                <a:ln>
-                  <a:noFill/>
-                </a:ln>
-                <a:solidFill>
-                  <a:prstClr val="white"/>
-                </a:solidFill>
-                <a:effectLst/>
-                <a:uLnTx/>
-                <a:uFillTx/>
-                <a:latin typeface="京东朗正体 玲珑" panose="020F0502020204030204"/>
-                <a:ea typeface="京东朗正体 玲珑"/>
-                <a:cs typeface="+mn-cs"/>
-              </a:rPr>
-              <a:t>Why-How</a:t>
-            </a:r>
-          </a:p>
-          <a:p>
-            <a:pPr marL="0" marR="0" lvl="0" indent="0" algn="ctr" defTabSz="914400" rtl="0" eaLnBrk="1" fontAlgn="auto" latinLnBrk="0" hangingPunct="1">
-              <a:lnSpc>
-                <a:spcPct val="100000"/>
-              </a:lnSpc>
-              <a:spcBef>
-                <a:spcPts val="0"/>
-              </a:spcBef>
-              <a:spcAft>
-                <a:spcPts val="0"/>
-              </a:spcAft>
-              <a:buClrTx/>
-              <a:buSzTx/>
-              <a:buFontTx/>
-              <a:buNone/>
-              <a:tabLst/>
-              <a:defRPr/>
-            </a:pPr>
-            <a:r>
-              <a:rPr kumimoji="0" lang="zh-CN" altLang="en-US" sz="1800" b="0" i="0" u="none" strike="noStrike" kern="1200" cap="none" spc="0" normalizeH="0" baseline="0" noProof="0" dirty="0">
-                <a:ln>
-                  <a:noFill/>
-                </a:ln>
-                <a:solidFill>
-                  <a:prstClr val="white"/>
-                </a:solidFill>
-                <a:effectLst/>
-                <a:uLnTx/>
-                <a:uFillTx/>
-                <a:latin typeface="京东朗正体 玲珑" panose="020F0502020204030204"/>
-                <a:ea typeface="京东朗正体 玲珑"/>
-                <a:cs typeface="+mn-cs"/>
-              </a:rPr>
-              <a:t>应对挑战的</a:t>
-            </a:r>
-            <a:r>
-              <a:rPr kumimoji="0" lang="en-US" altLang="zh-CN" sz="1800" b="0" i="0" u="none" strike="noStrike" kern="1200" cap="none" spc="0" normalizeH="0" baseline="0" noProof="0" dirty="0">
-                <a:ln>
-                  <a:noFill/>
-                </a:ln>
-                <a:solidFill>
-                  <a:prstClr val="white"/>
-                </a:solidFill>
-                <a:effectLst/>
-                <a:uLnTx/>
-                <a:uFillTx/>
-                <a:latin typeface="京东朗正体 玲珑" panose="020F0502020204030204"/>
-                <a:ea typeface="京东朗正体 玲珑"/>
-                <a:cs typeface="+mn-cs"/>
-              </a:rPr>
-              <a:t>Insights</a:t>
-            </a:r>
-            <a:r>
-              <a:rPr kumimoji="0" lang="zh-CN" altLang="en-US" sz="1800" b="0" i="0" u="none" strike="noStrike" kern="1200" cap="none" spc="0" normalizeH="0" baseline="0" noProof="0" dirty="0">
-                <a:ln>
-                  <a:noFill/>
-                </a:ln>
-                <a:solidFill>
-                  <a:prstClr val="white"/>
-                </a:solidFill>
-                <a:effectLst/>
-                <a:uLnTx/>
-                <a:uFillTx/>
-                <a:latin typeface="京东朗正体 玲珑" panose="020F0502020204030204"/>
-                <a:ea typeface="京东朗正体 玲珑"/>
-                <a:cs typeface="+mn-cs"/>
-              </a:rPr>
-              <a:t>、对比优势</a:t>
-            </a:r>
-          </a:p>
-        </p:txBody>
-      </p:sp>
-      <p:sp>
-        <p:nvSpPr>
           <p:cNvPr id="8" name="笑脸 7"/>
           <p:cNvSpPr/>
           <p:nvPr/>
         </p:nvSpPr>
         <p:spPr>
           <a:xfrm>
-            <a:off x="2688109" y="3158835"/>
+            <a:off x="1951509" y="3768435"/>
             <a:ext cx="427511" cy="415636"/>
           </a:xfrm>
           <a:prstGeom prst="smileyFace">
@@ -4952,7 +4867,7 @@
         </p:nvSpPr>
         <p:spPr>
           <a:xfrm>
-            <a:off x="1983179" y="3099460"/>
+            <a:off x="1246579" y="3709060"/>
             <a:ext cx="712521" cy="400110"/>
           </a:xfrm>
           <a:prstGeom prst="rect">
@@ -5010,7 +4925,7 @@
         </p:nvSpPr>
         <p:spPr>
           <a:xfrm>
-            <a:off x="9085218" y="3206336"/>
+            <a:off x="9821818" y="3815936"/>
             <a:ext cx="427511" cy="415636"/>
           </a:xfrm>
           <a:prstGeom prst="smileyFace">
@@ -5079,7 +4994,7 @@
         </p:nvSpPr>
         <p:spPr>
           <a:xfrm>
-            <a:off x="9536492" y="3198020"/>
+            <a:off x="10273092" y="3807620"/>
             <a:ext cx="697627" cy="400110"/>
           </a:xfrm>
           <a:prstGeom prst="rect">
@@ -5129,84 +5044,6 @@
           </a:p>
         </p:txBody>
       </p:sp>
-      <p:sp>
-        <p:nvSpPr>
-          <p:cNvPr id="12" name="矩形 11"/>
-          <p:cNvSpPr/>
-          <p:nvPr/>
-        </p:nvSpPr>
-        <p:spPr>
-          <a:xfrm>
-            <a:off x="5159828" y="544287"/>
-            <a:ext cx="2133599" cy="5268686"/>
-          </a:xfrm>
-          <a:prstGeom prst="rect">
-            <a:avLst/>
-          </a:prstGeom>
-          <a:noFill/>
-          <a:ln>
-            <a:solidFill>
-              <a:schemeClr val="tx1">
-                <a:lumMod val="65000"/>
-                <a:lumOff val="35000"/>
-              </a:schemeClr>
-            </a:solidFill>
-          </a:ln>
-        </p:spPr>
-        <p:style>
-          <a:lnRef idx="2">
-            <a:schemeClr val="accent1">
-              <a:shade val="50000"/>
-            </a:schemeClr>
-          </a:lnRef>
-          <a:fillRef idx="1">
-            <a:schemeClr val="accent1"/>
-          </a:fillRef>
-          <a:effectRef idx="0">
-            <a:schemeClr val="accent1"/>
-          </a:effectRef>
-          <a:fontRef idx="minor">
-            <a:schemeClr val="lt1"/>
-          </a:fontRef>
-        </p:style>
-        <p:txBody>
-          <a:bodyPr rtlCol="0" anchor="ctr"/>
-          <a:lstStyle/>
-          <a:p>
-            <a:pPr marL="0" marR="0" lvl="0" indent="0" algn="ctr" defTabSz="914400" rtl="0" eaLnBrk="1" fontAlgn="auto" latinLnBrk="0" hangingPunct="1">
-              <a:lnSpc>
-                <a:spcPct val="100000"/>
-              </a:lnSpc>
-              <a:spcBef>
-                <a:spcPts val="0"/>
-              </a:spcBef>
-              <a:spcAft>
-                <a:spcPts val="0"/>
-              </a:spcAft>
-              <a:buClrTx/>
-              <a:buSzTx/>
-              <a:buFontTx/>
-              <a:buNone/>
-              <a:tabLst/>
-              <a:defRPr/>
-            </a:pPr>
-            <a:endParaRPr kumimoji="0" lang="zh-CN" altLang="en-US" sz="1800" b="0" i="0" u="none" strike="noStrike" kern="1200" cap="none" spc="0" normalizeH="0" baseline="0" noProof="0">
-              <a:ln>
-                <a:noFill/>
-              </a:ln>
-              <a:solidFill>
-                <a:prstClr val="white"/>
-              </a:solidFill>
-              <a:effectLst/>
-              <a:uLnTx/>
-              <a:uFillTx/>
-              <a:latin typeface="京东朗正体 玲珑" panose="020F0502020204030204"/>
-              <a:ea typeface="京东朗正体 玲珑"/>
-              <a:cs typeface="+mn-cs"/>
-            </a:endParaRPr>
-          </a:p>
-        </p:txBody>
-      </p:sp>
       <p:cxnSp>
         <p:nvCxnSpPr>
           <p:cNvPr id="14" name="肘形连接符 13"/>
@@ -5218,8 +5055,8 @@
         </p:nvCxnSpPr>
         <p:spPr>
           <a:xfrm rot="10800000" flipV="1">
-            <a:off x="2901865" y="1058553"/>
-            <a:ext cx="2566064" cy="2100281"/>
+            <a:off x="2165266" y="1668153"/>
+            <a:ext cx="2909131" cy="2100281"/>
           </a:xfrm>
           <a:prstGeom prst="bentConnector2">
             <a:avLst/>
@@ -5260,8 +5097,8 @@
         </p:nvCxnSpPr>
         <p:spPr>
           <a:xfrm rot="10800000" flipV="1">
-            <a:off x="2901866" y="2303151"/>
-            <a:ext cx="2566395" cy="855684"/>
+            <a:off x="2165266" y="2912751"/>
+            <a:ext cx="2909629" cy="855684"/>
           </a:xfrm>
           <a:prstGeom prst="bentConnector2">
             <a:avLst/>
@@ -5299,7 +5136,7 @@
         </p:nvSpPr>
         <p:spPr>
           <a:xfrm>
-            <a:off x="2166257" y="1099849"/>
+            <a:off x="1429657" y="1709449"/>
             <a:ext cx="826324" cy="1631216"/>
           </a:xfrm>
           <a:prstGeom prst="rect">
@@ -5440,7 +5277,7 @@
         </p:nvSpPr>
         <p:spPr>
           <a:xfrm>
-            <a:off x="3969143" y="630114"/>
+            <a:off x="3232543" y="1239714"/>
             <a:ext cx="1210588" cy="400110"/>
           </a:xfrm>
           <a:prstGeom prst="rect">
@@ -5498,7 +5335,7 @@
         </p:nvSpPr>
         <p:spPr>
           <a:xfrm>
-            <a:off x="3954629" y="1889229"/>
+            <a:off x="3218029" y="2498829"/>
             <a:ext cx="1210588" cy="400110"/>
           </a:xfrm>
           <a:prstGeom prst="rect">
@@ -5548,150 +5385,6 @@
           </a:p>
         </p:txBody>
       </p:sp>
-      <p:sp>
-        <p:nvSpPr>
-          <p:cNvPr id="39" name="圆角矩形 38"/>
-          <p:cNvSpPr/>
-          <p:nvPr/>
-        </p:nvSpPr>
-        <p:spPr>
-          <a:xfrm>
-            <a:off x="5467931" y="1481182"/>
-            <a:ext cx="1571500" cy="445587"/>
-          </a:xfrm>
-          <a:prstGeom prst="roundRect">
-            <a:avLst/>
-          </a:prstGeom>
-        </p:spPr>
-        <p:style>
-          <a:lnRef idx="2">
-            <a:schemeClr val="accent1">
-              <a:shade val="50000"/>
-            </a:schemeClr>
-          </a:lnRef>
-          <a:fillRef idx="1">
-            <a:schemeClr val="accent1"/>
-          </a:fillRef>
-          <a:effectRef idx="0">
-            <a:schemeClr val="accent1"/>
-          </a:effectRef>
-          <a:fontRef idx="minor">
-            <a:schemeClr val="lt1"/>
-          </a:fontRef>
-        </p:style>
-        <p:txBody>
-          <a:bodyPr rtlCol="0" anchor="ctr"/>
-          <a:lstStyle/>
-          <a:p>
-            <a:pPr marL="0" marR="0" lvl="0" indent="0" algn="ctr" defTabSz="914400" rtl="0" eaLnBrk="1" fontAlgn="auto" latinLnBrk="0" hangingPunct="1">
-              <a:lnSpc>
-                <a:spcPct val="100000"/>
-              </a:lnSpc>
-              <a:spcBef>
-                <a:spcPts val="0"/>
-              </a:spcBef>
-              <a:spcAft>
-                <a:spcPts val="0"/>
-              </a:spcAft>
-              <a:buClrTx/>
-              <a:buSzTx/>
-              <a:buFontTx/>
-              <a:buNone/>
-              <a:tabLst/>
-              <a:defRPr/>
-            </a:pPr>
-            <a:r>
-              <a:rPr kumimoji="0" lang="zh-CN" altLang="en-US" sz="1800" b="0" i="0" u="none" strike="noStrike" kern="1200" cap="none" spc="0" normalizeH="0" baseline="0" noProof="0" dirty="0">
-                <a:ln>
-                  <a:noFill/>
-                </a:ln>
-                <a:solidFill>
-                  <a:prstClr val="white"/>
-                </a:solidFill>
-                <a:effectLst/>
-                <a:uLnTx/>
-                <a:uFillTx/>
-                <a:latin typeface="京东朗正体 玲珑" panose="020F0502020204030204"/>
-                <a:ea typeface="京东朗正体 玲珑"/>
-                <a:cs typeface="+mn-cs"/>
-              </a:rPr>
-              <a:t>结果</a:t>
-            </a:r>
-          </a:p>
-        </p:txBody>
-      </p:sp>
-      <p:sp>
-        <p:nvSpPr>
-          <p:cNvPr id="45" name="圆角矩形 44"/>
-          <p:cNvSpPr/>
-          <p:nvPr/>
-        </p:nvSpPr>
-        <p:spPr>
-          <a:xfrm>
-            <a:off x="5468261" y="2665019"/>
-            <a:ext cx="1567542" cy="408377"/>
-          </a:xfrm>
-          <a:prstGeom prst="roundRect">
-            <a:avLst/>
-          </a:prstGeom>
-        </p:spPr>
-        <p:style>
-          <a:lnRef idx="2">
-            <a:schemeClr val="accent1">
-              <a:shade val="50000"/>
-            </a:schemeClr>
-          </a:lnRef>
-          <a:fillRef idx="1">
-            <a:schemeClr val="accent1"/>
-          </a:fillRef>
-          <a:effectRef idx="0">
-            <a:schemeClr val="accent1"/>
-          </a:effectRef>
-          <a:fontRef idx="minor">
-            <a:schemeClr val="lt1"/>
-          </a:fontRef>
-        </p:style>
-        <p:txBody>
-          <a:bodyPr rtlCol="0" anchor="ctr"/>
-          <a:lstStyle/>
-          <a:p>
-            <a:pPr marL="0" marR="0" lvl="0" indent="0" algn="ctr" defTabSz="914400" rtl="0" eaLnBrk="1" fontAlgn="auto" latinLnBrk="0" hangingPunct="1">
-              <a:lnSpc>
-                <a:spcPct val="100000"/>
-              </a:lnSpc>
-              <a:spcBef>
-                <a:spcPts val="0"/>
-              </a:spcBef>
-              <a:spcAft>
-                <a:spcPts val="0"/>
-              </a:spcAft>
-              <a:buClrTx/>
-              <a:buSzTx/>
-              <a:buFontTx/>
-              <a:buNone/>
-              <a:tabLst/>
-              <a:defRPr/>
-            </a:pPr>
-            <a:r>
-              <a:rPr kumimoji="0" lang="zh-CN" altLang="en-US" sz="1800" b="0" i="0" u="none" strike="noStrike" kern="1200" cap="none" spc="0" normalizeH="0" baseline="0" noProof="0" dirty="0">
-                <a:ln>
-                  <a:noFill/>
-                </a:ln>
-                <a:solidFill>
-                  <a:prstClr val="white"/>
-                </a:solidFill>
-                <a:effectLst/>
-                <a:uLnTx/>
-                <a:uFillTx/>
-                <a:latin typeface="京东朗正体 玲珑" panose="020F0502020204030204"/>
-                <a:ea typeface="京东朗正体 玲珑"/>
-                <a:cs typeface="+mn-cs"/>
-              </a:rPr>
-              <a:t>挑战</a:t>
-            </a:r>
-          </a:p>
-        </p:txBody>
-      </p:sp>
       <p:cxnSp>
         <p:nvCxnSpPr>
           <p:cNvPr id="47" name="肘形连接符 46"/>
@@ -5703,8 +5396,8 @@
         </p:nvCxnSpPr>
         <p:spPr>
           <a:xfrm rot="10800000" flipV="1">
-            <a:off x="2901865" y="2869207"/>
-            <a:ext cx="2566396" cy="289627"/>
+            <a:off x="2165266" y="3478807"/>
+            <a:ext cx="2909631" cy="289627"/>
           </a:xfrm>
           <a:prstGeom prst="bentConnector2">
             <a:avLst/>
@@ -5742,7 +5435,7 @@
         </p:nvSpPr>
         <p:spPr>
           <a:xfrm>
-            <a:off x="3943743" y="2437143"/>
+            <a:off x="3207143" y="3046743"/>
             <a:ext cx="1210588" cy="400110"/>
           </a:xfrm>
           <a:prstGeom prst="rect">
@@ -5803,8 +5496,8 @@
         </p:nvCxnSpPr>
         <p:spPr>
           <a:xfrm>
-            <a:off x="7039429" y="1058554"/>
-            <a:ext cx="2259545" cy="2147782"/>
+            <a:off x="7442582" y="1668154"/>
+            <a:ext cx="2592992" cy="2147782"/>
           </a:xfrm>
           <a:prstGeom prst="bentConnector2">
             <a:avLst/>
@@ -5842,7 +5535,7 @@
         </p:nvSpPr>
         <p:spPr>
           <a:xfrm>
-            <a:off x="7311059" y="680914"/>
+            <a:off x="8047659" y="1290514"/>
             <a:ext cx="1210588" cy="400110"/>
           </a:xfrm>
           <a:prstGeom prst="rect">
@@ -5903,8 +5596,8 @@
         </p:nvCxnSpPr>
         <p:spPr>
           <a:xfrm>
-            <a:off x="7039431" y="1703976"/>
-            <a:ext cx="2259543" cy="1502360"/>
+            <a:off x="7442585" y="2313576"/>
+            <a:ext cx="2592989" cy="1502360"/>
           </a:xfrm>
           <a:prstGeom prst="bentConnector2">
             <a:avLst/>
@@ -5942,7 +5635,7 @@
         </p:nvSpPr>
         <p:spPr>
           <a:xfrm>
-            <a:off x="7343716" y="1294143"/>
+            <a:off x="8080316" y="1903743"/>
             <a:ext cx="1210588" cy="400110"/>
           </a:xfrm>
           <a:prstGeom prst="rect">
@@ -6003,8 +5696,8 @@
         </p:nvCxnSpPr>
         <p:spPr>
           <a:xfrm>
-            <a:off x="7035802" y="2303151"/>
-            <a:ext cx="2263172" cy="903185"/>
+            <a:off x="7437115" y="2912751"/>
+            <a:ext cx="2598459" cy="903185"/>
           </a:xfrm>
           <a:prstGeom prst="bentConnector2">
             <a:avLst/>
@@ -6042,7 +5735,7 @@
         </p:nvSpPr>
         <p:spPr>
           <a:xfrm>
-            <a:off x="7335403" y="1876033"/>
+            <a:off x="8072003" y="2485633"/>
             <a:ext cx="1210588" cy="400110"/>
           </a:xfrm>
           <a:prstGeom prst="rect">
@@ -6103,8 +5796,8 @@
         </p:nvCxnSpPr>
         <p:spPr>
           <a:xfrm>
-            <a:off x="7035803" y="2869208"/>
-            <a:ext cx="2263171" cy="337128"/>
+            <a:off x="7437117" y="3478808"/>
+            <a:ext cx="2598457" cy="337128"/>
           </a:xfrm>
           <a:prstGeom prst="bentConnector2">
             <a:avLst/>
@@ -6142,7 +5835,7 @@
         </p:nvSpPr>
         <p:spPr>
           <a:xfrm>
-            <a:off x="7342660" y="2456605"/>
+            <a:off x="8079260" y="3066205"/>
             <a:ext cx="1210588" cy="400110"/>
           </a:xfrm>
           <a:prstGeom prst="rect">
@@ -6200,7 +5893,7 @@
         </p:nvSpPr>
         <p:spPr>
           <a:xfrm>
-            <a:off x="9379543" y="1207784"/>
+            <a:off x="10116143" y="1817384"/>
             <a:ext cx="772672" cy="707886"/>
           </a:xfrm>
           <a:prstGeom prst="rect">
@@ -6261,8 +5954,8 @@
         </p:nvCxnSpPr>
         <p:spPr>
           <a:xfrm flipV="1">
-            <a:off x="6999514" y="3621972"/>
-            <a:ext cx="2299460" cy="209306"/>
+            <a:off x="7382431" y="4231572"/>
+            <a:ext cx="2653143" cy="209306"/>
           </a:xfrm>
           <a:prstGeom prst="bentConnector2">
             <a:avLst/>
@@ -6300,8 +5993,8 @@
         </p:nvCxnSpPr>
         <p:spPr>
           <a:xfrm flipV="1">
-            <a:off x="7086602" y="3621972"/>
-            <a:ext cx="2212372" cy="1471059"/>
+            <a:off x="7513669" y="4231572"/>
+            <a:ext cx="2521905" cy="1471059"/>
           </a:xfrm>
           <a:prstGeom prst="bentConnector2">
             <a:avLst/>
@@ -6336,7 +6029,7 @@
         </p:nvSpPr>
         <p:spPr>
           <a:xfrm>
-            <a:off x="7375384" y="3445887"/>
+            <a:off x="8111984" y="4055487"/>
             <a:ext cx="1210588" cy="400110"/>
           </a:xfrm>
           <a:prstGeom prst="rect">
@@ -6394,7 +6087,7 @@
         </p:nvSpPr>
         <p:spPr>
           <a:xfrm>
-            <a:off x="9396169" y="2023025"/>
+            <a:off x="10132769" y="2632625"/>
             <a:ext cx="772672" cy="707886"/>
           </a:xfrm>
           <a:prstGeom prst="rect">
@@ -6452,7 +6145,7 @@
         </p:nvSpPr>
         <p:spPr>
           <a:xfrm>
-            <a:off x="7399135" y="4679932"/>
+            <a:off x="8135735" y="5289532"/>
             <a:ext cx="1210588" cy="400110"/>
           </a:xfrm>
           <a:prstGeom prst="rect">
@@ -6510,7 +6203,7 @@
         </p:nvSpPr>
         <p:spPr>
           <a:xfrm>
-            <a:off x="3932858" y="2905229"/>
+            <a:off x="3196258" y="3514829"/>
             <a:ext cx="1210588" cy="400110"/>
           </a:xfrm>
           <a:prstGeom prst="rect">
@@ -6571,8 +6264,8 @@
         </p:nvCxnSpPr>
         <p:spPr>
           <a:xfrm rot="10800000">
-            <a:off x="2901865" y="3574472"/>
-            <a:ext cx="2554848" cy="256807"/>
+            <a:off x="2165265" y="4184072"/>
+            <a:ext cx="2892228" cy="256807"/>
           </a:xfrm>
           <a:prstGeom prst="bentConnector2">
             <a:avLst/>
@@ -6610,8 +6303,8 @@
         </p:nvCxnSpPr>
         <p:spPr>
           <a:xfrm rot="10800000">
-            <a:off x="2901866" y="3574471"/>
-            <a:ext cx="2564745" cy="1518560"/>
+            <a:off x="2165266" y="4184071"/>
+            <a:ext cx="2907143" cy="1518560"/>
           </a:xfrm>
           <a:prstGeom prst="bentConnector2">
             <a:avLst/>
@@ -6646,7 +6339,7 @@
         </p:nvSpPr>
         <p:spPr>
           <a:xfrm>
-            <a:off x="3935500" y="3435002"/>
+            <a:off x="3198900" y="4044602"/>
             <a:ext cx="1210588" cy="400110"/>
           </a:xfrm>
           <a:prstGeom prst="rect">
@@ -6704,7 +6397,7 @@
         </p:nvSpPr>
         <p:spPr>
           <a:xfrm>
-            <a:off x="3935499" y="4665088"/>
+            <a:off x="3198899" y="5274688"/>
             <a:ext cx="1210588" cy="400110"/>
           </a:xfrm>
           <a:prstGeom prst="rect">
@@ -6765,8 +6458,8 @@
         </p:nvCxnSpPr>
         <p:spPr>
           <a:xfrm rot="10800000" flipV="1">
-            <a:off x="2901865" y="1703975"/>
-            <a:ext cx="2566066" cy="1454859"/>
+            <a:off x="2165265" y="2313575"/>
+            <a:ext cx="2909134" cy="1454859"/>
           </a:xfrm>
           <a:prstGeom prst="bentConnector2">
             <a:avLst/>
@@ -6804,7 +6497,7 @@
         </p:nvSpPr>
         <p:spPr>
           <a:xfrm>
-            <a:off x="3933517" y="1271381"/>
+            <a:off x="3196917" y="1880981"/>
             <a:ext cx="1210588" cy="400110"/>
           </a:xfrm>
           <a:prstGeom prst="rect">
@@ -6862,7 +6555,7 @@
         </p:nvSpPr>
         <p:spPr>
           <a:xfrm>
-            <a:off x="3959251" y="3850638"/>
+            <a:off x="3222651" y="4460238"/>
             <a:ext cx="1210588" cy="400110"/>
           </a:xfrm>
           <a:prstGeom prst="rect">
@@ -6920,7 +6613,7 @@
         </p:nvSpPr>
         <p:spPr>
           <a:xfrm>
-            <a:off x="7387259" y="3814022"/>
+            <a:off x="8123859" y="4423622"/>
             <a:ext cx="1210588" cy="400110"/>
           </a:xfrm>
           <a:prstGeom prst="rect">
@@ -6978,7 +6671,7 @@
         </p:nvSpPr>
         <p:spPr>
           <a:xfrm>
-            <a:off x="7411010" y="5131194"/>
+            <a:off x="8147610" y="5740794"/>
             <a:ext cx="1210588" cy="400110"/>
           </a:xfrm>
           <a:prstGeom prst="rect">
@@ -7024,6 +6717,1047 @@
                 <a:cs typeface="+mn-cs"/>
               </a:rPr>
               <a:t>避免踩坑</a:t>
+            </a:r>
+          </a:p>
+        </p:txBody>
+      </p:sp>
+      <p:grpSp>
+        <p:nvGrpSpPr>
+          <p:cNvPr id="26" name="组合 25">
+            <a:extLst>
+              <a:ext uri="{FF2B5EF4-FFF2-40B4-BE49-F238E27FC236}">
+                <a16:creationId xmlns:a16="http://schemas.microsoft.com/office/drawing/2014/main" id="{467C0783-2EBB-04C4-8A18-548E835739CE}"/>
+              </a:ext>
+            </a:extLst>
+          </p:cNvPr>
+          <p:cNvGrpSpPr/>
+          <p:nvPr/>
+        </p:nvGrpSpPr>
+        <p:grpSpPr>
+          <a:xfrm>
+            <a:off x="4610100" y="195209"/>
+            <a:ext cx="3215246" cy="6227364"/>
+            <a:chOff x="5159828" y="195209"/>
+            <a:chExt cx="2133599" cy="6227364"/>
+          </a:xfrm>
+        </p:grpSpPr>
+        <p:sp>
+          <p:nvSpPr>
+            <p:cNvPr id="4" name="圆角矩形 3"/>
+            <p:cNvSpPr/>
+            <p:nvPr/>
+          </p:nvSpPr>
+          <p:spPr>
+            <a:xfrm>
+              <a:off x="5467929" y="1362365"/>
+              <a:ext cx="1571500" cy="611578"/>
+            </a:xfrm>
+            <a:prstGeom prst="roundRect">
+              <a:avLst/>
+            </a:prstGeom>
+          </p:spPr>
+          <p:style>
+            <a:lnRef idx="2">
+              <a:schemeClr val="accent1">
+                <a:shade val="50000"/>
+              </a:schemeClr>
+            </a:lnRef>
+            <a:fillRef idx="1">
+              <a:schemeClr val="accent1"/>
+            </a:fillRef>
+            <a:effectRef idx="0">
+              <a:schemeClr val="accent1"/>
+            </a:effectRef>
+            <a:fontRef idx="minor">
+              <a:schemeClr val="lt1"/>
+            </a:fontRef>
+          </p:style>
+          <p:txBody>
+            <a:bodyPr rtlCol="0" anchor="ctr"/>
+            <a:lstStyle/>
+            <a:p>
+              <a:pPr marL="0" marR="0" lvl="0" indent="0" algn="ctr" defTabSz="914400" rtl="0" eaLnBrk="1" fontAlgn="auto" latinLnBrk="0" hangingPunct="1">
+                <a:lnSpc>
+                  <a:spcPct val="100000"/>
+                </a:lnSpc>
+                <a:spcBef>
+                  <a:spcPts val="0"/>
+                </a:spcBef>
+                <a:spcAft>
+                  <a:spcPts val="0"/>
+                </a:spcAft>
+                <a:buClrTx/>
+                <a:buSzTx/>
+                <a:buFontTx/>
+                <a:buNone/>
+                <a:tabLst/>
+                <a:defRPr/>
+              </a:pPr>
+              <a:r>
+                <a:rPr kumimoji="0" lang="zh-CN" altLang="en-US" sz="1800" b="0" i="0" u="none" strike="noStrike" kern="1200" cap="none" spc="0" normalizeH="0" baseline="0" noProof="0" dirty="0">
+                  <a:ln>
+                    <a:noFill/>
+                  </a:ln>
+                  <a:solidFill>
+                    <a:prstClr val="white"/>
+                  </a:solidFill>
+                  <a:effectLst/>
+                  <a:uLnTx/>
+                  <a:uFillTx/>
+                  <a:latin typeface="京东朗正体 玲珑" panose="020F0502020204030204"/>
+                  <a:ea typeface="京东朗正体 玲珑"/>
+                  <a:cs typeface="+mn-cs"/>
+                </a:rPr>
+                <a:t>目标：</a:t>
+              </a:r>
+              <a:endParaRPr kumimoji="0" lang="en-US" altLang="zh-CN" sz="1800" b="0" i="0" u="none" strike="noStrike" kern="1200" cap="none" spc="0" normalizeH="0" baseline="0" noProof="0" dirty="0">
+                <a:ln>
+                  <a:noFill/>
+                </a:ln>
+                <a:solidFill>
+                  <a:prstClr val="white"/>
+                </a:solidFill>
+                <a:effectLst/>
+                <a:uLnTx/>
+                <a:uFillTx/>
+                <a:latin typeface="京东朗正体 玲珑" panose="020F0502020204030204"/>
+                <a:ea typeface="京东朗正体 玲珑"/>
+                <a:cs typeface="+mn-cs"/>
+              </a:endParaRPr>
+            </a:p>
+            <a:p>
+              <a:pPr marL="0" marR="0" lvl="0" indent="0" algn="ctr" defTabSz="914400" rtl="0" eaLnBrk="1" fontAlgn="auto" latinLnBrk="0" hangingPunct="1">
+                <a:lnSpc>
+                  <a:spcPct val="100000"/>
+                </a:lnSpc>
+                <a:spcBef>
+                  <a:spcPts val="0"/>
+                </a:spcBef>
+                <a:spcAft>
+                  <a:spcPts val="0"/>
+                </a:spcAft>
+                <a:buClrTx/>
+                <a:buSzTx/>
+                <a:buFontTx/>
+                <a:buNone/>
+                <a:tabLst/>
+                <a:defRPr/>
+              </a:pPr>
+              <a:r>
+                <a:rPr kumimoji="0" lang="zh-CN" altLang="en-US" sz="1800" b="0" i="0" u="none" strike="noStrike" kern="1200" cap="none" spc="0" normalizeH="0" baseline="0" noProof="0" dirty="0">
+                  <a:ln>
+                    <a:noFill/>
+                  </a:ln>
+                  <a:solidFill>
+                    <a:prstClr val="white"/>
+                  </a:solidFill>
+                  <a:effectLst/>
+                  <a:uLnTx/>
+                  <a:uFillTx/>
+                  <a:latin typeface="京东朗正体 玲珑" panose="020F0502020204030204"/>
+                  <a:ea typeface="京东朗正体 玲珑"/>
+                  <a:cs typeface="+mn-cs"/>
+                </a:rPr>
+                <a:t>定位、理念</a:t>
+              </a:r>
+            </a:p>
+          </p:txBody>
+        </p:sp>
+        <p:sp>
+          <p:nvSpPr>
+            <p:cNvPr id="5" name="圆角矩形 4"/>
+            <p:cNvSpPr/>
+            <p:nvPr/>
+          </p:nvSpPr>
+          <p:spPr>
+            <a:xfrm>
+              <a:off x="5468260" y="2708562"/>
+              <a:ext cx="1567542" cy="408377"/>
+            </a:xfrm>
+            <a:prstGeom prst="roundRect">
+              <a:avLst/>
+            </a:prstGeom>
+          </p:spPr>
+          <p:style>
+            <a:lnRef idx="2">
+              <a:schemeClr val="accent1">
+                <a:shade val="50000"/>
+              </a:schemeClr>
+            </a:lnRef>
+            <a:fillRef idx="1">
+              <a:schemeClr val="accent1"/>
+            </a:fillRef>
+            <a:effectRef idx="0">
+              <a:schemeClr val="accent1"/>
+            </a:effectRef>
+            <a:fontRef idx="minor">
+              <a:schemeClr val="lt1"/>
+            </a:fontRef>
+          </p:style>
+          <p:txBody>
+            <a:bodyPr rtlCol="0" anchor="ctr"/>
+            <a:lstStyle/>
+            <a:p>
+              <a:pPr marL="0" marR="0" lvl="0" indent="0" algn="ctr" defTabSz="914400" rtl="0" eaLnBrk="1" fontAlgn="auto" latinLnBrk="0" hangingPunct="1">
+                <a:lnSpc>
+                  <a:spcPct val="100000"/>
+                </a:lnSpc>
+                <a:spcBef>
+                  <a:spcPts val="0"/>
+                </a:spcBef>
+                <a:spcAft>
+                  <a:spcPts val="0"/>
+                </a:spcAft>
+                <a:buClrTx/>
+                <a:buSzTx/>
+                <a:buFontTx/>
+                <a:buNone/>
+                <a:tabLst/>
+                <a:defRPr/>
+              </a:pPr>
+              <a:r>
+                <a:rPr kumimoji="0" lang="zh-CN" altLang="en-US" sz="1800" b="0" i="0" u="none" strike="noStrike" kern="1200" cap="none" spc="0" normalizeH="0" baseline="0" noProof="0" dirty="0">
+                  <a:ln>
+                    <a:noFill/>
+                  </a:ln>
+                  <a:solidFill>
+                    <a:prstClr val="white"/>
+                  </a:solidFill>
+                  <a:effectLst/>
+                  <a:uLnTx/>
+                  <a:uFillTx/>
+                  <a:latin typeface="京东朗正体 玲珑" panose="020F0502020204030204"/>
+                  <a:ea typeface="京东朗正体 玲珑"/>
+                  <a:cs typeface="+mn-cs"/>
+                </a:rPr>
+                <a:t>价值</a:t>
+              </a:r>
+            </a:p>
+          </p:txBody>
+        </p:sp>
+        <p:sp>
+          <p:nvSpPr>
+            <p:cNvPr id="6" name="圆角矩形 5"/>
+            <p:cNvSpPr/>
+            <p:nvPr/>
+          </p:nvSpPr>
+          <p:spPr>
+            <a:xfrm>
+              <a:off x="5456713" y="4048498"/>
+              <a:ext cx="1542801" cy="784760"/>
+            </a:xfrm>
+            <a:prstGeom prst="roundRect">
+              <a:avLst/>
+            </a:prstGeom>
+          </p:spPr>
+          <p:style>
+            <a:lnRef idx="2">
+              <a:schemeClr val="accent1">
+                <a:shade val="50000"/>
+              </a:schemeClr>
+            </a:lnRef>
+            <a:fillRef idx="1">
+              <a:schemeClr val="accent1"/>
+            </a:fillRef>
+            <a:effectRef idx="0">
+              <a:schemeClr val="accent1"/>
+            </a:effectRef>
+            <a:fontRef idx="minor">
+              <a:schemeClr val="lt1"/>
+            </a:fontRef>
+          </p:style>
+          <p:txBody>
+            <a:bodyPr rtlCol="0" anchor="ctr"/>
+            <a:lstStyle/>
+            <a:p>
+              <a:pPr marL="0" marR="0" lvl="0" indent="0" algn="ctr" defTabSz="914400" rtl="0" eaLnBrk="1" fontAlgn="auto" latinLnBrk="0" hangingPunct="1">
+                <a:lnSpc>
+                  <a:spcPct val="100000"/>
+                </a:lnSpc>
+                <a:spcBef>
+                  <a:spcPts val="0"/>
+                </a:spcBef>
+                <a:spcAft>
+                  <a:spcPts val="0"/>
+                </a:spcAft>
+                <a:buClrTx/>
+                <a:buSzTx/>
+                <a:buFontTx/>
+                <a:buNone/>
+                <a:tabLst/>
+                <a:defRPr/>
+              </a:pPr>
+              <a:r>
+                <a:rPr kumimoji="0" lang="en-US" altLang="zh-CN" sz="1800" b="0" i="0" u="none" strike="noStrike" kern="1200" cap="none" spc="0" normalizeH="0" baseline="0" noProof="0" dirty="0">
+                  <a:ln>
+                    <a:noFill/>
+                  </a:ln>
+                  <a:solidFill>
+                    <a:prstClr val="white"/>
+                  </a:solidFill>
+                  <a:effectLst/>
+                  <a:uLnTx/>
+                  <a:uFillTx/>
+                  <a:latin typeface="京东朗正体 玲珑" panose="020F0502020204030204"/>
+                  <a:ea typeface="京东朗正体 玲珑"/>
+                  <a:cs typeface="+mn-cs"/>
+                </a:rPr>
+                <a:t>How</a:t>
+              </a:r>
+            </a:p>
+            <a:p>
+              <a:pPr marL="0" marR="0" lvl="0" indent="0" algn="ctr" defTabSz="914400" rtl="0" eaLnBrk="1" fontAlgn="auto" latinLnBrk="0" hangingPunct="1">
+                <a:lnSpc>
+                  <a:spcPct val="100000"/>
+                </a:lnSpc>
+                <a:spcBef>
+                  <a:spcPts val="0"/>
+                </a:spcBef>
+                <a:spcAft>
+                  <a:spcPts val="0"/>
+                </a:spcAft>
+                <a:buClrTx/>
+                <a:buSzTx/>
+                <a:buFontTx/>
+                <a:buNone/>
+                <a:tabLst/>
+                <a:defRPr/>
+              </a:pPr>
+              <a:r>
+                <a:rPr kumimoji="0" lang="zh-CN" altLang="en-US" sz="1800" b="0" i="0" u="none" strike="noStrike" kern="1200" cap="none" spc="0" normalizeH="0" baseline="0" noProof="0" dirty="0">
+                  <a:ln>
+                    <a:noFill/>
+                  </a:ln>
+                  <a:solidFill>
+                    <a:prstClr val="white"/>
+                  </a:solidFill>
+                  <a:effectLst/>
+                  <a:uLnTx/>
+                  <a:uFillTx/>
+                  <a:latin typeface="京东朗正体 玲珑" panose="020F0502020204030204"/>
+                  <a:ea typeface="京东朗正体 玲珑"/>
+                  <a:cs typeface="+mn-cs"/>
+                </a:rPr>
+                <a:t>框架、模块、步骤</a:t>
+              </a:r>
+            </a:p>
+          </p:txBody>
+        </p:sp>
+        <p:sp>
+          <p:nvSpPr>
+            <p:cNvPr id="7" name="圆角矩形 6"/>
+            <p:cNvSpPr/>
+            <p:nvPr/>
+          </p:nvSpPr>
+          <p:spPr>
+            <a:xfrm>
+              <a:off x="5466610" y="5116287"/>
+              <a:ext cx="1619992" cy="1172688"/>
+            </a:xfrm>
+            <a:prstGeom prst="roundRect">
+              <a:avLst/>
+            </a:prstGeom>
+          </p:spPr>
+          <p:style>
+            <a:lnRef idx="2">
+              <a:schemeClr val="accent1">
+                <a:shade val="50000"/>
+              </a:schemeClr>
+            </a:lnRef>
+            <a:fillRef idx="1">
+              <a:schemeClr val="accent1"/>
+            </a:fillRef>
+            <a:effectRef idx="0">
+              <a:schemeClr val="accent1"/>
+            </a:effectRef>
+            <a:fontRef idx="minor">
+              <a:schemeClr val="lt1"/>
+            </a:fontRef>
+          </p:style>
+          <p:txBody>
+            <a:bodyPr rtlCol="0" anchor="ctr"/>
+            <a:lstStyle/>
+            <a:p>
+              <a:pPr marL="0" marR="0" lvl="0" indent="0" algn="ctr" defTabSz="914400" rtl="0" eaLnBrk="1" fontAlgn="auto" latinLnBrk="0" hangingPunct="1">
+                <a:lnSpc>
+                  <a:spcPct val="100000"/>
+                </a:lnSpc>
+                <a:spcBef>
+                  <a:spcPts val="0"/>
+                </a:spcBef>
+                <a:spcAft>
+                  <a:spcPts val="0"/>
+                </a:spcAft>
+                <a:buClrTx/>
+                <a:buSzTx/>
+                <a:buFontTx/>
+                <a:buNone/>
+                <a:tabLst/>
+                <a:defRPr/>
+              </a:pPr>
+              <a:r>
+                <a:rPr kumimoji="0" lang="en-US" altLang="zh-CN" sz="1800" b="0" i="0" u="none" strike="noStrike" kern="1200" cap="none" spc="0" normalizeH="0" baseline="0" noProof="0" dirty="0">
+                  <a:ln>
+                    <a:noFill/>
+                  </a:ln>
+                  <a:solidFill>
+                    <a:prstClr val="white"/>
+                  </a:solidFill>
+                  <a:effectLst/>
+                  <a:uLnTx/>
+                  <a:uFillTx/>
+                  <a:latin typeface="京东朗正体 玲珑" panose="020F0502020204030204"/>
+                  <a:ea typeface="京东朗正体 玲珑"/>
+                  <a:cs typeface="+mn-cs"/>
+                </a:rPr>
+                <a:t>Why-How</a:t>
+              </a:r>
+            </a:p>
+            <a:p>
+              <a:pPr marL="0" marR="0" lvl="0" indent="0" algn="ctr" defTabSz="914400" rtl="0" eaLnBrk="1" fontAlgn="auto" latinLnBrk="0" hangingPunct="1">
+                <a:lnSpc>
+                  <a:spcPct val="100000"/>
+                </a:lnSpc>
+                <a:spcBef>
+                  <a:spcPts val="0"/>
+                </a:spcBef>
+                <a:spcAft>
+                  <a:spcPts val="0"/>
+                </a:spcAft>
+                <a:buClrTx/>
+                <a:buSzTx/>
+                <a:buFontTx/>
+                <a:buNone/>
+                <a:tabLst/>
+                <a:defRPr/>
+              </a:pPr>
+              <a:r>
+                <a:rPr kumimoji="0" lang="zh-CN" altLang="en-US" sz="1800" b="0" i="0" u="none" strike="noStrike" kern="1200" cap="none" spc="0" normalizeH="0" baseline="0" noProof="0" dirty="0">
+                  <a:ln>
+                    <a:noFill/>
+                  </a:ln>
+                  <a:solidFill>
+                    <a:prstClr val="white"/>
+                  </a:solidFill>
+                  <a:effectLst/>
+                  <a:uLnTx/>
+                  <a:uFillTx/>
+                  <a:latin typeface="京东朗正体 玲珑" panose="020F0502020204030204"/>
+                  <a:ea typeface="京东朗正体 玲珑"/>
+                  <a:cs typeface="+mn-cs"/>
+                </a:rPr>
+                <a:t>应对挑战的</a:t>
+              </a:r>
+              <a:r>
+                <a:rPr kumimoji="0" lang="en-US" altLang="zh-CN" sz="1800" b="0" i="0" u="none" strike="noStrike" kern="1200" cap="none" spc="0" normalizeH="0" baseline="0" noProof="0" dirty="0">
+                  <a:ln>
+                    <a:noFill/>
+                  </a:ln>
+                  <a:solidFill>
+                    <a:prstClr val="white"/>
+                  </a:solidFill>
+                  <a:effectLst/>
+                  <a:uLnTx/>
+                  <a:uFillTx/>
+                  <a:latin typeface="京东朗正体 玲珑" panose="020F0502020204030204"/>
+                  <a:ea typeface="京东朗正体 玲珑"/>
+                  <a:cs typeface="+mn-cs"/>
+                </a:rPr>
+                <a:t>Insights</a:t>
+              </a:r>
+              <a:r>
+                <a:rPr kumimoji="0" lang="zh-CN" altLang="en-US" sz="1800" b="0" i="0" u="none" strike="noStrike" kern="1200" cap="none" spc="0" normalizeH="0" baseline="0" noProof="0" dirty="0">
+                  <a:ln>
+                    <a:noFill/>
+                  </a:ln>
+                  <a:solidFill>
+                    <a:prstClr val="white"/>
+                  </a:solidFill>
+                  <a:effectLst/>
+                  <a:uLnTx/>
+                  <a:uFillTx/>
+                  <a:latin typeface="京东朗正体 玲珑" panose="020F0502020204030204"/>
+                  <a:ea typeface="京东朗正体 玲珑"/>
+                  <a:cs typeface="+mn-cs"/>
+                </a:rPr>
+                <a:t>、对比优势</a:t>
+              </a:r>
+            </a:p>
+          </p:txBody>
+        </p:sp>
+        <p:sp>
+          <p:nvSpPr>
+            <p:cNvPr id="12" name="矩形 11"/>
+            <p:cNvSpPr/>
+            <p:nvPr/>
+          </p:nvSpPr>
+          <p:spPr>
+            <a:xfrm>
+              <a:off x="5159828" y="195209"/>
+              <a:ext cx="2133599" cy="6227364"/>
+            </a:xfrm>
+            <a:prstGeom prst="rect">
+              <a:avLst/>
+            </a:prstGeom>
+            <a:noFill/>
+            <a:ln>
+              <a:solidFill>
+                <a:schemeClr val="tx1">
+                  <a:lumMod val="65000"/>
+                  <a:lumOff val="35000"/>
+                </a:schemeClr>
+              </a:solidFill>
+            </a:ln>
+          </p:spPr>
+          <p:style>
+            <a:lnRef idx="2">
+              <a:schemeClr val="accent1">
+                <a:shade val="50000"/>
+              </a:schemeClr>
+            </a:lnRef>
+            <a:fillRef idx="1">
+              <a:schemeClr val="accent1"/>
+            </a:fillRef>
+            <a:effectRef idx="0">
+              <a:schemeClr val="accent1"/>
+            </a:effectRef>
+            <a:fontRef idx="minor">
+              <a:schemeClr val="lt1"/>
+            </a:fontRef>
+          </p:style>
+          <p:txBody>
+            <a:bodyPr rtlCol="0" anchor="ctr"/>
+            <a:lstStyle/>
+            <a:p>
+              <a:pPr marL="0" marR="0" lvl="0" indent="0" algn="ctr" defTabSz="914400" rtl="0" eaLnBrk="1" fontAlgn="auto" latinLnBrk="0" hangingPunct="1">
+                <a:lnSpc>
+                  <a:spcPct val="100000"/>
+                </a:lnSpc>
+                <a:spcBef>
+                  <a:spcPts val="0"/>
+                </a:spcBef>
+                <a:spcAft>
+                  <a:spcPts val="0"/>
+                </a:spcAft>
+                <a:buClrTx/>
+                <a:buSzTx/>
+                <a:buFontTx/>
+                <a:buNone/>
+                <a:tabLst/>
+                <a:defRPr/>
+              </a:pPr>
+              <a:endParaRPr kumimoji="0" lang="zh-CN" altLang="en-US" sz="1800" b="0" i="0" u="none" strike="noStrike" kern="1200" cap="none" spc="0" normalizeH="0" baseline="0" noProof="0">
+                <a:ln>
+                  <a:noFill/>
+                </a:ln>
+                <a:solidFill>
+                  <a:prstClr val="white"/>
+                </a:solidFill>
+                <a:effectLst/>
+                <a:uLnTx/>
+                <a:uFillTx/>
+                <a:latin typeface="京东朗正体 玲珑" panose="020F0502020204030204"/>
+                <a:ea typeface="京东朗正体 玲珑"/>
+                <a:cs typeface="+mn-cs"/>
+              </a:endParaRPr>
+            </a:p>
+          </p:txBody>
+        </p:sp>
+        <p:sp>
+          <p:nvSpPr>
+            <p:cNvPr id="39" name="圆角矩形 38"/>
+            <p:cNvSpPr/>
+            <p:nvPr/>
+          </p:nvSpPr>
+          <p:spPr>
+            <a:xfrm>
+              <a:off x="5467931" y="2090782"/>
+              <a:ext cx="1571500" cy="445587"/>
+            </a:xfrm>
+            <a:prstGeom prst="roundRect">
+              <a:avLst/>
+            </a:prstGeom>
+          </p:spPr>
+          <p:style>
+            <a:lnRef idx="2">
+              <a:schemeClr val="accent1">
+                <a:shade val="50000"/>
+              </a:schemeClr>
+            </a:lnRef>
+            <a:fillRef idx="1">
+              <a:schemeClr val="accent1"/>
+            </a:fillRef>
+            <a:effectRef idx="0">
+              <a:schemeClr val="accent1"/>
+            </a:effectRef>
+            <a:fontRef idx="minor">
+              <a:schemeClr val="lt1"/>
+            </a:fontRef>
+          </p:style>
+          <p:txBody>
+            <a:bodyPr rtlCol="0" anchor="ctr"/>
+            <a:lstStyle/>
+            <a:p>
+              <a:pPr marL="0" marR="0" lvl="0" indent="0" algn="ctr" defTabSz="914400" rtl="0" eaLnBrk="1" fontAlgn="auto" latinLnBrk="0" hangingPunct="1">
+                <a:lnSpc>
+                  <a:spcPct val="100000"/>
+                </a:lnSpc>
+                <a:spcBef>
+                  <a:spcPts val="0"/>
+                </a:spcBef>
+                <a:spcAft>
+                  <a:spcPts val="0"/>
+                </a:spcAft>
+                <a:buClrTx/>
+                <a:buSzTx/>
+                <a:buFontTx/>
+                <a:buNone/>
+                <a:tabLst/>
+                <a:defRPr/>
+              </a:pPr>
+              <a:r>
+                <a:rPr kumimoji="0" lang="zh-CN" altLang="en-US" sz="1800" b="0" i="0" u="none" strike="noStrike" kern="1200" cap="none" spc="0" normalizeH="0" baseline="0" noProof="0" dirty="0">
+                  <a:ln>
+                    <a:noFill/>
+                  </a:ln>
+                  <a:solidFill>
+                    <a:prstClr val="white"/>
+                  </a:solidFill>
+                  <a:effectLst/>
+                  <a:uLnTx/>
+                  <a:uFillTx/>
+                  <a:latin typeface="京东朗正体 玲珑" panose="020F0502020204030204"/>
+                  <a:ea typeface="京东朗正体 玲珑"/>
+                  <a:cs typeface="+mn-cs"/>
+                </a:rPr>
+                <a:t>结果</a:t>
+              </a:r>
+            </a:p>
+          </p:txBody>
+        </p:sp>
+        <p:sp>
+          <p:nvSpPr>
+            <p:cNvPr id="45" name="圆角矩形 44"/>
+            <p:cNvSpPr/>
+            <p:nvPr/>
+          </p:nvSpPr>
+          <p:spPr>
+            <a:xfrm>
+              <a:off x="5468261" y="3274619"/>
+              <a:ext cx="1567542" cy="408377"/>
+            </a:xfrm>
+            <a:prstGeom prst="roundRect">
+              <a:avLst/>
+            </a:prstGeom>
+          </p:spPr>
+          <p:style>
+            <a:lnRef idx="2">
+              <a:schemeClr val="accent1">
+                <a:shade val="50000"/>
+              </a:schemeClr>
+            </a:lnRef>
+            <a:fillRef idx="1">
+              <a:schemeClr val="accent1"/>
+            </a:fillRef>
+            <a:effectRef idx="0">
+              <a:schemeClr val="accent1"/>
+            </a:effectRef>
+            <a:fontRef idx="minor">
+              <a:schemeClr val="lt1"/>
+            </a:fontRef>
+          </p:style>
+          <p:txBody>
+            <a:bodyPr rtlCol="0" anchor="ctr"/>
+            <a:lstStyle/>
+            <a:p>
+              <a:pPr marL="0" marR="0" lvl="0" indent="0" algn="ctr" defTabSz="914400" rtl="0" eaLnBrk="1" fontAlgn="auto" latinLnBrk="0" hangingPunct="1">
+                <a:lnSpc>
+                  <a:spcPct val="100000"/>
+                </a:lnSpc>
+                <a:spcBef>
+                  <a:spcPts val="0"/>
+                </a:spcBef>
+                <a:spcAft>
+                  <a:spcPts val="0"/>
+                </a:spcAft>
+                <a:buClrTx/>
+                <a:buSzTx/>
+                <a:buFontTx/>
+                <a:buNone/>
+                <a:tabLst/>
+                <a:defRPr/>
+              </a:pPr>
+              <a:r>
+                <a:rPr kumimoji="0" lang="zh-CN" altLang="en-US" sz="1800" b="0" i="0" u="none" strike="noStrike" kern="1200" cap="none" spc="0" normalizeH="0" baseline="0" noProof="0" dirty="0">
+                  <a:ln>
+                    <a:noFill/>
+                  </a:ln>
+                  <a:solidFill>
+                    <a:prstClr val="white"/>
+                  </a:solidFill>
+                  <a:effectLst/>
+                  <a:uLnTx/>
+                  <a:uFillTx/>
+                  <a:latin typeface="京东朗正体 玲珑" panose="020F0502020204030204"/>
+                  <a:ea typeface="京东朗正体 玲珑"/>
+                  <a:cs typeface="+mn-cs"/>
+                </a:rPr>
+                <a:t>挑战</a:t>
+              </a:r>
+            </a:p>
+          </p:txBody>
+        </p:sp>
+        <p:sp>
+          <p:nvSpPr>
+            <p:cNvPr id="15" name="圆角矩形 3">
+              <a:extLst>
+                <a:ext uri="{FF2B5EF4-FFF2-40B4-BE49-F238E27FC236}">
+                  <a16:creationId xmlns:a16="http://schemas.microsoft.com/office/drawing/2014/main" id="{DFEEEA4B-134C-3352-76A3-B28A9408487A}"/>
+                </a:ext>
+              </a:extLst>
+            </p:cNvPr>
+            <p:cNvSpPr/>
+            <p:nvPr/>
+          </p:nvSpPr>
+          <p:spPr>
+            <a:xfrm>
+              <a:off x="5440877" y="548607"/>
+              <a:ext cx="1571500" cy="611578"/>
+            </a:xfrm>
+            <a:prstGeom prst="roundRect">
+              <a:avLst/>
+            </a:prstGeom>
+          </p:spPr>
+          <p:style>
+            <a:lnRef idx="2">
+              <a:schemeClr val="accent1">
+                <a:shade val="50000"/>
+              </a:schemeClr>
+            </a:lnRef>
+            <a:fillRef idx="1">
+              <a:schemeClr val="accent1"/>
+            </a:fillRef>
+            <a:effectRef idx="0">
+              <a:schemeClr val="accent1"/>
+            </a:effectRef>
+            <a:fontRef idx="minor">
+              <a:schemeClr val="lt1"/>
+            </a:fontRef>
+          </p:style>
+          <p:txBody>
+            <a:bodyPr rtlCol="0" anchor="ctr"/>
+            <a:lstStyle/>
+            <a:p>
+              <a:pPr marL="0" marR="0" lvl="0" indent="0" algn="ctr" defTabSz="914400" rtl="0" eaLnBrk="1" fontAlgn="auto" latinLnBrk="0" hangingPunct="1">
+                <a:lnSpc>
+                  <a:spcPct val="100000"/>
+                </a:lnSpc>
+                <a:spcBef>
+                  <a:spcPts val="0"/>
+                </a:spcBef>
+                <a:spcAft>
+                  <a:spcPts val="0"/>
+                </a:spcAft>
+                <a:buClrTx/>
+                <a:buSzTx/>
+                <a:buFontTx/>
+                <a:buNone/>
+                <a:tabLst/>
+                <a:defRPr/>
+              </a:pPr>
+              <a:r>
+                <a:rPr kumimoji="0" lang="zh-CN" altLang="en-US" sz="1800" b="0" i="0" u="none" strike="noStrike" kern="1200" cap="none" spc="0" normalizeH="0" baseline="0" noProof="0" dirty="0">
+                  <a:ln>
+                    <a:noFill/>
+                  </a:ln>
+                  <a:solidFill>
+                    <a:prstClr val="white"/>
+                  </a:solidFill>
+                  <a:effectLst/>
+                  <a:uLnTx/>
+                  <a:uFillTx/>
+                  <a:latin typeface="京东朗正体 玲珑" panose="020F0502020204030204"/>
+                  <a:ea typeface="京东朗正体 玲珑"/>
+                  <a:cs typeface="+mn-cs"/>
+                </a:rPr>
+                <a:t>背景：</a:t>
+              </a:r>
+              <a:endParaRPr kumimoji="0" lang="en-US" altLang="zh-CN" sz="1800" b="0" i="0" u="none" strike="noStrike" kern="1200" cap="none" spc="0" normalizeH="0" baseline="0" noProof="0" dirty="0">
+                <a:ln>
+                  <a:noFill/>
+                </a:ln>
+                <a:solidFill>
+                  <a:prstClr val="white"/>
+                </a:solidFill>
+                <a:effectLst/>
+                <a:uLnTx/>
+                <a:uFillTx/>
+                <a:latin typeface="京东朗正体 玲珑" panose="020F0502020204030204"/>
+                <a:ea typeface="京东朗正体 玲珑"/>
+                <a:cs typeface="+mn-cs"/>
+              </a:endParaRPr>
+            </a:p>
+            <a:p>
+              <a:pPr marL="0" marR="0" lvl="0" indent="0" algn="ctr" defTabSz="914400" rtl="0" eaLnBrk="1" fontAlgn="auto" latinLnBrk="0" hangingPunct="1">
+                <a:lnSpc>
+                  <a:spcPct val="100000"/>
+                </a:lnSpc>
+                <a:spcBef>
+                  <a:spcPts val="0"/>
+                </a:spcBef>
+                <a:spcAft>
+                  <a:spcPts val="0"/>
+                </a:spcAft>
+                <a:buClrTx/>
+                <a:buSzTx/>
+                <a:buFontTx/>
+                <a:buNone/>
+                <a:tabLst/>
+                <a:defRPr/>
+              </a:pPr>
+              <a:r>
+                <a:rPr kumimoji="0" lang="zh-CN" altLang="en-US" sz="1800" b="0" i="0" u="none" strike="noStrike" kern="1200" cap="none" spc="0" normalizeH="0" baseline="0" noProof="0" dirty="0">
+                  <a:ln>
+                    <a:noFill/>
+                  </a:ln>
+                  <a:solidFill>
+                    <a:prstClr val="white"/>
+                  </a:solidFill>
+                  <a:effectLst/>
+                  <a:uLnTx/>
+                  <a:uFillTx/>
+                  <a:latin typeface="京东朗正体 玲珑" panose="020F0502020204030204"/>
+                  <a:ea typeface="京东朗正体 玲珑"/>
+                  <a:cs typeface="+mn-cs"/>
+                </a:rPr>
+                <a:t>场景、瓶颈、现状</a:t>
+              </a:r>
+            </a:p>
+          </p:txBody>
+        </p:sp>
+      </p:grpSp>
+      <p:cxnSp>
+        <p:nvCxnSpPr>
+          <p:cNvPr id="16" name="肘形连接符 13">
+            <a:extLst>
+              <a:ext uri="{FF2B5EF4-FFF2-40B4-BE49-F238E27FC236}">
+                <a16:creationId xmlns:a16="http://schemas.microsoft.com/office/drawing/2014/main" id="{161960E6-179F-CFB0-A803-2F98A5B3E4AF}"/>
+              </a:ext>
+            </a:extLst>
+          </p:cNvPr>
+          <p:cNvCxnSpPr>
+            <a:cxnSpLocks/>
+            <a:stCxn id="15" idx="1"/>
+            <a:endCxn id="8" idx="0"/>
+          </p:cNvCxnSpPr>
+          <p:nvPr/>
+        </p:nvCxnSpPr>
+        <p:spPr>
+          <a:xfrm rot="10800000" flipV="1">
+            <a:off x="2165265" y="854395"/>
+            <a:ext cx="2868364" cy="2914039"/>
+          </a:xfrm>
+          <a:prstGeom prst="bentConnector2">
+            <a:avLst/>
+          </a:prstGeom>
+          <a:ln>
+            <a:solidFill>
+              <a:schemeClr val="tx1">
+                <a:lumMod val="65000"/>
+                <a:lumOff val="35000"/>
+              </a:schemeClr>
+            </a:solidFill>
+            <a:tailEnd type="triangle"/>
+          </a:ln>
+        </p:spPr>
+        <p:style>
+          <a:lnRef idx="1">
+            <a:schemeClr val="accent1"/>
+          </a:lnRef>
+          <a:fillRef idx="0">
+            <a:schemeClr val="accent1"/>
+          </a:fillRef>
+          <a:effectRef idx="0">
+            <a:schemeClr val="accent1"/>
+          </a:effectRef>
+          <a:fontRef idx="minor">
+            <a:schemeClr val="tx1"/>
+          </a:fontRef>
+        </p:style>
+      </p:cxnSp>
+      <p:sp>
+        <p:nvSpPr>
+          <p:cNvPr id="21" name="矩形 20">
+            <a:extLst>
+              <a:ext uri="{FF2B5EF4-FFF2-40B4-BE49-F238E27FC236}">
+                <a16:creationId xmlns:a16="http://schemas.microsoft.com/office/drawing/2014/main" id="{9F4A21E0-9435-12B1-0587-CB8B8400ACEF}"/>
+              </a:ext>
+            </a:extLst>
+          </p:cNvPr>
+          <p:cNvSpPr/>
+          <p:nvPr/>
+        </p:nvSpPr>
+        <p:spPr>
+          <a:xfrm>
+            <a:off x="3232543" y="459223"/>
+            <a:ext cx="1210588" cy="400110"/>
+          </a:xfrm>
+          <a:prstGeom prst="rect">
+            <a:avLst/>
+          </a:prstGeom>
+        </p:spPr>
+        <p:txBody>
+          <a:bodyPr wrap="none">
+            <a:spAutoFit/>
+          </a:bodyPr>
+          <a:lstStyle/>
+          <a:p>
+            <a:pPr marL="0" marR="0" lvl="0" indent="0" algn="l" defTabSz="914400" rtl="0" eaLnBrk="1" fontAlgn="auto" latinLnBrk="0" hangingPunct="1">
+              <a:lnSpc>
+                <a:spcPct val="100000"/>
+              </a:lnSpc>
+              <a:spcBef>
+                <a:spcPts val="0"/>
+              </a:spcBef>
+              <a:spcAft>
+                <a:spcPts val="0"/>
+              </a:spcAft>
+              <a:buClrTx/>
+              <a:buSzTx/>
+              <a:buFontTx/>
+              <a:buNone/>
+              <a:tabLst/>
+              <a:defRPr/>
+            </a:pPr>
+            <a:r>
+              <a:rPr kumimoji="0" lang="zh-CN" altLang="en-US" sz="2000" b="0" i="0" u="none" strike="noStrike" kern="1200" cap="none" spc="0" normalizeH="0" baseline="0" noProof="0" dirty="0">
+                <a:ln>
+                  <a:noFill/>
+                </a:ln>
+                <a:solidFill>
+                  <a:prstClr val="black"/>
+                </a:solidFill>
+                <a:effectLst/>
+                <a:uLnTx/>
+                <a:uFillTx/>
+                <a:latin typeface="京东朗正体 玲珑" panose="020F0502020204030204"/>
+                <a:ea typeface="京东朗正体 玲珑"/>
+                <a:cs typeface="+mn-cs"/>
+              </a:rPr>
+              <a:t>引出问题</a:t>
+            </a:r>
+          </a:p>
+        </p:txBody>
+      </p:sp>
+      <p:cxnSp>
+        <p:nvCxnSpPr>
+          <p:cNvPr id="22" name="肘形连接符 13">
+            <a:extLst>
+              <a:ext uri="{FF2B5EF4-FFF2-40B4-BE49-F238E27FC236}">
+                <a16:creationId xmlns:a16="http://schemas.microsoft.com/office/drawing/2014/main" id="{3F34D642-1418-45B6-6370-D072B4F2EFFA}"/>
+              </a:ext>
+            </a:extLst>
+          </p:cNvPr>
+          <p:cNvCxnSpPr>
+            <a:cxnSpLocks/>
+            <a:stCxn id="15" idx="3"/>
+            <a:endCxn id="10" idx="0"/>
+          </p:cNvCxnSpPr>
+          <p:nvPr/>
+        </p:nvCxnSpPr>
+        <p:spPr>
+          <a:xfrm>
+            <a:off x="7401815" y="854396"/>
+            <a:ext cx="2633759" cy="2961540"/>
+          </a:xfrm>
+          <a:prstGeom prst="bentConnector2">
+            <a:avLst/>
+          </a:prstGeom>
+          <a:ln>
+            <a:solidFill>
+              <a:schemeClr val="tx1">
+                <a:lumMod val="65000"/>
+                <a:lumOff val="35000"/>
+              </a:schemeClr>
+            </a:solidFill>
+            <a:tailEnd type="triangle"/>
+          </a:ln>
+        </p:spPr>
+        <p:style>
+          <a:lnRef idx="1">
+            <a:schemeClr val="accent1"/>
+          </a:lnRef>
+          <a:fillRef idx="0">
+            <a:schemeClr val="accent1"/>
+          </a:fillRef>
+          <a:effectRef idx="0">
+            <a:schemeClr val="accent1"/>
+          </a:effectRef>
+          <a:fontRef idx="minor">
+            <a:schemeClr val="tx1"/>
+          </a:fontRef>
+        </p:style>
+      </p:cxnSp>
+      <p:sp>
+        <p:nvSpPr>
+          <p:cNvPr id="25" name="矩形 24">
+            <a:extLst>
+              <a:ext uri="{FF2B5EF4-FFF2-40B4-BE49-F238E27FC236}">
+                <a16:creationId xmlns:a16="http://schemas.microsoft.com/office/drawing/2014/main" id="{6C2B9B78-A206-4F3E-E338-CE6C930DEF58}"/>
+              </a:ext>
+            </a:extLst>
+          </p:cNvPr>
+          <p:cNvSpPr/>
+          <p:nvPr/>
+        </p:nvSpPr>
+        <p:spPr>
+          <a:xfrm>
+            <a:off x="8111984" y="459223"/>
+            <a:ext cx="1210588" cy="400110"/>
+          </a:xfrm>
+          <a:prstGeom prst="rect">
+            <a:avLst/>
+          </a:prstGeom>
+        </p:spPr>
+        <p:txBody>
+          <a:bodyPr wrap="none">
+            <a:spAutoFit/>
+          </a:bodyPr>
+          <a:lstStyle/>
+          <a:p>
+            <a:pPr marL="0" marR="0" lvl="0" indent="0" algn="l" defTabSz="914400" rtl="0" eaLnBrk="1" fontAlgn="auto" latinLnBrk="0" hangingPunct="1">
+              <a:lnSpc>
+                <a:spcPct val="100000"/>
+              </a:lnSpc>
+              <a:spcBef>
+                <a:spcPts val="0"/>
+              </a:spcBef>
+              <a:spcAft>
+                <a:spcPts val="0"/>
+              </a:spcAft>
+              <a:buClrTx/>
+              <a:buSzTx/>
+              <a:buFontTx/>
+              <a:buNone/>
+              <a:tabLst/>
+              <a:defRPr/>
+            </a:pPr>
+            <a:r>
+              <a:rPr kumimoji="0" lang="zh-CN" altLang="en-US" sz="2000" b="0" i="0" u="none" strike="noStrike" kern="1200" cap="none" spc="0" normalizeH="0" baseline="0" noProof="0" dirty="0">
+                <a:ln>
+                  <a:noFill/>
+                </a:ln>
+                <a:solidFill>
+                  <a:prstClr val="black"/>
+                </a:solidFill>
+                <a:effectLst/>
+                <a:uLnTx/>
+                <a:uFillTx/>
+                <a:latin typeface="京东朗正体 玲珑" panose="020F0502020204030204"/>
+                <a:ea typeface="京东朗正体 玲珑"/>
+                <a:cs typeface="+mn-cs"/>
+              </a:rPr>
+              <a:t>铺垫方案</a:t>
             </a:r>
           </a:p>
         </p:txBody>
@@ -9777,194 +10511,649 @@
             <p:ph idx="1"/>
           </p:nvPr>
         </p:nvSpPr>
-        <p:spPr/>
+        <p:spPr>
+          <a:xfrm>
+            <a:off x="828350" y="1825625"/>
+            <a:ext cx="10062255" cy="4351338"/>
+          </a:xfrm>
+        </p:spPr>
         <p:txBody>
-          <a:bodyPr/>
+          <a:bodyPr>
+            <a:normAutofit/>
+          </a:bodyPr>
           <a:lstStyle/>
           <a:p>
             <a:r>
-              <a:rPr lang="en-US" altLang="zh-CN" dirty="0"/>
-              <a:t>What </a:t>
-            </a:r>
-            <a:r>
-              <a:rPr lang="en-US" altLang="zh-CN" dirty="0">
+              <a:rPr lang="en-US" altLang="zh-CN" sz="2400" dirty="0"/>
+              <a:t>Background </a:t>
+            </a:r>
+            <a:r>
+              <a:rPr lang="en-US" altLang="zh-CN" sz="2400" dirty="0">
                 <a:sym typeface="Wingdings" panose="05000000000000000000" pitchFamily="2" charset="2"/>
               </a:rPr>
               <a:t> </a:t>
             </a:r>
             <a:r>
-              <a:rPr lang="zh-CN" altLang="en-US" dirty="0">
+              <a:rPr lang="zh-CN" altLang="en-US" sz="2400" dirty="0">
+                <a:sym typeface="Wingdings" panose="05000000000000000000" pitchFamily="2" charset="2"/>
+              </a:rPr>
+              <a:t>研究背景（场景、瓶颈和现状）</a:t>
+            </a:r>
+            <a:endParaRPr lang="en-US" altLang="zh-CN" sz="2400" dirty="0"/>
+          </a:p>
+          <a:p>
+            <a:r>
+              <a:rPr lang="en-US" altLang="zh-CN" sz="2400" dirty="0"/>
+              <a:t>What </a:t>
+            </a:r>
+            <a:r>
+              <a:rPr lang="en-US" altLang="zh-CN" sz="2400" dirty="0">
+                <a:sym typeface="Wingdings" panose="05000000000000000000" pitchFamily="2" charset="2"/>
+              </a:rPr>
+              <a:t> </a:t>
+            </a:r>
+            <a:r>
+              <a:rPr lang="zh-CN" altLang="en-US" sz="2400" dirty="0">
                 <a:sym typeface="Wingdings" panose="05000000000000000000" pitchFamily="2" charset="2"/>
               </a:rPr>
               <a:t>研究目标</a:t>
             </a:r>
-            <a:endParaRPr lang="en-US" altLang="zh-CN" dirty="0">
+            <a:endParaRPr lang="en-US" altLang="zh-CN" sz="2400" dirty="0">
               <a:sym typeface="Wingdings" panose="05000000000000000000" pitchFamily="2" charset="2"/>
             </a:endParaRPr>
           </a:p>
           <a:p>
             <a:r>
-              <a:rPr lang="en-US" altLang="zh-CN" dirty="0"/>
+              <a:rPr lang="en-US" altLang="zh-CN" sz="2400" dirty="0"/>
               <a:t>Why- values</a:t>
             </a:r>
             <a:r>
-              <a:rPr lang="zh-CN" altLang="en-US" dirty="0"/>
+              <a:rPr lang="zh-CN" altLang="en-US" sz="2400" dirty="0"/>
               <a:t> </a:t>
             </a:r>
             <a:r>
-              <a:rPr lang="en-US" altLang="zh-CN" dirty="0">
+              <a:rPr lang="en-US" altLang="zh-CN" sz="2400" dirty="0">
                 <a:sym typeface="Wingdings" panose="05000000000000000000" pitchFamily="2" charset="2"/>
               </a:rPr>
               <a:t> </a:t>
             </a:r>
             <a:r>
-              <a:rPr lang="zh-CN" altLang="en-US" dirty="0">
+              <a:rPr lang="zh-CN" altLang="en-US" sz="2400" dirty="0">
                 <a:sym typeface="Wingdings" panose="05000000000000000000" pitchFamily="2" charset="2"/>
               </a:rPr>
               <a:t>研究意义</a:t>
             </a:r>
-            <a:endParaRPr lang="en-US" altLang="zh-CN" dirty="0">
+            <a:endParaRPr lang="en-US" altLang="zh-CN" sz="2400" dirty="0">
               <a:sym typeface="Wingdings" panose="05000000000000000000" pitchFamily="2" charset="2"/>
             </a:endParaRPr>
           </a:p>
           <a:p>
             <a:r>
-              <a:rPr lang="en-US" altLang="zh-CN" dirty="0">
+              <a:rPr lang="en-US" altLang="zh-CN" sz="2400" dirty="0">
                 <a:sym typeface="Wingdings" panose="05000000000000000000" pitchFamily="2" charset="2"/>
               </a:rPr>
               <a:t>Why- challenges  </a:t>
             </a:r>
             <a:r>
-              <a:rPr lang="zh-CN" altLang="en-US" dirty="0">
+              <a:rPr lang="zh-CN" altLang="en-US" sz="2400" dirty="0">
                 <a:sym typeface="Wingdings" panose="05000000000000000000" pitchFamily="2" charset="2"/>
               </a:rPr>
               <a:t>研究的必要性</a:t>
             </a:r>
-            <a:endParaRPr lang="en-US" altLang="zh-CN" dirty="0">
+            <a:endParaRPr lang="en-US" altLang="zh-CN" sz="2400" dirty="0">
               <a:sym typeface="Wingdings" panose="05000000000000000000" pitchFamily="2" charset="2"/>
             </a:endParaRPr>
           </a:p>
           <a:p>
             <a:r>
-              <a:rPr lang="en-US" altLang="zh-CN" dirty="0"/>
+              <a:rPr lang="en-US" altLang="zh-CN" sz="2400" dirty="0"/>
               <a:t>How </a:t>
             </a:r>
             <a:r>
-              <a:rPr lang="zh-CN" altLang="en-US" dirty="0"/>
+              <a:rPr lang="zh-CN" altLang="en-US" sz="2400" dirty="0"/>
               <a:t>中的模块</a:t>
             </a:r>
             <a:r>
-              <a:rPr lang="en-US" altLang="zh-CN" dirty="0">
+              <a:rPr lang="en-US" altLang="zh-CN" sz="2400" dirty="0">
                 <a:sym typeface="Wingdings" panose="05000000000000000000" pitchFamily="2" charset="2"/>
               </a:rPr>
               <a:t> </a:t>
             </a:r>
             <a:r>
-              <a:rPr lang="zh-CN" altLang="en-US" dirty="0">
+              <a:rPr lang="zh-CN" altLang="en-US" sz="2400" dirty="0">
                 <a:sym typeface="Wingdings" panose="05000000000000000000" pitchFamily="2" charset="2"/>
               </a:rPr>
               <a:t>研究内容</a:t>
             </a:r>
-            <a:endParaRPr lang="en-US" altLang="zh-CN" dirty="0">
+            <a:endParaRPr lang="en-US" altLang="zh-CN" sz="2400" dirty="0">
               <a:sym typeface="Wingdings" panose="05000000000000000000" pitchFamily="2" charset="2"/>
             </a:endParaRPr>
           </a:p>
           <a:p>
             <a:r>
-              <a:rPr lang="en-US" altLang="zh-CN" dirty="0">
+              <a:rPr lang="en-US" altLang="zh-CN" sz="2400" dirty="0">
                 <a:sym typeface="Wingdings" panose="05000000000000000000" pitchFamily="2" charset="2"/>
               </a:rPr>
               <a:t>How</a:t>
             </a:r>
             <a:r>
-              <a:rPr lang="zh-CN" altLang="en-US" dirty="0">
+              <a:rPr lang="zh-CN" altLang="en-US" sz="2400" dirty="0">
                 <a:sym typeface="Wingdings" panose="05000000000000000000" pitchFamily="2" charset="2"/>
               </a:rPr>
               <a:t>中的关键步骤</a:t>
             </a:r>
             <a:r>
-              <a:rPr lang="en-US" altLang="zh-CN" dirty="0">
+              <a:rPr lang="en-US" altLang="zh-CN" sz="2400" dirty="0">
                 <a:sym typeface="Wingdings" panose="05000000000000000000" pitchFamily="2" charset="2"/>
               </a:rPr>
               <a:t> </a:t>
             </a:r>
             <a:r>
-              <a:rPr lang="zh-CN" altLang="en-US" dirty="0">
+              <a:rPr lang="zh-CN" altLang="en-US" sz="2400" dirty="0">
                 <a:sym typeface="Wingdings" panose="05000000000000000000" pitchFamily="2" charset="2"/>
               </a:rPr>
               <a:t>关键技术或重要创新点</a:t>
             </a:r>
-            <a:endParaRPr lang="en-US" altLang="zh-CN" dirty="0">
+            <a:endParaRPr lang="en-US" altLang="zh-CN" sz="2400" dirty="0">
               <a:sym typeface="Wingdings" panose="05000000000000000000" pitchFamily="2" charset="2"/>
             </a:endParaRPr>
           </a:p>
           <a:p>
             <a:r>
-              <a:rPr lang="en-US" altLang="zh-CN" dirty="0">
+              <a:rPr lang="en-US" altLang="zh-CN" sz="2400" dirty="0">
                 <a:sym typeface="Wingdings" panose="05000000000000000000" pitchFamily="2" charset="2"/>
               </a:rPr>
               <a:t>Why-How</a:t>
             </a:r>
             <a:r>
-              <a:rPr lang="zh-CN" altLang="en-US" dirty="0">
+              <a:rPr lang="zh-CN" altLang="en-US" sz="2400" dirty="0">
                 <a:sym typeface="Wingdings" panose="05000000000000000000" pitchFamily="2" charset="2"/>
               </a:rPr>
               <a:t>（第二点：较相关工作的优势）</a:t>
             </a:r>
             <a:r>
-              <a:rPr lang="en-US" altLang="zh-CN" dirty="0">
+              <a:rPr lang="en-US" altLang="zh-CN" sz="2400" dirty="0">
+                <a:sym typeface="Wingdings" panose="05000000000000000000" pitchFamily="2" charset="2"/>
+              </a:rPr>
+              <a:t></a:t>
+            </a:r>
+            <a:r>
+              <a:rPr lang="zh-CN" altLang="en-US" sz="2400" dirty="0">
+                <a:sym typeface="Wingdings" panose="05000000000000000000" pitchFamily="2" charset="2"/>
+              </a:rPr>
+              <a:t>研究现状</a:t>
+            </a:r>
+            <a:r>
+              <a:rPr lang="en-US" altLang="zh-CN" sz="2400" dirty="0">
+                <a:sym typeface="Wingdings" panose="05000000000000000000" pitchFamily="2" charset="2"/>
+              </a:rPr>
+              <a:t> </a:t>
+            </a:r>
+          </a:p>
+          <a:p>
+            <a:r>
+              <a:rPr lang="en-US" altLang="zh-CN" sz="2400" dirty="0">
+                <a:sym typeface="Wingdings" panose="05000000000000000000" pitchFamily="2" charset="2"/>
+              </a:rPr>
+              <a:t>Why-How</a:t>
+            </a:r>
+            <a:r>
+              <a:rPr lang="zh-CN" altLang="en-US" sz="2400" dirty="0">
+                <a:sym typeface="Wingdings" panose="05000000000000000000" pitchFamily="2" charset="2"/>
+              </a:rPr>
+              <a:t>（第一点：</a:t>
+            </a:r>
+            <a:r>
+              <a:rPr lang="en-US" altLang="zh-CN" sz="2400" dirty="0">
+                <a:sym typeface="Wingdings" panose="05000000000000000000" pitchFamily="2" charset="2"/>
+              </a:rPr>
+              <a:t>insights</a:t>
+            </a:r>
+            <a:r>
+              <a:rPr lang="zh-CN" altLang="en-US" sz="2400" dirty="0">
+                <a:sym typeface="Wingdings" panose="05000000000000000000" pitchFamily="2" charset="2"/>
+              </a:rPr>
+              <a:t>）</a:t>
+            </a:r>
+            <a:r>
+              <a:rPr lang="en-US" altLang="zh-CN" sz="2400" dirty="0">
                 <a:sym typeface="Wingdings" panose="05000000000000000000" pitchFamily="2" charset="2"/>
               </a:rPr>
               <a:t> </a:t>
             </a:r>
             <a:r>
-              <a:rPr lang="zh-CN" altLang="en-US" dirty="0">
-                <a:sym typeface="Wingdings" panose="05000000000000000000" pitchFamily="2" charset="2"/>
-              </a:rPr>
-              <a:t>研究现状</a:t>
-            </a:r>
-            <a:endParaRPr lang="en-US" altLang="zh-CN" dirty="0">
-              <a:sym typeface="Wingdings" panose="05000000000000000000" pitchFamily="2" charset="2"/>
-            </a:endParaRPr>
-          </a:p>
-          <a:p>
-            <a:r>
-              <a:rPr lang="en-US" altLang="zh-CN" dirty="0">
-                <a:sym typeface="Wingdings" panose="05000000000000000000" pitchFamily="2" charset="2"/>
-              </a:rPr>
-              <a:t>Why-How</a:t>
-            </a:r>
-            <a:r>
-              <a:rPr lang="zh-CN" altLang="en-US" dirty="0">
-                <a:sym typeface="Wingdings" panose="05000000000000000000" pitchFamily="2" charset="2"/>
-              </a:rPr>
-              <a:t>（第一点：</a:t>
-            </a:r>
-            <a:r>
-              <a:rPr lang="en-US" altLang="zh-CN" dirty="0">
-                <a:sym typeface="Wingdings" panose="05000000000000000000" pitchFamily="2" charset="2"/>
-              </a:rPr>
-              <a:t>insights</a:t>
-            </a:r>
-            <a:r>
-              <a:rPr lang="zh-CN" altLang="en-US" dirty="0">
-                <a:sym typeface="Wingdings" panose="05000000000000000000" pitchFamily="2" charset="2"/>
-              </a:rPr>
-              <a:t>）</a:t>
-            </a:r>
-            <a:r>
-              <a:rPr lang="en-US" altLang="zh-CN" dirty="0">
-                <a:sym typeface="Wingdings" panose="05000000000000000000" pitchFamily="2" charset="2"/>
-              </a:rPr>
-              <a:t> </a:t>
-            </a:r>
-            <a:r>
-              <a:rPr lang="zh-CN" altLang="en-US" dirty="0">
+              <a:rPr lang="zh-CN" altLang="en-US" sz="2400" dirty="0">
                 <a:sym typeface="Wingdings" panose="05000000000000000000" pitchFamily="2" charset="2"/>
               </a:rPr>
               <a:t>可行性分析</a:t>
             </a:r>
-            <a:endParaRPr lang="zh-CN" altLang="en-US" dirty="0"/>
+            <a:endParaRPr lang="zh-CN" altLang="en-US" sz="2400" dirty="0"/>
+          </a:p>
+        </p:txBody>
+      </p:sp>
+      <p:cxnSp>
+        <p:nvCxnSpPr>
+          <p:cNvPr id="5" name="连接符: 肘形 4">
+            <a:extLst>
+              <a:ext uri="{FF2B5EF4-FFF2-40B4-BE49-F238E27FC236}">
+                <a16:creationId xmlns:a16="http://schemas.microsoft.com/office/drawing/2014/main" id="{A40DDFE2-5315-9D87-9389-E0F024989ACA}"/>
+              </a:ext>
+            </a:extLst>
+          </p:cNvPr>
+          <p:cNvCxnSpPr>
+            <a:cxnSpLocks/>
+            <a:stCxn id="8" idx="6"/>
+            <a:endCxn id="6" idx="6"/>
+          </p:cNvCxnSpPr>
+          <p:nvPr/>
+        </p:nvCxnSpPr>
+        <p:spPr>
+          <a:xfrm flipH="1" flipV="1">
+            <a:off x="7650418" y="2018759"/>
+            <a:ext cx="979585" cy="2736333"/>
+          </a:xfrm>
+          <a:prstGeom prst="bentConnector3">
+            <a:avLst>
+              <a:gd name="adj1" fmla="val -23336"/>
+            </a:avLst>
+          </a:prstGeom>
+          <a:ln>
+            <a:solidFill>
+              <a:schemeClr val="tx1">
+                <a:lumMod val="50000"/>
+                <a:lumOff val="50000"/>
+              </a:schemeClr>
+            </a:solidFill>
+            <a:tailEnd type="triangle"/>
+          </a:ln>
+        </p:spPr>
+        <p:style>
+          <a:lnRef idx="1">
+            <a:schemeClr val="accent1"/>
+          </a:lnRef>
+          <a:fillRef idx="0">
+            <a:schemeClr val="accent1"/>
+          </a:fillRef>
+          <a:effectRef idx="0">
+            <a:schemeClr val="accent1"/>
+          </a:effectRef>
+          <a:fontRef idx="minor">
+            <a:schemeClr val="tx1"/>
+          </a:fontRef>
+        </p:style>
+      </p:cxnSp>
+      <p:sp>
+        <p:nvSpPr>
+          <p:cNvPr id="6" name="椭圆 5">
+            <a:extLst>
+              <a:ext uri="{FF2B5EF4-FFF2-40B4-BE49-F238E27FC236}">
+                <a16:creationId xmlns:a16="http://schemas.microsoft.com/office/drawing/2014/main" id="{F2869284-15DB-AB84-B5EE-A5927E3F4E2A}"/>
+              </a:ext>
+            </a:extLst>
+          </p:cNvPr>
+          <p:cNvSpPr/>
+          <p:nvPr/>
+        </p:nvSpPr>
+        <p:spPr>
+          <a:xfrm>
+            <a:off x="7516854" y="1962138"/>
+            <a:ext cx="133564" cy="113242"/>
+          </a:xfrm>
+          <a:prstGeom prst="ellipse">
+            <a:avLst/>
+          </a:prstGeom>
+          <a:noFill/>
+          <a:ln>
+            <a:solidFill>
+              <a:schemeClr val="tx1">
+                <a:lumMod val="50000"/>
+                <a:lumOff val="50000"/>
+              </a:schemeClr>
+            </a:solidFill>
+          </a:ln>
+        </p:spPr>
+        <p:style>
+          <a:lnRef idx="2">
+            <a:schemeClr val="accent1">
+              <a:shade val="15000"/>
+            </a:schemeClr>
+          </a:lnRef>
+          <a:fillRef idx="1">
+            <a:schemeClr val="accent1"/>
+          </a:fillRef>
+          <a:effectRef idx="0">
+            <a:schemeClr val="accent1"/>
+          </a:effectRef>
+          <a:fontRef idx="minor">
+            <a:schemeClr val="lt1"/>
+          </a:fontRef>
+        </p:style>
+        <p:txBody>
+          <a:bodyPr rtlCol="0" anchor="ctr"/>
+          <a:lstStyle/>
+          <a:p>
+            <a:pPr algn="ctr"/>
+            <a:endParaRPr lang="zh-CN" altLang="en-US"/>
+          </a:p>
+        </p:txBody>
+      </p:sp>
+      <p:sp>
+        <p:nvSpPr>
+          <p:cNvPr id="8" name="椭圆 7">
+            <a:extLst>
+              <a:ext uri="{FF2B5EF4-FFF2-40B4-BE49-F238E27FC236}">
+                <a16:creationId xmlns:a16="http://schemas.microsoft.com/office/drawing/2014/main" id="{50103AD2-7BC7-245B-795C-17D93A71620A}"/>
+              </a:ext>
+            </a:extLst>
+          </p:cNvPr>
+          <p:cNvSpPr/>
+          <p:nvPr/>
+        </p:nvSpPr>
+        <p:spPr>
+          <a:xfrm>
+            <a:off x="8518987" y="4715933"/>
+            <a:ext cx="111016" cy="78317"/>
+          </a:xfrm>
+          <a:prstGeom prst="ellipse">
+            <a:avLst/>
+          </a:prstGeom>
+          <a:noFill/>
+          <a:ln>
+            <a:solidFill>
+              <a:schemeClr val="tx1">
+                <a:lumMod val="50000"/>
+                <a:lumOff val="50000"/>
+              </a:schemeClr>
+            </a:solidFill>
+          </a:ln>
+        </p:spPr>
+        <p:style>
+          <a:lnRef idx="2">
+            <a:schemeClr val="accent1">
+              <a:shade val="15000"/>
+            </a:schemeClr>
+          </a:lnRef>
+          <a:fillRef idx="1">
+            <a:schemeClr val="accent1"/>
+          </a:fillRef>
+          <a:effectRef idx="0">
+            <a:schemeClr val="accent1"/>
+          </a:effectRef>
+          <a:fontRef idx="minor">
+            <a:schemeClr val="lt1"/>
+          </a:fontRef>
+        </p:style>
+        <p:txBody>
+          <a:bodyPr rtlCol="0" anchor="ctr"/>
+          <a:lstStyle/>
+          <a:p>
+            <a:pPr algn="ctr"/>
+            <a:endParaRPr lang="zh-CN" altLang="en-US"/>
+          </a:p>
+        </p:txBody>
+      </p:sp>
+      <p:sp>
+        <p:nvSpPr>
+          <p:cNvPr id="15" name="椭圆 14">
+            <a:extLst>
+              <a:ext uri="{FF2B5EF4-FFF2-40B4-BE49-F238E27FC236}">
+                <a16:creationId xmlns:a16="http://schemas.microsoft.com/office/drawing/2014/main" id="{132DF712-DCB7-6C38-E2CF-33ABD07555A2}"/>
+              </a:ext>
+            </a:extLst>
+          </p:cNvPr>
+          <p:cNvSpPr/>
+          <p:nvPr/>
+        </p:nvSpPr>
+        <p:spPr>
+          <a:xfrm>
+            <a:off x="5784574" y="3330304"/>
+            <a:ext cx="133564" cy="113242"/>
+          </a:xfrm>
+          <a:prstGeom prst="ellipse">
+            <a:avLst/>
+          </a:prstGeom>
+          <a:noFill/>
+          <a:ln>
+            <a:solidFill>
+              <a:schemeClr val="tx1">
+                <a:lumMod val="50000"/>
+                <a:lumOff val="50000"/>
+              </a:schemeClr>
+            </a:solidFill>
+          </a:ln>
+        </p:spPr>
+        <p:style>
+          <a:lnRef idx="2">
+            <a:schemeClr val="accent1">
+              <a:shade val="15000"/>
+            </a:schemeClr>
+          </a:lnRef>
+          <a:fillRef idx="1">
+            <a:schemeClr val="accent1"/>
+          </a:fillRef>
+          <a:effectRef idx="0">
+            <a:schemeClr val="accent1"/>
+          </a:effectRef>
+          <a:fontRef idx="minor">
+            <a:schemeClr val="lt1"/>
+          </a:fontRef>
+        </p:style>
+        <p:txBody>
+          <a:bodyPr rtlCol="0" anchor="ctr"/>
+          <a:lstStyle/>
+          <a:p>
+            <a:pPr algn="ctr"/>
+            <a:endParaRPr lang="zh-CN" altLang="en-US"/>
+          </a:p>
+        </p:txBody>
+      </p:sp>
+      <p:cxnSp>
+        <p:nvCxnSpPr>
+          <p:cNvPr id="16" name="连接符: 肘形 15">
+            <a:extLst>
+              <a:ext uri="{FF2B5EF4-FFF2-40B4-BE49-F238E27FC236}">
+                <a16:creationId xmlns:a16="http://schemas.microsoft.com/office/drawing/2014/main" id="{D2C3155A-D87A-1641-DABF-4CB81567D4B0}"/>
+              </a:ext>
+            </a:extLst>
+          </p:cNvPr>
+          <p:cNvCxnSpPr>
+            <a:cxnSpLocks/>
+            <a:stCxn id="15" idx="6"/>
+            <a:endCxn id="17" idx="6"/>
+          </p:cNvCxnSpPr>
+          <p:nvPr/>
+        </p:nvCxnSpPr>
+        <p:spPr>
+          <a:xfrm flipH="1">
+            <a:off x="5156511" y="3386925"/>
+            <a:ext cx="761627" cy="459951"/>
+          </a:xfrm>
+          <a:prstGeom prst="bentConnector3">
+            <a:avLst>
+              <a:gd name="adj1" fmla="val -30015"/>
+            </a:avLst>
+          </a:prstGeom>
+          <a:ln>
+            <a:solidFill>
+              <a:schemeClr val="tx1">
+                <a:lumMod val="50000"/>
+                <a:lumOff val="50000"/>
+              </a:schemeClr>
+            </a:solidFill>
+            <a:tailEnd type="triangle"/>
+          </a:ln>
+        </p:spPr>
+        <p:style>
+          <a:lnRef idx="1">
+            <a:schemeClr val="accent1"/>
+          </a:lnRef>
+          <a:fillRef idx="0">
+            <a:schemeClr val="accent1"/>
+          </a:fillRef>
+          <a:effectRef idx="0">
+            <a:schemeClr val="accent1"/>
+          </a:effectRef>
+          <a:fontRef idx="minor">
+            <a:schemeClr val="tx1"/>
+          </a:fontRef>
+        </p:style>
+      </p:cxnSp>
+      <p:sp>
+        <p:nvSpPr>
+          <p:cNvPr id="17" name="椭圆 16">
+            <a:extLst>
+              <a:ext uri="{FF2B5EF4-FFF2-40B4-BE49-F238E27FC236}">
+                <a16:creationId xmlns:a16="http://schemas.microsoft.com/office/drawing/2014/main" id="{D625F442-A36D-5719-3E7E-5ADEA3DCBF81}"/>
+              </a:ext>
+            </a:extLst>
+          </p:cNvPr>
+          <p:cNvSpPr/>
+          <p:nvPr/>
+        </p:nvSpPr>
+        <p:spPr>
+          <a:xfrm>
+            <a:off x="5022947" y="3790255"/>
+            <a:ext cx="133564" cy="113242"/>
+          </a:xfrm>
+          <a:prstGeom prst="ellipse">
+            <a:avLst/>
+          </a:prstGeom>
+          <a:noFill/>
+          <a:ln>
+            <a:solidFill>
+              <a:schemeClr val="tx1">
+                <a:lumMod val="50000"/>
+                <a:lumOff val="50000"/>
+              </a:schemeClr>
+            </a:solidFill>
+          </a:ln>
+        </p:spPr>
+        <p:style>
+          <a:lnRef idx="2">
+            <a:schemeClr val="accent1">
+              <a:shade val="15000"/>
+            </a:schemeClr>
+          </a:lnRef>
+          <a:fillRef idx="1">
+            <a:schemeClr val="accent1"/>
+          </a:fillRef>
+          <a:effectRef idx="0">
+            <a:schemeClr val="accent1"/>
+          </a:effectRef>
+          <a:fontRef idx="minor">
+            <a:schemeClr val="lt1"/>
+          </a:fontRef>
+        </p:style>
+        <p:txBody>
+          <a:bodyPr rtlCol="0" anchor="ctr"/>
+          <a:lstStyle/>
+          <a:p>
+            <a:pPr algn="ctr"/>
+            <a:endParaRPr lang="zh-CN" altLang="en-US"/>
+          </a:p>
+        </p:txBody>
+      </p:sp>
+      <p:sp>
+        <p:nvSpPr>
+          <p:cNvPr id="25" name="文本框 24">
+            <a:extLst>
+              <a:ext uri="{FF2B5EF4-FFF2-40B4-BE49-F238E27FC236}">
+                <a16:creationId xmlns:a16="http://schemas.microsoft.com/office/drawing/2014/main" id="{AD35BF4A-9596-129A-7912-6EA228E67BE9}"/>
+              </a:ext>
+            </a:extLst>
+          </p:cNvPr>
+          <p:cNvSpPr txBox="1"/>
+          <p:nvPr/>
+        </p:nvSpPr>
+        <p:spPr>
+          <a:xfrm>
+            <a:off x="9050985" y="2928440"/>
+            <a:ext cx="1200282" cy="1200329"/>
+          </a:xfrm>
+          <a:prstGeom prst="rect">
+            <a:avLst/>
+          </a:prstGeom>
+          <a:noFill/>
+        </p:spPr>
+        <p:txBody>
+          <a:bodyPr wrap="square">
+            <a:spAutoFit/>
+          </a:bodyPr>
+          <a:lstStyle/>
+          <a:p>
+            <a:r>
+              <a:rPr lang="zh-CN" altLang="en-US" sz="1800" dirty="0">
+                <a:solidFill>
+                  <a:schemeClr val="tx1">
+                    <a:lumMod val="50000"/>
+                    <a:lumOff val="50000"/>
+                  </a:schemeClr>
+                </a:solidFill>
+                <a:sym typeface="Wingdings" panose="05000000000000000000" pitchFamily="2" charset="2"/>
+              </a:rPr>
+              <a:t>对现状更有针对性、更深层次的剖析</a:t>
+            </a:r>
+            <a:endParaRPr lang="en-US" altLang="zh-CN" sz="1800" dirty="0">
+              <a:solidFill>
+                <a:schemeClr val="tx1">
+                  <a:lumMod val="50000"/>
+                  <a:lumOff val="50000"/>
+                </a:schemeClr>
+              </a:solidFill>
+              <a:sym typeface="Wingdings" panose="05000000000000000000" pitchFamily="2" charset="2"/>
+            </a:endParaRPr>
+          </a:p>
+        </p:txBody>
+      </p:sp>
+      <p:sp>
+        <p:nvSpPr>
+          <p:cNvPr id="26" name="文本框 25">
+            <a:extLst>
+              <a:ext uri="{FF2B5EF4-FFF2-40B4-BE49-F238E27FC236}">
+                <a16:creationId xmlns:a16="http://schemas.microsoft.com/office/drawing/2014/main" id="{FD78870B-F7F7-120E-C058-DA6828FC4B5C}"/>
+              </a:ext>
+            </a:extLst>
+          </p:cNvPr>
+          <p:cNvSpPr txBox="1"/>
+          <p:nvPr/>
+        </p:nvSpPr>
+        <p:spPr>
+          <a:xfrm>
+            <a:off x="6240880" y="3443546"/>
+            <a:ext cx="2278107" cy="369332"/>
+          </a:xfrm>
+          <a:prstGeom prst="rect">
+            <a:avLst/>
+          </a:prstGeom>
+          <a:noFill/>
+        </p:spPr>
+        <p:txBody>
+          <a:bodyPr wrap="square">
+            <a:spAutoFit/>
+          </a:bodyPr>
+          <a:lstStyle/>
+          <a:p>
+            <a:r>
+              <a:rPr lang="zh-CN" altLang="en-US" sz="1800" dirty="0">
+                <a:solidFill>
+                  <a:schemeClr val="tx1">
+                    <a:lumMod val="50000"/>
+                    <a:lumOff val="50000"/>
+                  </a:schemeClr>
+                </a:solidFill>
+                <a:sym typeface="Wingdings" panose="05000000000000000000" pitchFamily="2" charset="2"/>
+              </a:rPr>
+              <a:t>抓住本质、引出方法</a:t>
+            </a:r>
+            <a:endParaRPr lang="en-US" altLang="zh-CN" sz="1800" dirty="0">
+              <a:solidFill>
+                <a:schemeClr val="tx1">
+                  <a:lumMod val="50000"/>
+                  <a:lumOff val="50000"/>
+                </a:schemeClr>
+              </a:solidFill>
+              <a:sym typeface="Wingdings" panose="05000000000000000000" pitchFamily="2" charset="2"/>
+            </a:endParaRPr>
           </a:p>
         </p:txBody>
       </p:sp>
